--- a/Presentations/ProjectPresentation_02-18.pptx
+++ b/Presentations/ProjectPresentation_02-18.pptx
@@ -6,14 +6,25 @@
   </p:sldMasterIdLst>
   <p:sldIdLst>
     <p:sldId id="256" r:id="rId2"/>
-    <p:sldId id="257" r:id="rId3"/>
-    <p:sldId id="258" r:id="rId4"/>
-    <p:sldId id="260" r:id="rId5"/>
-    <p:sldId id="259" r:id="rId6"/>
-    <p:sldId id="261" r:id="rId7"/>
-    <p:sldId id="262" r:id="rId8"/>
-    <p:sldId id="263" r:id="rId9"/>
-    <p:sldId id="264" r:id="rId10"/>
+    <p:sldId id="333" r:id="rId3"/>
+    <p:sldId id="257" r:id="rId4"/>
+    <p:sldId id="258" r:id="rId5"/>
+    <p:sldId id="260" r:id="rId6"/>
+    <p:sldId id="259" r:id="rId7"/>
+    <p:sldId id="261" r:id="rId8"/>
+    <p:sldId id="262" r:id="rId9"/>
+    <p:sldId id="263" r:id="rId10"/>
+    <p:sldId id="264" r:id="rId11"/>
+    <p:sldId id="335" r:id="rId12"/>
+    <p:sldId id="338" r:id="rId13"/>
+    <p:sldId id="336" r:id="rId14"/>
+    <p:sldId id="337" r:id="rId15"/>
+    <p:sldId id="340" r:id="rId16"/>
+    <p:sldId id="341" r:id="rId17"/>
+    <p:sldId id="342" r:id="rId18"/>
+    <p:sldId id="343" r:id="rId19"/>
+    <p:sldId id="339" r:id="rId20"/>
+    <p:sldId id="334" r:id="rId21"/>
   </p:sldIdLst>
   <p:sldSz cx="12192000" cy="6858000"/>
   <p:notesSz cx="6858000" cy="9144000"/>
@@ -279,7 +290,7 @@
           <a:p>
             <a:fld id="{CD63FF02-0E8F-C94D-9333-E7E525B6484A}" type="datetimeFigureOut">
               <a:rPr lang="en-US" smtClean="0"/>
-              <a:t>2/17/21</a:t>
+              <a:t>2/19/21</a:t>
             </a:fld>
             <a:endParaRPr lang="en-US"/>
           </a:p>
@@ -477,7 +488,7 @@
           <a:p>
             <a:fld id="{CD63FF02-0E8F-C94D-9333-E7E525B6484A}" type="datetimeFigureOut">
               <a:rPr lang="en-US" smtClean="0"/>
-              <a:t>2/17/21</a:t>
+              <a:t>2/19/21</a:t>
             </a:fld>
             <a:endParaRPr lang="en-US"/>
           </a:p>
@@ -685,7 +696,7 @@
           <a:p>
             <a:fld id="{CD63FF02-0E8F-C94D-9333-E7E525B6484A}" type="datetimeFigureOut">
               <a:rPr lang="en-US" smtClean="0"/>
-              <a:t>2/17/21</a:t>
+              <a:t>2/19/21</a:t>
             </a:fld>
             <a:endParaRPr lang="en-US"/>
           </a:p>
@@ -888,7 +899,7 @@
           <a:p>
             <a:fld id="{CD63FF02-0E8F-C94D-9333-E7E525B6484A}" type="datetimeFigureOut">
               <a:rPr lang="en-US" smtClean="0"/>
-              <a:t>2/17/21</a:t>
+              <a:t>2/19/21</a:t>
             </a:fld>
             <a:endParaRPr lang="en-US"/>
           </a:p>
@@ -1163,7 +1174,7 @@
           <a:p>
             <a:fld id="{CD63FF02-0E8F-C94D-9333-E7E525B6484A}" type="datetimeFigureOut">
               <a:rPr lang="en-US" smtClean="0"/>
-              <a:t>2/17/21</a:t>
+              <a:t>2/19/21</a:t>
             </a:fld>
             <a:endParaRPr lang="en-US"/>
           </a:p>
@@ -1428,7 +1439,7 @@
           <a:p>
             <a:fld id="{CD63FF02-0E8F-C94D-9333-E7E525B6484A}" type="datetimeFigureOut">
               <a:rPr lang="en-US" smtClean="0"/>
-              <a:t>2/17/21</a:t>
+              <a:t>2/19/21</a:t>
             </a:fld>
             <a:endParaRPr lang="en-US"/>
           </a:p>
@@ -1840,7 +1851,7 @@
           <a:p>
             <a:fld id="{CD63FF02-0E8F-C94D-9333-E7E525B6484A}" type="datetimeFigureOut">
               <a:rPr lang="en-US" smtClean="0"/>
-              <a:t>2/17/21</a:t>
+              <a:t>2/19/21</a:t>
             </a:fld>
             <a:endParaRPr lang="en-US"/>
           </a:p>
@@ -1981,7 +1992,7 @@
           <a:p>
             <a:fld id="{CD63FF02-0E8F-C94D-9333-E7E525B6484A}" type="datetimeFigureOut">
               <a:rPr lang="en-US" smtClean="0"/>
-              <a:t>2/17/21</a:t>
+              <a:t>2/19/21</a:t>
             </a:fld>
             <a:endParaRPr lang="en-US"/>
           </a:p>
@@ -2094,7 +2105,7 @@
           <a:p>
             <a:fld id="{CD63FF02-0E8F-C94D-9333-E7E525B6484A}" type="datetimeFigureOut">
               <a:rPr lang="en-US" smtClean="0"/>
-              <a:t>2/17/21</a:t>
+              <a:t>2/19/21</a:t>
             </a:fld>
             <a:endParaRPr lang="en-US"/>
           </a:p>
@@ -2405,7 +2416,7 @@
           <a:p>
             <a:fld id="{CD63FF02-0E8F-C94D-9333-E7E525B6484A}" type="datetimeFigureOut">
               <a:rPr lang="en-US" smtClean="0"/>
-              <a:t>2/17/21</a:t>
+              <a:t>2/19/21</a:t>
             </a:fld>
             <a:endParaRPr lang="en-US"/>
           </a:p>
@@ -2693,7 +2704,7 @@
           <a:p>
             <a:fld id="{CD63FF02-0E8F-C94D-9333-E7E525B6484A}" type="datetimeFigureOut">
               <a:rPr lang="en-US" smtClean="0"/>
-              <a:t>2/17/21</a:t>
+              <a:t>2/19/21</a:t>
             </a:fld>
             <a:endParaRPr lang="en-US"/>
           </a:p>
@@ -2943,7 +2954,7 @@
           <a:p>
             <a:fld id="{CD63FF02-0E8F-C94D-9333-E7E525B6484A}" type="datetimeFigureOut">
               <a:rPr lang="en-US" smtClean="0"/>
-              <a:t>2/17/21</a:t>
+              <a:t>2/19/21</a:t>
             </a:fld>
             <a:endParaRPr lang="en-US"/>
           </a:p>
@@ -3376,19 +3387,28 @@
             <p:ph type="ctrTitle"/>
           </p:nvPr>
         </p:nvSpPr>
-        <p:spPr/>
+        <p:spPr>
+          <a:xfrm>
+            <a:off x="2009955" y="1122363"/>
+            <a:ext cx="10182045" cy="2387600"/>
+          </a:xfrm>
+        </p:spPr>
         <p:txBody>
           <a:bodyPr>
             <a:normAutofit fontScale="90000"/>
           </a:bodyPr>
           <a:lstStyle/>
           <a:p>
+            <a:r>
+              <a:rPr lang="en-US" dirty="0"/>
+              <a:t>Neuromorphic Computing Project Proposal:</a:t>
+            </a:r>
             <a:br>
               <a:rPr lang="en-US" dirty="0"/>
             </a:br>
             <a:r>
               <a:rPr lang="en-US" dirty="0"/>
-              <a:t>FPGA Hardware Acceleration of CNN based SDR Analysis </a:t>
+              <a:t>FPGA Hardware Acceleration of CNN based SDR Analysis  </a:t>
             </a:r>
           </a:p>
         </p:txBody>
@@ -3412,7 +3432,7 @@
         <p:spPr/>
         <p:txBody>
           <a:bodyPr>
-            <a:normAutofit lnSpcReduction="10000"/>
+            <a:normAutofit fontScale="92500" lnSpcReduction="10000"/>
           </a:bodyPr>
           <a:lstStyle/>
           <a:p>
@@ -3502,6 +3522,3109 @@
     <p:extLst>
       <p:ext uri="{BB962C8B-B14F-4D97-AF65-F5344CB8AC3E}">
         <p14:creationId xmlns:p14="http://schemas.microsoft.com/office/powerpoint/2010/main" val="2293844587"/>
+      </p:ext>
+    </p:extLst>
+  </p:cSld>
+  <p:clrMapOvr>
+    <a:masterClrMapping/>
+  </p:clrMapOvr>
+</p:sld>
+</file>
+
+<file path=ppt/slides/slide10.xml><?xml version="1.0" encoding="utf-8"?>
+<p:sld xmlns:a="http://schemas.openxmlformats.org/drawingml/2006/main" xmlns:r="http://schemas.openxmlformats.org/officeDocument/2006/relationships" xmlns:p="http://schemas.openxmlformats.org/presentationml/2006/main">
+  <p:cSld>
+    <p:spTree>
+      <p:nvGrpSpPr>
+        <p:cNvPr id="1" name=""/>
+        <p:cNvGrpSpPr/>
+        <p:nvPr/>
+      </p:nvGrpSpPr>
+      <p:grpSpPr>
+        <a:xfrm>
+          <a:off x="0" y="0"/>
+          <a:ext cx="0" cy="0"/>
+          <a:chOff x="0" y="0"/>
+          <a:chExt cx="0" cy="0"/>
+        </a:xfrm>
+      </p:grpSpPr>
+      <p:sp>
+        <p:nvSpPr>
+          <p:cNvPr id="2" name="Title 1">
+            <a:extLst>
+              <a:ext uri="{FF2B5EF4-FFF2-40B4-BE49-F238E27FC236}">
+                <a16:creationId xmlns:a16="http://schemas.microsoft.com/office/drawing/2014/main" id="{7B93DCEC-6A23-3941-880F-F0E3D14ABF65}"/>
+              </a:ext>
+            </a:extLst>
+          </p:cNvPr>
+          <p:cNvSpPr>
+            <a:spLocks noGrp="1"/>
+          </p:cNvSpPr>
+          <p:nvPr>
+            <p:ph type="title"/>
+          </p:nvPr>
+        </p:nvSpPr>
+        <p:spPr/>
+        <p:txBody>
+          <a:bodyPr/>
+          <a:lstStyle/>
+          <a:p>
+            <a:r>
+              <a:rPr lang="en-US" dirty="0"/>
+              <a:t>Next week</a:t>
+            </a:r>
+          </a:p>
+        </p:txBody>
+      </p:sp>
+      <p:sp>
+        <p:nvSpPr>
+          <p:cNvPr id="3" name="Content Placeholder 2">
+            <a:extLst>
+              <a:ext uri="{FF2B5EF4-FFF2-40B4-BE49-F238E27FC236}">
+                <a16:creationId xmlns:a16="http://schemas.microsoft.com/office/drawing/2014/main" id="{EAE60796-2102-3748-96A5-D8C198702D8F}"/>
+              </a:ext>
+            </a:extLst>
+          </p:cNvPr>
+          <p:cNvSpPr>
+            <a:spLocks noGrp="1"/>
+          </p:cNvSpPr>
+          <p:nvPr>
+            <p:ph idx="1"/>
+          </p:nvPr>
+        </p:nvSpPr>
+        <p:spPr/>
+        <p:txBody>
+          <a:bodyPr/>
+          <a:lstStyle/>
+          <a:p>
+            <a:r>
+              <a:rPr lang="en-US" dirty="0"/>
+              <a:t>Implement backpropagation</a:t>
+            </a:r>
+          </a:p>
+          <a:p>
+            <a:r>
+              <a:rPr lang="en-US" dirty="0"/>
+              <a:t>Benchmark against TensorFlow to confirm functionality</a:t>
+            </a:r>
+          </a:p>
+          <a:p>
+            <a:r>
+              <a:rPr lang="en-US" dirty="0"/>
+              <a:t>Test using 1D dataset</a:t>
+            </a:r>
+          </a:p>
+        </p:txBody>
+      </p:sp>
+    </p:spTree>
+    <p:extLst>
+      <p:ext uri="{BB962C8B-B14F-4D97-AF65-F5344CB8AC3E}">
+        <p14:creationId xmlns:p14="http://schemas.microsoft.com/office/powerpoint/2010/main" val="2186156734"/>
+      </p:ext>
+    </p:extLst>
+  </p:cSld>
+  <p:clrMapOvr>
+    <a:masterClrMapping/>
+  </p:clrMapOvr>
+</p:sld>
+</file>
+
+<file path=ppt/slides/slide11.xml><?xml version="1.0" encoding="utf-8"?>
+<p:sld xmlns:a="http://schemas.openxmlformats.org/drawingml/2006/main" xmlns:r="http://schemas.openxmlformats.org/officeDocument/2006/relationships" xmlns:p="http://schemas.openxmlformats.org/presentationml/2006/main">
+  <p:cSld>
+    <p:spTree>
+      <p:nvGrpSpPr>
+        <p:cNvPr id="1" name=""/>
+        <p:cNvGrpSpPr/>
+        <p:nvPr/>
+      </p:nvGrpSpPr>
+      <p:grpSpPr>
+        <a:xfrm>
+          <a:off x="0" y="0"/>
+          <a:ext cx="0" cy="0"/>
+          <a:chOff x="0" y="0"/>
+          <a:chExt cx="0" cy="0"/>
+        </a:xfrm>
+      </p:grpSpPr>
+      <p:sp>
+        <p:nvSpPr>
+          <p:cNvPr id="2" name="Title 1">
+            <a:extLst>
+              <a:ext uri="{FF2B5EF4-FFF2-40B4-BE49-F238E27FC236}">
+                <a16:creationId xmlns:a16="http://schemas.microsoft.com/office/drawing/2014/main" id="{BBFFCFBD-10F3-A942-97D6-A91A58E96A53}"/>
+              </a:ext>
+            </a:extLst>
+          </p:cNvPr>
+          <p:cNvSpPr>
+            <a:spLocks noGrp="1"/>
+          </p:cNvSpPr>
+          <p:nvPr>
+            <p:ph type="title"/>
+          </p:nvPr>
+        </p:nvSpPr>
+        <p:spPr/>
+        <p:txBody>
+          <a:bodyPr/>
+          <a:lstStyle/>
+          <a:p>
+            <a:r>
+              <a:rPr lang="en-US" dirty="0"/>
+              <a:t>Josh’s Project Progress</a:t>
+            </a:r>
+          </a:p>
+        </p:txBody>
+      </p:sp>
+      <p:sp>
+        <p:nvSpPr>
+          <p:cNvPr id="3" name="Content Placeholder 2">
+            <a:extLst>
+              <a:ext uri="{FF2B5EF4-FFF2-40B4-BE49-F238E27FC236}">
+                <a16:creationId xmlns:a16="http://schemas.microsoft.com/office/drawing/2014/main" id="{8B5CE503-65D2-434B-B746-E03119BAFA7F}"/>
+              </a:ext>
+            </a:extLst>
+          </p:cNvPr>
+          <p:cNvSpPr>
+            <a:spLocks noGrp="1"/>
+          </p:cNvSpPr>
+          <p:nvPr>
+            <p:ph idx="1"/>
+          </p:nvPr>
+        </p:nvSpPr>
+        <p:spPr/>
+        <p:txBody>
+          <a:bodyPr/>
+          <a:lstStyle/>
+          <a:p>
+            <a:r>
+              <a:rPr lang="en-US" dirty="0"/>
+              <a:t>Literature surveys on circuit designs for analog adders and multipliers</a:t>
+            </a:r>
+          </a:p>
+          <a:p>
+            <a:r>
+              <a:rPr lang="en-US" dirty="0"/>
+              <a:t>Literature surveys on </a:t>
+            </a:r>
+            <a:r>
+              <a:rPr lang="en-US" dirty="0" err="1"/>
+              <a:t>FeFET</a:t>
+            </a:r>
+            <a:r>
+              <a:rPr lang="en-US" dirty="0"/>
+              <a:t> Neuromorphic implementations</a:t>
+            </a:r>
+          </a:p>
+          <a:p>
+            <a:pPr lvl="1"/>
+            <a:r>
+              <a:rPr lang="en-US" dirty="0"/>
+              <a:t>Focusing on CNN Hardware implementations and matrix multiplication</a:t>
+            </a:r>
+          </a:p>
+          <a:p>
+            <a:pPr lvl="1"/>
+            <a:r>
+              <a:rPr lang="en-US" dirty="0"/>
+              <a:t>I’m highlighting two papers in particular, but each one contains valuable information</a:t>
+            </a:r>
+          </a:p>
+        </p:txBody>
+      </p:sp>
+    </p:spTree>
+    <p:extLst>
+      <p:ext uri="{BB962C8B-B14F-4D97-AF65-F5344CB8AC3E}">
+        <p14:creationId xmlns:p14="http://schemas.microsoft.com/office/powerpoint/2010/main" val="1164777549"/>
+      </p:ext>
+    </p:extLst>
+  </p:cSld>
+  <p:clrMapOvr>
+    <a:masterClrMapping/>
+  </p:clrMapOvr>
+</p:sld>
+</file>
+
+<file path=ppt/slides/slide12.xml><?xml version="1.0" encoding="utf-8"?>
+<p:sld xmlns:a="http://schemas.openxmlformats.org/drawingml/2006/main" xmlns:r="http://schemas.openxmlformats.org/officeDocument/2006/relationships" xmlns:p="http://schemas.openxmlformats.org/presentationml/2006/main">
+  <p:cSld>
+    <p:spTree>
+      <p:nvGrpSpPr>
+        <p:cNvPr id="1" name=""/>
+        <p:cNvGrpSpPr/>
+        <p:nvPr/>
+      </p:nvGrpSpPr>
+      <p:grpSpPr>
+        <a:xfrm>
+          <a:off x="0" y="0"/>
+          <a:ext cx="0" cy="0"/>
+          <a:chOff x="0" y="0"/>
+          <a:chExt cx="0" cy="0"/>
+        </a:xfrm>
+      </p:grpSpPr>
+      <p:sp>
+        <p:nvSpPr>
+          <p:cNvPr id="2" name="Title 1">
+            <a:extLst>
+              <a:ext uri="{FF2B5EF4-FFF2-40B4-BE49-F238E27FC236}">
+                <a16:creationId xmlns:a16="http://schemas.microsoft.com/office/drawing/2014/main" id="{BBFFCFBD-10F3-A942-97D6-A91A58E96A53}"/>
+              </a:ext>
+            </a:extLst>
+          </p:cNvPr>
+          <p:cNvSpPr>
+            <a:spLocks noGrp="1"/>
+          </p:cNvSpPr>
+          <p:nvPr>
+            <p:ph type="title"/>
+          </p:nvPr>
+        </p:nvSpPr>
+        <p:spPr/>
+        <p:txBody>
+          <a:bodyPr>
+            <a:normAutofit/>
+          </a:bodyPr>
+          <a:lstStyle/>
+          <a:p>
+            <a:r>
+              <a:rPr lang="en-US" dirty="0"/>
+              <a:t>Basic Block Diagram of Matrix Multiplication in CONV Layer</a:t>
+            </a:r>
+          </a:p>
+        </p:txBody>
+      </p:sp>
+      <p:sp>
+        <p:nvSpPr>
+          <p:cNvPr id="3" name="Content Placeholder 2">
+            <a:extLst>
+              <a:ext uri="{FF2B5EF4-FFF2-40B4-BE49-F238E27FC236}">
+                <a16:creationId xmlns:a16="http://schemas.microsoft.com/office/drawing/2014/main" id="{8B5CE503-65D2-434B-B746-E03119BAFA7F}"/>
+              </a:ext>
+            </a:extLst>
+          </p:cNvPr>
+          <p:cNvSpPr>
+            <a:spLocks noGrp="1"/>
+          </p:cNvSpPr>
+          <p:nvPr>
+            <p:ph idx="1"/>
+          </p:nvPr>
+        </p:nvSpPr>
+        <p:spPr>
+          <a:xfrm>
+            <a:off x="2904565" y="5417389"/>
+            <a:ext cx="8449235" cy="759574"/>
+          </a:xfrm>
+        </p:spPr>
+        <p:txBody>
+          <a:bodyPr>
+            <a:normAutofit fontScale="92500" lnSpcReduction="10000"/>
+          </a:bodyPr>
+          <a:lstStyle/>
+          <a:p>
+            <a:r>
+              <a:rPr lang="en-US" dirty="0"/>
+              <a:t>Idea: </a:t>
+            </a:r>
+            <a:r>
+              <a:rPr lang="en-US" dirty="0" err="1"/>
+              <a:t>FeFETS</a:t>
+            </a:r>
+            <a:r>
+              <a:rPr lang="en-US" dirty="0"/>
+              <a:t> may be used in the Filter Kernel operations as programmable voltage-controlled resistor weights</a:t>
+            </a:r>
+          </a:p>
+        </p:txBody>
+      </p:sp>
+      <p:sp>
+        <p:nvSpPr>
+          <p:cNvPr id="4" name="Rectangle 3">
+            <a:extLst>
+              <a:ext uri="{FF2B5EF4-FFF2-40B4-BE49-F238E27FC236}">
+                <a16:creationId xmlns:a16="http://schemas.microsoft.com/office/drawing/2014/main" id="{1B3986B2-E43E-432B-8CC3-EC9692A1DFE3}"/>
+              </a:ext>
+            </a:extLst>
+          </p:cNvPr>
+          <p:cNvSpPr/>
+          <p:nvPr/>
+        </p:nvSpPr>
+        <p:spPr>
+          <a:xfrm>
+            <a:off x="3223743" y="1893409"/>
+            <a:ext cx="2130725" cy="1414732"/>
+          </a:xfrm>
+          <a:prstGeom prst="rect">
+            <a:avLst/>
+          </a:prstGeom>
+          <a:noFill/>
+          <a:ln w="38100">
+            <a:solidFill>
+              <a:schemeClr val="tx1"/>
+            </a:solidFill>
+          </a:ln>
+          <a:effectLst/>
+        </p:spPr>
+        <p:style>
+          <a:lnRef idx="2">
+            <a:schemeClr val="accent1">
+              <a:shade val="50000"/>
+            </a:schemeClr>
+          </a:lnRef>
+          <a:fillRef idx="1">
+            <a:schemeClr val="accent1"/>
+          </a:fillRef>
+          <a:effectRef idx="0">
+            <a:schemeClr val="accent1"/>
+          </a:effectRef>
+          <a:fontRef idx="minor">
+            <a:schemeClr val="lt1"/>
+          </a:fontRef>
+        </p:style>
+        <p:txBody>
+          <a:bodyPr rtlCol="0" anchor="ctr"/>
+          <a:lstStyle/>
+          <a:p>
+            <a:pPr algn="ctr"/>
+            <a:r>
+              <a:rPr lang="en-US" dirty="0">
+                <a:solidFill>
+                  <a:schemeClr val="tx1"/>
+                </a:solidFill>
+              </a:rPr>
+              <a:t>Inputs from SDR</a:t>
+            </a:r>
+          </a:p>
+          <a:p>
+            <a:pPr algn="ctr"/>
+            <a:r>
+              <a:rPr lang="en-US" dirty="0">
+                <a:solidFill>
+                  <a:schemeClr val="tx1"/>
+                </a:solidFill>
+              </a:rPr>
+              <a:t>Digital Mixer</a:t>
+            </a:r>
+          </a:p>
+        </p:txBody>
+      </p:sp>
+      <p:sp>
+        <p:nvSpPr>
+          <p:cNvPr id="6" name="Rectangle 5">
+            <a:extLst>
+              <a:ext uri="{FF2B5EF4-FFF2-40B4-BE49-F238E27FC236}">
+                <a16:creationId xmlns:a16="http://schemas.microsoft.com/office/drawing/2014/main" id="{48F7D1B4-C5A5-4463-A045-193E849246BD}"/>
+              </a:ext>
+            </a:extLst>
+          </p:cNvPr>
+          <p:cNvSpPr/>
+          <p:nvPr/>
+        </p:nvSpPr>
+        <p:spPr>
+          <a:xfrm>
+            <a:off x="5791539" y="1889185"/>
+            <a:ext cx="2130725" cy="1414732"/>
+          </a:xfrm>
+          <a:prstGeom prst="rect">
+            <a:avLst/>
+          </a:prstGeom>
+          <a:noFill/>
+          <a:ln w="38100">
+            <a:solidFill>
+              <a:schemeClr val="tx1"/>
+            </a:solidFill>
+          </a:ln>
+          <a:effectLst/>
+        </p:spPr>
+        <p:style>
+          <a:lnRef idx="2">
+            <a:schemeClr val="accent1">
+              <a:shade val="50000"/>
+            </a:schemeClr>
+          </a:lnRef>
+          <a:fillRef idx="1">
+            <a:schemeClr val="accent1"/>
+          </a:fillRef>
+          <a:effectRef idx="0">
+            <a:schemeClr val="accent1"/>
+          </a:effectRef>
+          <a:fontRef idx="minor">
+            <a:schemeClr val="lt1"/>
+          </a:fontRef>
+        </p:style>
+        <p:txBody>
+          <a:bodyPr rtlCol="0" anchor="ctr"/>
+          <a:lstStyle/>
+          <a:p>
+            <a:pPr algn="ctr"/>
+            <a:r>
+              <a:rPr lang="en-US" dirty="0">
+                <a:solidFill>
+                  <a:schemeClr val="tx1"/>
+                </a:solidFill>
+              </a:rPr>
+              <a:t>DAC</a:t>
+            </a:r>
+          </a:p>
+        </p:txBody>
+      </p:sp>
+      <p:sp>
+        <p:nvSpPr>
+          <p:cNvPr id="7" name="Rectangle 6">
+            <a:extLst>
+              <a:ext uri="{FF2B5EF4-FFF2-40B4-BE49-F238E27FC236}">
+                <a16:creationId xmlns:a16="http://schemas.microsoft.com/office/drawing/2014/main" id="{ECF754F3-4856-452A-8E71-9290597C07EC}"/>
+              </a:ext>
+            </a:extLst>
+          </p:cNvPr>
+          <p:cNvSpPr/>
+          <p:nvPr/>
+        </p:nvSpPr>
+        <p:spPr>
+          <a:xfrm>
+            <a:off x="8359335" y="1893409"/>
+            <a:ext cx="2130725" cy="1414732"/>
+          </a:xfrm>
+          <a:prstGeom prst="rect">
+            <a:avLst/>
+          </a:prstGeom>
+          <a:noFill/>
+          <a:ln w="38100">
+            <a:solidFill>
+              <a:schemeClr val="tx1"/>
+            </a:solidFill>
+          </a:ln>
+          <a:effectLst/>
+        </p:spPr>
+        <p:style>
+          <a:lnRef idx="2">
+            <a:schemeClr val="accent1">
+              <a:shade val="50000"/>
+            </a:schemeClr>
+          </a:lnRef>
+          <a:fillRef idx="1">
+            <a:schemeClr val="accent1"/>
+          </a:fillRef>
+          <a:effectRef idx="0">
+            <a:schemeClr val="accent1"/>
+          </a:effectRef>
+          <a:fontRef idx="minor">
+            <a:schemeClr val="lt1"/>
+          </a:fontRef>
+        </p:style>
+        <p:txBody>
+          <a:bodyPr rtlCol="0" anchor="ctr"/>
+          <a:lstStyle/>
+          <a:p>
+            <a:pPr algn="ctr"/>
+            <a:r>
+              <a:rPr lang="en-US" dirty="0">
+                <a:solidFill>
+                  <a:schemeClr val="tx1"/>
+                </a:solidFill>
+              </a:rPr>
+              <a:t>Filter Kernel</a:t>
+            </a:r>
+          </a:p>
+          <a:p>
+            <a:pPr algn="ctr"/>
+            <a:r>
+              <a:rPr lang="en-US" dirty="0">
+                <a:solidFill>
+                  <a:schemeClr val="tx1"/>
+                </a:solidFill>
+              </a:rPr>
+              <a:t>Analog Multiplier</a:t>
+            </a:r>
+          </a:p>
+        </p:txBody>
+      </p:sp>
+      <p:sp>
+        <p:nvSpPr>
+          <p:cNvPr id="8" name="Rectangle 7">
+            <a:extLst>
+              <a:ext uri="{FF2B5EF4-FFF2-40B4-BE49-F238E27FC236}">
+                <a16:creationId xmlns:a16="http://schemas.microsoft.com/office/drawing/2014/main" id="{CE831A0F-7592-4804-BD00-E1301E320C6D}"/>
+              </a:ext>
+            </a:extLst>
+          </p:cNvPr>
+          <p:cNvSpPr/>
+          <p:nvPr/>
+        </p:nvSpPr>
+        <p:spPr>
+          <a:xfrm>
+            <a:off x="8359337" y="3745213"/>
+            <a:ext cx="2130725" cy="1414732"/>
+          </a:xfrm>
+          <a:prstGeom prst="rect">
+            <a:avLst/>
+          </a:prstGeom>
+          <a:noFill/>
+          <a:ln w="38100">
+            <a:solidFill>
+              <a:schemeClr val="tx1"/>
+            </a:solidFill>
+          </a:ln>
+          <a:effectLst/>
+        </p:spPr>
+        <p:style>
+          <a:lnRef idx="2">
+            <a:schemeClr val="accent1">
+              <a:shade val="50000"/>
+            </a:schemeClr>
+          </a:lnRef>
+          <a:fillRef idx="1">
+            <a:schemeClr val="accent1"/>
+          </a:fillRef>
+          <a:effectRef idx="0">
+            <a:schemeClr val="accent1"/>
+          </a:effectRef>
+          <a:fontRef idx="minor">
+            <a:schemeClr val="lt1"/>
+          </a:fontRef>
+        </p:style>
+        <p:txBody>
+          <a:bodyPr rtlCol="0" anchor="ctr"/>
+          <a:lstStyle/>
+          <a:p>
+            <a:pPr algn="ctr"/>
+            <a:r>
+              <a:rPr lang="en-US" dirty="0">
+                <a:solidFill>
+                  <a:schemeClr val="tx1"/>
+                </a:solidFill>
+              </a:rPr>
+              <a:t>Filter Kernel</a:t>
+            </a:r>
+          </a:p>
+          <a:p>
+            <a:pPr algn="ctr"/>
+            <a:r>
+              <a:rPr lang="en-US" dirty="0">
+                <a:solidFill>
+                  <a:schemeClr val="tx1"/>
+                </a:solidFill>
+              </a:rPr>
+              <a:t>Analog Adder</a:t>
+            </a:r>
+          </a:p>
+        </p:txBody>
+      </p:sp>
+      <p:sp>
+        <p:nvSpPr>
+          <p:cNvPr id="9" name="Rectangle 8">
+            <a:extLst>
+              <a:ext uri="{FF2B5EF4-FFF2-40B4-BE49-F238E27FC236}">
+                <a16:creationId xmlns:a16="http://schemas.microsoft.com/office/drawing/2014/main" id="{24318902-5DD6-424A-994D-A67C61F42454}"/>
+              </a:ext>
+            </a:extLst>
+          </p:cNvPr>
+          <p:cNvSpPr/>
+          <p:nvPr/>
+        </p:nvSpPr>
+        <p:spPr>
+          <a:xfrm>
+            <a:off x="5791540" y="3745213"/>
+            <a:ext cx="2130725" cy="1414732"/>
+          </a:xfrm>
+          <a:prstGeom prst="rect">
+            <a:avLst/>
+          </a:prstGeom>
+          <a:noFill/>
+          <a:ln w="38100">
+            <a:solidFill>
+              <a:schemeClr val="tx1"/>
+            </a:solidFill>
+          </a:ln>
+          <a:effectLst/>
+        </p:spPr>
+        <p:style>
+          <a:lnRef idx="2">
+            <a:schemeClr val="accent1">
+              <a:shade val="50000"/>
+            </a:schemeClr>
+          </a:lnRef>
+          <a:fillRef idx="1">
+            <a:schemeClr val="accent1"/>
+          </a:fillRef>
+          <a:effectRef idx="0">
+            <a:schemeClr val="accent1"/>
+          </a:effectRef>
+          <a:fontRef idx="minor">
+            <a:schemeClr val="lt1"/>
+          </a:fontRef>
+        </p:style>
+        <p:txBody>
+          <a:bodyPr rtlCol="0" anchor="ctr"/>
+          <a:lstStyle/>
+          <a:p>
+            <a:pPr algn="ctr"/>
+            <a:r>
+              <a:rPr lang="en-US" dirty="0">
+                <a:solidFill>
+                  <a:schemeClr val="tx1"/>
+                </a:solidFill>
+              </a:rPr>
+              <a:t>ADC</a:t>
+            </a:r>
+          </a:p>
+        </p:txBody>
+      </p:sp>
+      <p:sp>
+        <p:nvSpPr>
+          <p:cNvPr id="10" name="Rectangle 9">
+            <a:extLst>
+              <a:ext uri="{FF2B5EF4-FFF2-40B4-BE49-F238E27FC236}">
+                <a16:creationId xmlns:a16="http://schemas.microsoft.com/office/drawing/2014/main" id="{A612D757-4CC1-4605-91D5-499F5BC1684A}"/>
+              </a:ext>
+            </a:extLst>
+          </p:cNvPr>
+          <p:cNvSpPr/>
+          <p:nvPr/>
+        </p:nvSpPr>
+        <p:spPr>
+          <a:xfrm>
+            <a:off x="3223743" y="3745213"/>
+            <a:ext cx="2130725" cy="1414732"/>
+          </a:xfrm>
+          <a:prstGeom prst="rect">
+            <a:avLst/>
+          </a:prstGeom>
+          <a:noFill/>
+          <a:ln w="38100">
+            <a:solidFill>
+              <a:schemeClr val="tx1"/>
+            </a:solidFill>
+          </a:ln>
+          <a:effectLst/>
+        </p:spPr>
+        <p:style>
+          <a:lnRef idx="2">
+            <a:schemeClr val="accent1">
+              <a:shade val="50000"/>
+            </a:schemeClr>
+          </a:lnRef>
+          <a:fillRef idx="1">
+            <a:schemeClr val="accent1"/>
+          </a:fillRef>
+          <a:effectRef idx="0">
+            <a:schemeClr val="accent1"/>
+          </a:effectRef>
+          <a:fontRef idx="minor">
+            <a:schemeClr val="lt1"/>
+          </a:fontRef>
+        </p:style>
+        <p:txBody>
+          <a:bodyPr rtlCol="0" anchor="ctr"/>
+          <a:lstStyle/>
+          <a:p>
+            <a:pPr algn="ctr"/>
+            <a:r>
+              <a:rPr lang="en-US" dirty="0">
+                <a:solidFill>
+                  <a:schemeClr val="tx1"/>
+                </a:solidFill>
+              </a:rPr>
+              <a:t>Output </a:t>
+            </a:r>
+          </a:p>
+          <a:p>
+            <a:pPr algn="ctr"/>
+            <a:r>
+              <a:rPr lang="en-US" dirty="0">
+                <a:solidFill>
+                  <a:schemeClr val="tx1"/>
+                </a:solidFill>
+              </a:rPr>
+              <a:t>to Pooling Layer</a:t>
+            </a:r>
+          </a:p>
+        </p:txBody>
+      </p:sp>
+      <p:cxnSp>
+        <p:nvCxnSpPr>
+          <p:cNvPr id="12" name="Straight Arrow Connector 11">
+            <a:extLst>
+              <a:ext uri="{FF2B5EF4-FFF2-40B4-BE49-F238E27FC236}">
+                <a16:creationId xmlns:a16="http://schemas.microsoft.com/office/drawing/2014/main" id="{D9CAB0E6-F39C-4952-8FCB-03DEC1FE175C}"/>
+              </a:ext>
+            </a:extLst>
+          </p:cNvPr>
+          <p:cNvCxnSpPr>
+            <a:stCxn id="4" idx="3"/>
+            <a:endCxn id="6" idx="1"/>
+          </p:cNvCxnSpPr>
+          <p:nvPr/>
+        </p:nvCxnSpPr>
+        <p:spPr>
+          <a:xfrm flipV="1">
+            <a:off x="5354468" y="2596551"/>
+            <a:ext cx="437071" cy="4224"/>
+          </a:xfrm>
+          <a:prstGeom prst="straightConnector1">
+            <a:avLst/>
+          </a:prstGeom>
+          <a:ln w="76200">
+            <a:solidFill>
+              <a:schemeClr val="accent1"/>
+            </a:solidFill>
+            <a:tailEnd type="triangle"/>
+          </a:ln>
+          <a:effectLst/>
+        </p:spPr>
+        <p:style>
+          <a:lnRef idx="1">
+            <a:schemeClr val="dk1"/>
+          </a:lnRef>
+          <a:fillRef idx="0">
+            <a:schemeClr val="dk1"/>
+          </a:fillRef>
+          <a:effectRef idx="0">
+            <a:schemeClr val="dk1"/>
+          </a:effectRef>
+          <a:fontRef idx="minor">
+            <a:schemeClr val="tx1"/>
+          </a:fontRef>
+        </p:style>
+      </p:cxnSp>
+      <p:cxnSp>
+        <p:nvCxnSpPr>
+          <p:cNvPr id="13" name="Straight Arrow Connector 12">
+            <a:extLst>
+              <a:ext uri="{FF2B5EF4-FFF2-40B4-BE49-F238E27FC236}">
+                <a16:creationId xmlns:a16="http://schemas.microsoft.com/office/drawing/2014/main" id="{35128CCA-B718-4CB3-B223-082B6BA60CF9}"/>
+              </a:ext>
+            </a:extLst>
+          </p:cNvPr>
+          <p:cNvCxnSpPr/>
+          <p:nvPr/>
+        </p:nvCxnSpPr>
+        <p:spPr>
+          <a:xfrm flipV="1">
+            <a:off x="7934103" y="2607289"/>
+            <a:ext cx="437071" cy="4224"/>
+          </a:xfrm>
+          <a:prstGeom prst="straightConnector1">
+            <a:avLst/>
+          </a:prstGeom>
+          <a:ln w="76200">
+            <a:solidFill>
+              <a:schemeClr val="accent1"/>
+            </a:solidFill>
+            <a:tailEnd type="triangle"/>
+          </a:ln>
+          <a:effectLst/>
+        </p:spPr>
+        <p:style>
+          <a:lnRef idx="1">
+            <a:schemeClr val="dk1"/>
+          </a:lnRef>
+          <a:fillRef idx="0">
+            <a:schemeClr val="dk1"/>
+          </a:fillRef>
+          <a:effectRef idx="0">
+            <a:schemeClr val="dk1"/>
+          </a:effectRef>
+          <a:fontRef idx="minor">
+            <a:schemeClr val="tx1"/>
+          </a:fontRef>
+        </p:style>
+      </p:cxnSp>
+      <p:cxnSp>
+        <p:nvCxnSpPr>
+          <p:cNvPr id="14" name="Straight Arrow Connector 13">
+            <a:extLst>
+              <a:ext uri="{FF2B5EF4-FFF2-40B4-BE49-F238E27FC236}">
+                <a16:creationId xmlns:a16="http://schemas.microsoft.com/office/drawing/2014/main" id="{111BD23A-5E6B-445A-88D8-507039AF2AC0}"/>
+              </a:ext>
+            </a:extLst>
+          </p:cNvPr>
+          <p:cNvCxnSpPr>
+            <a:cxnSpLocks/>
+          </p:cNvCxnSpPr>
+          <p:nvPr/>
+        </p:nvCxnSpPr>
+        <p:spPr>
+          <a:xfrm flipH="1" flipV="1">
+            <a:off x="7922265" y="4444131"/>
+            <a:ext cx="437071" cy="4224"/>
+          </a:xfrm>
+          <a:prstGeom prst="straightConnector1">
+            <a:avLst/>
+          </a:prstGeom>
+          <a:ln w="76200">
+            <a:solidFill>
+              <a:schemeClr val="accent1"/>
+            </a:solidFill>
+            <a:tailEnd type="triangle"/>
+          </a:ln>
+          <a:effectLst/>
+        </p:spPr>
+        <p:style>
+          <a:lnRef idx="1">
+            <a:schemeClr val="dk1"/>
+          </a:lnRef>
+          <a:fillRef idx="0">
+            <a:schemeClr val="dk1"/>
+          </a:fillRef>
+          <a:effectRef idx="0">
+            <a:schemeClr val="dk1"/>
+          </a:effectRef>
+          <a:fontRef idx="minor">
+            <a:schemeClr val="tx1"/>
+          </a:fontRef>
+        </p:style>
+      </p:cxnSp>
+      <p:cxnSp>
+        <p:nvCxnSpPr>
+          <p:cNvPr id="15" name="Straight Arrow Connector 14">
+            <a:extLst>
+              <a:ext uri="{FF2B5EF4-FFF2-40B4-BE49-F238E27FC236}">
+                <a16:creationId xmlns:a16="http://schemas.microsoft.com/office/drawing/2014/main" id="{C82C020B-4CB9-4706-9D96-492497FEB9C4}"/>
+              </a:ext>
+            </a:extLst>
+          </p:cNvPr>
+          <p:cNvCxnSpPr>
+            <a:cxnSpLocks/>
+          </p:cNvCxnSpPr>
+          <p:nvPr/>
+        </p:nvCxnSpPr>
+        <p:spPr>
+          <a:xfrm flipH="1" flipV="1">
+            <a:off x="5354468" y="4458598"/>
+            <a:ext cx="437071" cy="4224"/>
+          </a:xfrm>
+          <a:prstGeom prst="straightConnector1">
+            <a:avLst/>
+          </a:prstGeom>
+          <a:ln w="76200">
+            <a:solidFill>
+              <a:schemeClr val="accent1"/>
+            </a:solidFill>
+            <a:tailEnd type="triangle"/>
+          </a:ln>
+          <a:effectLst/>
+        </p:spPr>
+        <p:style>
+          <a:lnRef idx="1">
+            <a:schemeClr val="dk1"/>
+          </a:lnRef>
+          <a:fillRef idx="0">
+            <a:schemeClr val="dk1"/>
+          </a:fillRef>
+          <a:effectRef idx="0">
+            <a:schemeClr val="dk1"/>
+          </a:effectRef>
+          <a:fontRef idx="minor">
+            <a:schemeClr val="tx1"/>
+          </a:fontRef>
+        </p:style>
+      </p:cxnSp>
+      <p:cxnSp>
+        <p:nvCxnSpPr>
+          <p:cNvPr id="16" name="Straight Arrow Connector 15">
+            <a:extLst>
+              <a:ext uri="{FF2B5EF4-FFF2-40B4-BE49-F238E27FC236}">
+                <a16:creationId xmlns:a16="http://schemas.microsoft.com/office/drawing/2014/main" id="{258B67F0-E397-4E1D-84EC-0673AED71606}"/>
+              </a:ext>
+            </a:extLst>
+          </p:cNvPr>
+          <p:cNvCxnSpPr>
+            <a:cxnSpLocks/>
+          </p:cNvCxnSpPr>
+          <p:nvPr/>
+        </p:nvCxnSpPr>
+        <p:spPr>
+          <a:xfrm rot="16200000" flipH="1" flipV="1">
+            <a:off x="9208272" y="3524565"/>
+            <a:ext cx="437071" cy="4224"/>
+          </a:xfrm>
+          <a:prstGeom prst="straightConnector1">
+            <a:avLst/>
+          </a:prstGeom>
+          <a:ln w="76200">
+            <a:solidFill>
+              <a:schemeClr val="accent1"/>
+            </a:solidFill>
+            <a:tailEnd type="triangle"/>
+          </a:ln>
+          <a:effectLst/>
+        </p:spPr>
+        <p:style>
+          <a:lnRef idx="1">
+            <a:schemeClr val="dk1"/>
+          </a:lnRef>
+          <a:fillRef idx="0">
+            <a:schemeClr val="dk1"/>
+          </a:fillRef>
+          <a:effectRef idx="0">
+            <a:schemeClr val="dk1"/>
+          </a:effectRef>
+          <a:fontRef idx="minor">
+            <a:schemeClr val="tx1"/>
+          </a:fontRef>
+        </p:style>
+      </p:cxnSp>
+    </p:spTree>
+    <p:extLst>
+      <p:ext uri="{BB962C8B-B14F-4D97-AF65-F5344CB8AC3E}">
+        <p14:creationId xmlns:p14="http://schemas.microsoft.com/office/powerpoint/2010/main" val="2743431184"/>
+      </p:ext>
+    </p:extLst>
+  </p:cSld>
+  <p:clrMapOvr>
+    <a:masterClrMapping/>
+  </p:clrMapOvr>
+</p:sld>
+</file>
+
+<file path=ppt/slides/slide13.xml><?xml version="1.0" encoding="utf-8"?>
+<p:sld xmlns:a="http://schemas.openxmlformats.org/drawingml/2006/main" xmlns:r="http://schemas.openxmlformats.org/officeDocument/2006/relationships" xmlns:p="http://schemas.openxmlformats.org/presentationml/2006/main">
+  <p:cSld>
+    <p:spTree>
+      <p:nvGrpSpPr>
+        <p:cNvPr id="1" name=""/>
+        <p:cNvGrpSpPr/>
+        <p:nvPr/>
+      </p:nvGrpSpPr>
+      <p:grpSpPr>
+        <a:xfrm>
+          <a:off x="0" y="0"/>
+          <a:ext cx="0" cy="0"/>
+          <a:chOff x="0" y="0"/>
+          <a:chExt cx="0" cy="0"/>
+        </a:xfrm>
+      </p:grpSpPr>
+      <p:sp>
+        <p:nvSpPr>
+          <p:cNvPr id="2" name="Title 1">
+            <a:extLst>
+              <a:ext uri="{FF2B5EF4-FFF2-40B4-BE49-F238E27FC236}">
+                <a16:creationId xmlns:a16="http://schemas.microsoft.com/office/drawing/2014/main" id="{BBFFCFBD-10F3-A942-97D6-A91A58E96A53}"/>
+              </a:ext>
+            </a:extLst>
+          </p:cNvPr>
+          <p:cNvSpPr>
+            <a:spLocks noGrp="1"/>
+          </p:cNvSpPr>
+          <p:nvPr>
+            <p:ph type="title"/>
+          </p:nvPr>
+        </p:nvSpPr>
+        <p:spPr/>
+        <p:txBody>
+          <a:bodyPr/>
+          <a:lstStyle/>
+          <a:p>
+            <a:r>
+              <a:rPr lang="en-US" dirty="0"/>
+              <a:t>Analog Adder</a:t>
+            </a:r>
+          </a:p>
+        </p:txBody>
+      </p:sp>
+      <mc:AlternateContent xmlns:mc="http://schemas.openxmlformats.org/markup-compatibility/2006" xmlns:a14="http://schemas.microsoft.com/office/drawing/2010/main">
+        <mc:Choice Requires="a14">
+          <p:sp>
+            <p:nvSpPr>
+              <p:cNvPr id="3" name="Content Placeholder 2">
+                <a:extLst>
+                  <a:ext uri="{FF2B5EF4-FFF2-40B4-BE49-F238E27FC236}">
+                    <a16:creationId xmlns:a16="http://schemas.microsoft.com/office/drawing/2014/main" id="{8B5CE503-65D2-434B-B746-E03119BAFA7F}"/>
+                  </a:ext>
+                </a:extLst>
+              </p:cNvPr>
+              <p:cNvSpPr>
+                <a:spLocks noGrp="1"/>
+              </p:cNvSpPr>
+              <p:nvPr>
+                <p:ph idx="1"/>
+              </p:nvPr>
+            </p:nvSpPr>
+            <p:spPr>
+              <a:xfrm>
+                <a:off x="2904386" y="3752597"/>
+                <a:ext cx="8449235" cy="3059922"/>
+              </a:xfrm>
+            </p:spPr>
+            <p:txBody>
+              <a:bodyPr>
+                <a:normAutofit/>
+              </a:bodyPr>
+              <a:lstStyle/>
+              <a:p>
+                <a:r>
+                  <a:rPr lang="en-US" dirty="0"/>
+                  <a:t>Simple analog adder making use of an Op-Amp</a:t>
+                </a:r>
+              </a:p>
+              <a:p>
+                <a14:m>
+                  <m:oMath xmlns:m="http://schemas.openxmlformats.org/officeDocument/2006/math">
+                    <m:sSub>
+                      <m:sSubPr>
+                        <m:ctrlPr>
+                          <a:rPr lang="en-US" i="1" smtClean="0">
+                            <a:latin typeface="Cambria Math" panose="02040503050406030204" pitchFamily="18" charset="0"/>
+                          </a:rPr>
+                        </m:ctrlPr>
+                      </m:sSubPr>
+                      <m:e>
+                        <m:r>
+                          <a:rPr lang="en-US" b="0" i="1" smtClean="0">
+                            <a:latin typeface="Cambria Math" panose="02040503050406030204" pitchFamily="18" charset="0"/>
+                          </a:rPr>
+                          <m:t>𝑉</m:t>
+                        </m:r>
+                      </m:e>
+                      <m:sub>
+                        <m:r>
+                          <a:rPr lang="en-US" b="0" i="1" smtClean="0">
+                            <a:latin typeface="Cambria Math" panose="02040503050406030204" pitchFamily="18" charset="0"/>
+                          </a:rPr>
+                          <m:t>𝑜</m:t>
+                        </m:r>
+                      </m:sub>
+                    </m:sSub>
+                    <m:r>
+                      <a:rPr lang="en-US" b="0" i="1" smtClean="0">
+                        <a:latin typeface="Cambria Math" panose="02040503050406030204" pitchFamily="18" charset="0"/>
+                      </a:rPr>
+                      <m:t>=(</m:t>
+                    </m:r>
+                    <m:f>
+                      <m:fPr>
+                        <m:ctrlPr>
+                          <a:rPr lang="en-US" b="0" i="1" smtClean="0">
+                            <a:latin typeface="Cambria Math" panose="02040503050406030204" pitchFamily="18" charset="0"/>
+                          </a:rPr>
+                        </m:ctrlPr>
+                      </m:fPr>
+                      <m:num>
+                        <m:sSub>
+                          <m:sSubPr>
+                            <m:ctrlPr>
+                              <a:rPr lang="en-US" b="0" i="1" smtClean="0">
+                                <a:latin typeface="Cambria Math" panose="02040503050406030204" pitchFamily="18" charset="0"/>
+                              </a:rPr>
+                            </m:ctrlPr>
+                          </m:sSubPr>
+                          <m:e>
+                            <m:r>
+                              <a:rPr lang="en-US" b="0" i="1" smtClean="0">
+                                <a:latin typeface="Cambria Math" panose="02040503050406030204" pitchFamily="18" charset="0"/>
+                              </a:rPr>
+                              <m:t>𝑅</m:t>
+                            </m:r>
+                          </m:e>
+                          <m:sub>
+                            <m:r>
+                              <a:rPr lang="en-US" b="0" i="1" smtClean="0">
+                                <a:latin typeface="Cambria Math" panose="02040503050406030204" pitchFamily="18" charset="0"/>
+                              </a:rPr>
+                              <m:t>𝑓</m:t>
+                            </m:r>
+                          </m:sub>
+                        </m:sSub>
+                        <m:sSub>
+                          <m:sSubPr>
+                            <m:ctrlPr>
+                              <a:rPr lang="en-US" b="0" i="1" smtClean="0">
+                                <a:latin typeface="Cambria Math" panose="02040503050406030204" pitchFamily="18" charset="0"/>
+                              </a:rPr>
+                            </m:ctrlPr>
+                          </m:sSubPr>
+                          <m:e>
+                            <m:r>
+                              <a:rPr lang="en-US" b="0" i="1" smtClean="0">
+                                <a:latin typeface="Cambria Math" panose="02040503050406030204" pitchFamily="18" charset="0"/>
+                              </a:rPr>
+                              <m:t>𝑉</m:t>
+                            </m:r>
+                          </m:e>
+                          <m:sub>
+                            <m:r>
+                              <a:rPr lang="en-US" b="0" i="1" smtClean="0">
+                                <a:latin typeface="Cambria Math" panose="02040503050406030204" pitchFamily="18" charset="0"/>
+                              </a:rPr>
+                              <m:t>1</m:t>
+                            </m:r>
+                          </m:sub>
+                        </m:sSub>
+                      </m:num>
+                      <m:den>
+                        <m:sSub>
+                          <m:sSubPr>
+                            <m:ctrlPr>
+                              <a:rPr lang="en-US" b="0" i="1" smtClean="0">
+                                <a:latin typeface="Cambria Math" panose="02040503050406030204" pitchFamily="18" charset="0"/>
+                              </a:rPr>
+                            </m:ctrlPr>
+                          </m:sSubPr>
+                          <m:e>
+                            <m:r>
+                              <a:rPr lang="en-US" b="0" i="1" smtClean="0">
+                                <a:latin typeface="Cambria Math" panose="02040503050406030204" pitchFamily="18" charset="0"/>
+                              </a:rPr>
+                              <m:t>𝑅</m:t>
+                            </m:r>
+                          </m:e>
+                          <m:sub>
+                            <m:r>
+                              <a:rPr lang="en-US" b="0" i="1" smtClean="0">
+                                <a:latin typeface="Cambria Math" panose="02040503050406030204" pitchFamily="18" charset="0"/>
+                              </a:rPr>
+                              <m:t>1</m:t>
+                            </m:r>
+                          </m:sub>
+                        </m:sSub>
+                      </m:den>
+                    </m:f>
+                    <m:r>
+                      <a:rPr lang="en-US" b="0" i="1" smtClean="0">
+                        <a:latin typeface="Cambria Math" panose="02040503050406030204" pitchFamily="18" charset="0"/>
+                      </a:rPr>
+                      <m:t>+</m:t>
+                    </m:r>
+                    <m:f>
+                      <m:fPr>
+                        <m:ctrlPr>
+                          <a:rPr lang="en-US" b="0" i="1" smtClean="0">
+                            <a:latin typeface="Cambria Math" panose="02040503050406030204" pitchFamily="18" charset="0"/>
+                          </a:rPr>
+                        </m:ctrlPr>
+                      </m:fPr>
+                      <m:num>
+                        <m:sSub>
+                          <m:sSubPr>
+                            <m:ctrlPr>
+                              <a:rPr lang="en-US" b="0" i="1" smtClean="0">
+                                <a:latin typeface="Cambria Math" panose="02040503050406030204" pitchFamily="18" charset="0"/>
+                              </a:rPr>
+                            </m:ctrlPr>
+                          </m:sSubPr>
+                          <m:e>
+                            <m:r>
+                              <a:rPr lang="en-US" b="0" i="1" smtClean="0">
+                                <a:latin typeface="Cambria Math" panose="02040503050406030204" pitchFamily="18" charset="0"/>
+                              </a:rPr>
+                              <m:t>𝑅</m:t>
+                            </m:r>
+                          </m:e>
+                          <m:sub>
+                            <m:r>
+                              <a:rPr lang="en-US" b="0" i="1" smtClean="0">
+                                <a:latin typeface="Cambria Math" panose="02040503050406030204" pitchFamily="18" charset="0"/>
+                              </a:rPr>
+                              <m:t>𝑓</m:t>
+                            </m:r>
+                          </m:sub>
+                        </m:sSub>
+                        <m:sSub>
+                          <m:sSubPr>
+                            <m:ctrlPr>
+                              <a:rPr lang="en-US" b="0" i="1" smtClean="0">
+                                <a:latin typeface="Cambria Math" panose="02040503050406030204" pitchFamily="18" charset="0"/>
+                              </a:rPr>
+                            </m:ctrlPr>
+                          </m:sSubPr>
+                          <m:e>
+                            <m:r>
+                              <a:rPr lang="en-US" b="0" i="1" smtClean="0">
+                                <a:latin typeface="Cambria Math" panose="02040503050406030204" pitchFamily="18" charset="0"/>
+                              </a:rPr>
+                              <m:t>𝑉</m:t>
+                            </m:r>
+                          </m:e>
+                          <m:sub>
+                            <m:r>
+                              <a:rPr lang="en-US" b="0" i="1" smtClean="0">
+                                <a:latin typeface="Cambria Math" panose="02040503050406030204" pitchFamily="18" charset="0"/>
+                              </a:rPr>
+                              <m:t>2</m:t>
+                            </m:r>
+                          </m:sub>
+                        </m:sSub>
+                      </m:num>
+                      <m:den>
+                        <m:sSub>
+                          <m:sSubPr>
+                            <m:ctrlPr>
+                              <a:rPr lang="en-US" b="0" i="1" smtClean="0">
+                                <a:latin typeface="Cambria Math" panose="02040503050406030204" pitchFamily="18" charset="0"/>
+                              </a:rPr>
+                            </m:ctrlPr>
+                          </m:sSubPr>
+                          <m:e>
+                            <m:r>
+                              <a:rPr lang="en-US" b="0" i="1" smtClean="0">
+                                <a:latin typeface="Cambria Math" panose="02040503050406030204" pitchFamily="18" charset="0"/>
+                              </a:rPr>
+                              <m:t>𝑅</m:t>
+                            </m:r>
+                          </m:e>
+                          <m:sub>
+                            <m:r>
+                              <a:rPr lang="en-US" b="0" i="1" smtClean="0">
+                                <a:latin typeface="Cambria Math" panose="02040503050406030204" pitchFamily="18" charset="0"/>
+                              </a:rPr>
+                              <m:t>2</m:t>
+                            </m:r>
+                          </m:sub>
+                        </m:sSub>
+                      </m:den>
+                    </m:f>
+                    <m:r>
+                      <a:rPr lang="en-US" b="0" i="1" smtClean="0">
+                        <a:latin typeface="Cambria Math" panose="02040503050406030204" pitchFamily="18" charset="0"/>
+                      </a:rPr>
+                      <m:t>)</m:t>
+                    </m:r>
+                  </m:oMath>
+                </a14:m>
+                <a:endParaRPr lang="en-US" dirty="0"/>
+              </a:p>
+              <a:p>
+                <a:pPr lvl="1"/>
+                <a:r>
+                  <a:rPr lang="en-US" dirty="0"/>
+                  <a:t>Here R</a:t>
+                </a:r>
+                <a:r>
+                  <a:rPr lang="en-US" baseline="-25000" dirty="0"/>
+                  <a:t>1</a:t>
+                </a:r>
+                <a:r>
+                  <a:rPr lang="en-US" dirty="0"/>
+                  <a:t> and R</a:t>
+                </a:r>
+                <a:r>
+                  <a:rPr lang="en-US" baseline="-25000" dirty="0"/>
+                  <a:t>2</a:t>
+                </a:r>
+                <a:r>
+                  <a:rPr lang="en-US" dirty="0"/>
+                  <a:t> are effectively the weights on the addition operation</a:t>
+                </a:r>
+              </a:p>
+            </p:txBody>
+          </p:sp>
+        </mc:Choice>
+        <mc:Fallback xmlns="">
+          <p:sp>
+            <p:nvSpPr>
+              <p:cNvPr id="3" name="Content Placeholder 2">
+                <a:extLst>
+                  <a:ext uri="{FF2B5EF4-FFF2-40B4-BE49-F238E27FC236}">
+                    <a16:creationId xmlns:a16="http://schemas.microsoft.com/office/drawing/2014/main" id="{8B5CE503-65D2-434B-B746-E03119BAFA7F}"/>
+                  </a:ext>
+                </a:extLst>
+              </p:cNvPr>
+              <p:cNvSpPr>
+                <a:spLocks noGrp="1" noRot="1" noChangeAspect="1" noMove="1" noResize="1" noEditPoints="1" noAdjustHandles="1" noChangeArrowheads="1" noChangeShapeType="1" noTextEdit="1"/>
+              </p:cNvSpPr>
+              <p:nvPr>
+                <p:ph idx="1"/>
+              </p:nvPr>
+            </p:nvSpPr>
+            <p:spPr>
+              <a:xfrm>
+                <a:off x="2904386" y="3752597"/>
+                <a:ext cx="8449235" cy="3059922"/>
+              </a:xfrm>
+              <a:blipFill>
+                <a:blip r:embed="rId2"/>
+                <a:stretch>
+                  <a:fillRect l="-1299" t="-3386"/>
+                </a:stretch>
+              </a:blipFill>
+            </p:spPr>
+            <p:txBody>
+              <a:bodyPr/>
+              <a:lstStyle/>
+              <a:p>
+                <a:r>
+                  <a:rPr lang="en-US">
+                    <a:noFill/>
+                  </a:rPr>
+                  <a:t> </a:t>
+                </a:r>
+              </a:p>
+            </p:txBody>
+          </p:sp>
+        </mc:Fallback>
+      </mc:AlternateContent>
+      <p:pic>
+        <p:nvPicPr>
+          <p:cNvPr id="7" name="Picture 6" descr="Diagram&#10;&#10;Description automatically generated">
+            <a:extLst>
+              <a:ext uri="{FF2B5EF4-FFF2-40B4-BE49-F238E27FC236}">
+                <a16:creationId xmlns:a16="http://schemas.microsoft.com/office/drawing/2014/main" id="{C443F50B-602C-4FD7-97FA-572E646B415B}"/>
+              </a:ext>
+            </a:extLst>
+          </p:cNvPr>
+          <p:cNvPicPr>
+            <a:picLocks noChangeAspect="1"/>
+          </p:cNvPicPr>
+          <p:nvPr/>
+        </p:nvPicPr>
+        <p:blipFill>
+          <a:blip r:embed="rId3"/>
+          <a:stretch>
+            <a:fillRect/>
+          </a:stretch>
+        </p:blipFill>
+        <p:spPr>
+          <a:xfrm>
+            <a:off x="5073396" y="1690688"/>
+            <a:ext cx="4111394" cy="2061908"/>
+          </a:xfrm>
+          <a:prstGeom prst="rect">
+            <a:avLst/>
+          </a:prstGeom>
+        </p:spPr>
+      </p:pic>
+    </p:spTree>
+    <p:extLst>
+      <p:ext uri="{BB962C8B-B14F-4D97-AF65-F5344CB8AC3E}">
+        <p14:creationId xmlns:p14="http://schemas.microsoft.com/office/powerpoint/2010/main" val="787079961"/>
+      </p:ext>
+    </p:extLst>
+  </p:cSld>
+  <p:clrMapOvr>
+    <a:masterClrMapping/>
+  </p:clrMapOvr>
+</p:sld>
+</file>
+
+<file path=ppt/slides/slide14.xml><?xml version="1.0" encoding="utf-8"?>
+<p:sld xmlns:a="http://schemas.openxmlformats.org/drawingml/2006/main" xmlns:r="http://schemas.openxmlformats.org/officeDocument/2006/relationships" xmlns:p="http://schemas.openxmlformats.org/presentationml/2006/main">
+  <p:cSld>
+    <p:spTree>
+      <p:nvGrpSpPr>
+        <p:cNvPr id="1" name=""/>
+        <p:cNvGrpSpPr/>
+        <p:nvPr/>
+      </p:nvGrpSpPr>
+      <p:grpSpPr>
+        <a:xfrm>
+          <a:off x="0" y="0"/>
+          <a:ext cx="0" cy="0"/>
+          <a:chOff x="0" y="0"/>
+          <a:chExt cx="0" cy="0"/>
+        </a:xfrm>
+      </p:grpSpPr>
+      <p:sp>
+        <p:nvSpPr>
+          <p:cNvPr id="2" name="Title 1">
+            <a:extLst>
+              <a:ext uri="{FF2B5EF4-FFF2-40B4-BE49-F238E27FC236}">
+                <a16:creationId xmlns:a16="http://schemas.microsoft.com/office/drawing/2014/main" id="{BBFFCFBD-10F3-A942-97D6-A91A58E96A53}"/>
+              </a:ext>
+            </a:extLst>
+          </p:cNvPr>
+          <p:cNvSpPr>
+            <a:spLocks noGrp="1"/>
+          </p:cNvSpPr>
+          <p:nvPr>
+            <p:ph type="title"/>
+          </p:nvPr>
+        </p:nvSpPr>
+        <p:spPr/>
+        <p:txBody>
+          <a:bodyPr/>
+          <a:lstStyle/>
+          <a:p>
+            <a:r>
+              <a:rPr lang="en-US" dirty="0"/>
+              <a:t>Analog Multiplier</a:t>
+            </a:r>
+          </a:p>
+        </p:txBody>
+      </p:sp>
+      <mc:AlternateContent xmlns:mc="http://schemas.openxmlformats.org/markup-compatibility/2006" xmlns:a14="http://schemas.microsoft.com/office/drawing/2010/main">
+        <mc:Choice Requires="a14">
+          <p:sp>
+            <p:nvSpPr>
+              <p:cNvPr id="3" name="Content Placeholder 2">
+                <a:extLst>
+                  <a:ext uri="{FF2B5EF4-FFF2-40B4-BE49-F238E27FC236}">
+                    <a16:creationId xmlns:a16="http://schemas.microsoft.com/office/drawing/2014/main" id="{8B5CE503-65D2-434B-B746-E03119BAFA7F}"/>
+                  </a:ext>
+                </a:extLst>
+              </p:cNvPr>
+              <p:cNvSpPr>
+                <a:spLocks noGrp="1"/>
+              </p:cNvSpPr>
+              <p:nvPr>
+                <p:ph idx="1"/>
+              </p:nvPr>
+            </p:nvSpPr>
+            <p:spPr>
+              <a:xfrm>
+                <a:off x="2901511" y="4698049"/>
+                <a:ext cx="8449235" cy="2156604"/>
+              </a:xfrm>
+            </p:spPr>
+            <p:txBody>
+              <a:bodyPr>
+                <a:normAutofit fontScale="85000" lnSpcReduction="10000"/>
+              </a:bodyPr>
+              <a:lstStyle/>
+              <a:p>
+                <a:r>
+                  <a:rPr lang="en-US" dirty="0"/>
+                  <a:t>Simple analog multiplier making use of Op-Amps and MOSFETs</a:t>
+                </a:r>
+              </a:p>
+              <a:p>
+                <a14:m>
+                  <m:oMath xmlns:m="http://schemas.openxmlformats.org/officeDocument/2006/math">
+                    <m:sSub>
+                      <m:sSubPr>
+                        <m:ctrlPr>
+                          <a:rPr lang="en-US" i="1" smtClean="0">
+                            <a:latin typeface="Cambria Math" panose="02040503050406030204" pitchFamily="18" charset="0"/>
+                          </a:rPr>
+                        </m:ctrlPr>
+                      </m:sSubPr>
+                      <m:e>
+                        <m:r>
+                          <a:rPr lang="en-US" b="0" i="1" smtClean="0">
+                            <a:latin typeface="Cambria Math" panose="02040503050406030204" pitchFamily="18" charset="0"/>
+                          </a:rPr>
+                          <m:t>𝑉</m:t>
+                        </m:r>
+                      </m:e>
+                      <m:sub>
+                        <m:r>
+                          <a:rPr lang="en-US" b="0" i="1" smtClean="0">
+                            <a:latin typeface="Cambria Math" panose="02040503050406030204" pitchFamily="18" charset="0"/>
+                          </a:rPr>
+                          <m:t>𝑜</m:t>
+                        </m:r>
+                      </m:sub>
+                    </m:sSub>
+                    <m:r>
+                      <a:rPr lang="en-US" b="0" i="1" smtClean="0">
+                        <a:latin typeface="Cambria Math" panose="02040503050406030204" pitchFamily="18" charset="0"/>
+                      </a:rPr>
+                      <m:t>=</m:t>
+                    </m:r>
+                    <m:f>
+                      <m:fPr>
+                        <m:ctrlPr>
+                          <a:rPr lang="en-US" b="0" i="1" smtClean="0">
+                            <a:latin typeface="Cambria Math" panose="02040503050406030204" pitchFamily="18" charset="0"/>
+                          </a:rPr>
+                        </m:ctrlPr>
+                      </m:fPr>
+                      <m:num>
+                        <m:sSub>
+                          <m:sSubPr>
+                            <m:ctrlPr>
+                              <a:rPr lang="en-US" b="0" i="1" smtClean="0">
+                                <a:latin typeface="Cambria Math" panose="02040503050406030204" pitchFamily="18" charset="0"/>
+                              </a:rPr>
+                            </m:ctrlPr>
+                          </m:sSubPr>
+                          <m:e>
+                            <m:r>
+                              <a:rPr lang="en-US" b="0" i="1" smtClean="0">
+                                <a:latin typeface="Cambria Math" panose="02040503050406030204" pitchFamily="18" charset="0"/>
+                              </a:rPr>
+                              <m:t>𝑅</m:t>
+                            </m:r>
+                          </m:e>
+                          <m:sub>
+                            <m:r>
+                              <a:rPr lang="en-US" b="0" i="1" smtClean="0">
+                                <a:latin typeface="Cambria Math" panose="02040503050406030204" pitchFamily="18" charset="0"/>
+                              </a:rPr>
+                              <m:t>2</m:t>
+                            </m:r>
+                          </m:sub>
+                        </m:sSub>
+                      </m:num>
+                      <m:den>
+                        <m:sSub>
+                          <m:sSubPr>
+                            <m:ctrlPr>
+                              <a:rPr lang="en-US" b="0" i="1" smtClean="0">
+                                <a:latin typeface="Cambria Math" panose="02040503050406030204" pitchFamily="18" charset="0"/>
+                              </a:rPr>
+                            </m:ctrlPr>
+                          </m:sSubPr>
+                          <m:e>
+                            <m:r>
+                              <a:rPr lang="en-US" b="0" i="1" smtClean="0">
+                                <a:latin typeface="Cambria Math" panose="02040503050406030204" pitchFamily="18" charset="0"/>
+                              </a:rPr>
+                              <m:t>𝑅</m:t>
+                            </m:r>
+                          </m:e>
+                          <m:sub>
+                            <m:r>
+                              <a:rPr lang="en-US" b="0" i="1" smtClean="0">
+                                <a:latin typeface="Cambria Math" panose="02040503050406030204" pitchFamily="18" charset="0"/>
+                              </a:rPr>
+                              <m:t>1</m:t>
+                            </m:r>
+                          </m:sub>
+                        </m:sSub>
+                      </m:den>
+                    </m:f>
+                    <m:r>
+                      <a:rPr lang="en-US" b="0" i="1" smtClean="0">
+                        <a:latin typeface="Cambria Math" panose="02040503050406030204" pitchFamily="18" charset="0"/>
+                      </a:rPr>
+                      <m:t>∗</m:t>
+                    </m:r>
+                    <m:f>
+                      <m:fPr>
+                        <m:ctrlPr>
+                          <a:rPr lang="en-US" b="0" i="1" smtClean="0">
+                            <a:latin typeface="Cambria Math" panose="02040503050406030204" pitchFamily="18" charset="0"/>
+                          </a:rPr>
+                        </m:ctrlPr>
+                      </m:fPr>
+                      <m:num>
+                        <m:sSub>
+                          <m:sSubPr>
+                            <m:ctrlPr>
+                              <a:rPr lang="en-US" b="0" i="1" smtClean="0">
+                                <a:latin typeface="Cambria Math" panose="02040503050406030204" pitchFamily="18" charset="0"/>
+                              </a:rPr>
+                            </m:ctrlPr>
+                          </m:sSubPr>
+                          <m:e>
+                            <m:r>
+                              <a:rPr lang="en-US" b="0" i="1" smtClean="0">
+                                <a:latin typeface="Cambria Math" panose="02040503050406030204" pitchFamily="18" charset="0"/>
+                              </a:rPr>
+                              <m:t>𝑉</m:t>
+                            </m:r>
+                          </m:e>
+                          <m:sub>
+                            <m:r>
+                              <a:rPr lang="en-US" b="0" i="1" smtClean="0">
+                                <a:latin typeface="Cambria Math" panose="02040503050406030204" pitchFamily="18" charset="0"/>
+                              </a:rPr>
+                              <m:t>1</m:t>
+                            </m:r>
+                          </m:sub>
+                        </m:sSub>
+                        <m:sSub>
+                          <m:sSubPr>
+                            <m:ctrlPr>
+                              <a:rPr lang="en-US" b="0" i="1" smtClean="0">
+                                <a:latin typeface="Cambria Math" panose="02040503050406030204" pitchFamily="18" charset="0"/>
+                              </a:rPr>
+                            </m:ctrlPr>
+                          </m:sSubPr>
+                          <m:e>
+                            <m:r>
+                              <a:rPr lang="en-US" b="0" i="1" smtClean="0">
+                                <a:latin typeface="Cambria Math" panose="02040503050406030204" pitchFamily="18" charset="0"/>
+                              </a:rPr>
+                              <m:t>𝑉</m:t>
+                            </m:r>
+                          </m:e>
+                          <m:sub>
+                            <m:r>
+                              <a:rPr lang="en-US" b="0" i="1" smtClean="0">
+                                <a:latin typeface="Cambria Math" panose="02040503050406030204" pitchFamily="18" charset="0"/>
+                              </a:rPr>
+                              <m:t>2</m:t>
+                            </m:r>
+                          </m:sub>
+                        </m:sSub>
+                      </m:num>
+                      <m:den>
+                        <m:sSub>
+                          <m:sSubPr>
+                            <m:ctrlPr>
+                              <a:rPr lang="en-US" b="0" i="1" smtClean="0">
+                                <a:latin typeface="Cambria Math" panose="02040503050406030204" pitchFamily="18" charset="0"/>
+                              </a:rPr>
+                            </m:ctrlPr>
+                          </m:sSubPr>
+                          <m:e>
+                            <m:r>
+                              <a:rPr lang="en-US" b="0" i="1" smtClean="0">
+                                <a:latin typeface="Cambria Math" panose="02040503050406030204" pitchFamily="18" charset="0"/>
+                              </a:rPr>
+                              <m:t>𝑉</m:t>
+                            </m:r>
+                          </m:e>
+                          <m:sub>
+                            <m:r>
+                              <a:rPr lang="en-US" b="0" i="1" smtClean="0">
+                                <a:latin typeface="Cambria Math" panose="02040503050406030204" pitchFamily="18" charset="0"/>
+                              </a:rPr>
+                              <m:t>𝑟𝑒𝑓</m:t>
+                            </m:r>
+                          </m:sub>
+                        </m:sSub>
+                      </m:den>
+                    </m:f>
+                  </m:oMath>
+                </a14:m>
+                <a:endParaRPr lang="en-US" dirty="0"/>
+              </a:p>
+              <a:p>
+                <a:r>
+                  <a:rPr lang="en-US" dirty="0"/>
+                  <a:t>Here M</a:t>
+                </a:r>
+                <a:r>
+                  <a:rPr lang="en-US" baseline="-25000" dirty="0"/>
+                  <a:t>1</a:t>
+                </a:r>
+                <a:r>
+                  <a:rPr lang="en-US" dirty="0"/>
+                  <a:t> and M</a:t>
+                </a:r>
+                <a:r>
+                  <a:rPr lang="en-US" baseline="-25000" dirty="0"/>
+                  <a:t>2</a:t>
+                </a:r>
+                <a:r>
+                  <a:rPr lang="en-US" dirty="0"/>
+                  <a:t> are acting as voltage-controlled resistors. With </a:t>
+                </a:r>
+                <a:r>
+                  <a:rPr lang="en-US" dirty="0" err="1"/>
+                  <a:t>FeFETs</a:t>
+                </a:r>
+                <a:r>
+                  <a:rPr lang="en-US" dirty="0"/>
+                  <a:t> substituting in for traditional MOSFETS, we now can have programmable weights used for multiplication</a:t>
+                </a:r>
+              </a:p>
+            </p:txBody>
+          </p:sp>
+        </mc:Choice>
+        <mc:Fallback xmlns="">
+          <p:sp>
+            <p:nvSpPr>
+              <p:cNvPr id="3" name="Content Placeholder 2">
+                <a:extLst>
+                  <a:ext uri="{FF2B5EF4-FFF2-40B4-BE49-F238E27FC236}">
+                    <a16:creationId xmlns:a16="http://schemas.microsoft.com/office/drawing/2014/main" id="{8B5CE503-65D2-434B-B746-E03119BAFA7F}"/>
+                  </a:ext>
+                </a:extLst>
+              </p:cNvPr>
+              <p:cNvSpPr>
+                <a:spLocks noGrp="1" noRot="1" noChangeAspect="1" noMove="1" noResize="1" noEditPoints="1" noAdjustHandles="1" noChangeArrowheads="1" noChangeShapeType="1" noTextEdit="1"/>
+              </p:cNvSpPr>
+              <p:nvPr>
+                <p:ph idx="1"/>
+              </p:nvPr>
+            </p:nvSpPr>
+            <p:spPr>
+              <a:xfrm>
+                <a:off x="2901511" y="4698049"/>
+                <a:ext cx="8449235" cy="2156604"/>
+              </a:xfrm>
+              <a:blipFill>
+                <a:blip r:embed="rId2"/>
+                <a:stretch>
+                  <a:fillRect l="-1010" t="-5382" r="-866" b="-2550"/>
+                </a:stretch>
+              </a:blipFill>
+            </p:spPr>
+            <p:txBody>
+              <a:bodyPr/>
+              <a:lstStyle/>
+              <a:p>
+                <a:r>
+                  <a:rPr lang="en-US">
+                    <a:noFill/>
+                  </a:rPr>
+                  <a:t> </a:t>
+                </a:r>
+              </a:p>
+            </p:txBody>
+          </p:sp>
+        </mc:Fallback>
+      </mc:AlternateContent>
+      <p:pic>
+        <p:nvPicPr>
+          <p:cNvPr id="5" name="Graphic 4">
+            <a:extLst>
+              <a:ext uri="{FF2B5EF4-FFF2-40B4-BE49-F238E27FC236}">
+                <a16:creationId xmlns:a16="http://schemas.microsoft.com/office/drawing/2014/main" id="{C223C3E0-4FF4-4A44-8B2D-5AC06D9A6485}"/>
+              </a:ext>
+            </a:extLst>
+          </p:cNvPr>
+          <p:cNvPicPr>
+            <a:picLocks noChangeAspect="1"/>
+          </p:cNvPicPr>
+          <p:nvPr/>
+        </p:nvPicPr>
+        <p:blipFill>
+          <a:blip r:embed="rId3">
+            <a:extLst>
+              <a:ext uri="{96DAC541-7B7A-43D3-8B79-37D633B846F1}">
+                <asvg:svgBlip xmlns:asvg="http://schemas.microsoft.com/office/drawing/2016/SVG/main" r:embed="rId4"/>
+              </a:ext>
+            </a:extLst>
+          </a:blip>
+          <a:stretch>
+            <a:fillRect/>
+          </a:stretch>
+        </p:blipFill>
+        <p:spPr>
+          <a:xfrm>
+            <a:off x="4766886" y="1690688"/>
+            <a:ext cx="4724413" cy="3007360"/>
+          </a:xfrm>
+          <a:prstGeom prst="rect">
+            <a:avLst/>
+          </a:prstGeom>
+        </p:spPr>
+      </p:pic>
+    </p:spTree>
+    <p:extLst>
+      <p:ext uri="{BB962C8B-B14F-4D97-AF65-F5344CB8AC3E}">
+        <p14:creationId xmlns:p14="http://schemas.microsoft.com/office/powerpoint/2010/main" val="382712031"/>
+      </p:ext>
+    </p:extLst>
+  </p:cSld>
+  <p:clrMapOvr>
+    <a:masterClrMapping/>
+  </p:clrMapOvr>
+</p:sld>
+</file>
+
+<file path=ppt/slides/slide15.xml><?xml version="1.0" encoding="utf-8"?>
+<p:sld xmlns:a="http://schemas.openxmlformats.org/drawingml/2006/main" xmlns:r="http://schemas.openxmlformats.org/officeDocument/2006/relationships" xmlns:p="http://schemas.openxmlformats.org/presentationml/2006/main">
+  <p:cSld>
+    <p:spTree>
+      <p:nvGrpSpPr>
+        <p:cNvPr id="1" name=""/>
+        <p:cNvGrpSpPr/>
+        <p:nvPr/>
+      </p:nvGrpSpPr>
+      <p:grpSpPr>
+        <a:xfrm>
+          <a:off x="0" y="0"/>
+          <a:ext cx="0" cy="0"/>
+          <a:chOff x="0" y="0"/>
+          <a:chExt cx="0" cy="0"/>
+        </a:xfrm>
+      </p:grpSpPr>
+      <p:sp>
+        <p:nvSpPr>
+          <p:cNvPr id="2" name="Title 1">
+            <a:extLst>
+              <a:ext uri="{FF2B5EF4-FFF2-40B4-BE49-F238E27FC236}">
+                <a16:creationId xmlns:a16="http://schemas.microsoft.com/office/drawing/2014/main" id="{BBFFCFBD-10F3-A942-97D6-A91A58E96A53}"/>
+              </a:ext>
+            </a:extLst>
+          </p:cNvPr>
+          <p:cNvSpPr>
+            <a:spLocks noGrp="1"/>
+          </p:cNvSpPr>
+          <p:nvPr>
+            <p:ph type="title"/>
+          </p:nvPr>
+        </p:nvSpPr>
+        <p:spPr/>
+        <p:txBody>
+          <a:bodyPr/>
+          <a:lstStyle/>
+          <a:p>
+            <a:r>
+              <a:rPr lang="en-US" dirty="0"/>
+              <a:t>Literature Surveys – [1]</a:t>
+            </a:r>
+          </a:p>
+        </p:txBody>
+      </p:sp>
+      <p:sp>
+        <p:nvSpPr>
+          <p:cNvPr id="3" name="Content Placeholder 2">
+            <a:extLst>
+              <a:ext uri="{FF2B5EF4-FFF2-40B4-BE49-F238E27FC236}">
+                <a16:creationId xmlns:a16="http://schemas.microsoft.com/office/drawing/2014/main" id="{8B5CE503-65D2-434B-B746-E03119BAFA7F}"/>
+              </a:ext>
+            </a:extLst>
+          </p:cNvPr>
+          <p:cNvSpPr>
+            <a:spLocks noGrp="1"/>
+          </p:cNvSpPr>
+          <p:nvPr>
+            <p:ph idx="1"/>
+          </p:nvPr>
+        </p:nvSpPr>
+        <p:spPr>
+          <a:xfrm>
+            <a:off x="2904565" y="1825625"/>
+            <a:ext cx="8449235" cy="3394075"/>
+          </a:xfrm>
+        </p:spPr>
+        <p:txBody>
+          <a:bodyPr>
+            <a:normAutofit fontScale="92500"/>
+          </a:bodyPr>
+          <a:lstStyle/>
+          <a:p>
+            <a:pPr marL="0" indent="0">
+              <a:buNone/>
+            </a:pPr>
+            <a:r>
+              <a:rPr lang="en-US" i="1" dirty="0"/>
+              <a:t>“Hardware Implementation of Convolutional Neural Network for Face Feature Extraction”</a:t>
+            </a:r>
+          </a:p>
+          <a:p>
+            <a:r>
+              <a:rPr lang="en-US" dirty="0"/>
+              <a:t>Implemented on an FPGA</a:t>
+            </a:r>
+          </a:p>
+          <a:p>
+            <a:pPr lvl="1"/>
+            <a:r>
+              <a:rPr lang="en-US" dirty="0"/>
+              <a:t>4 layers of convolution, 3 layers of pooling, and a fully connected final layer</a:t>
+            </a:r>
+          </a:p>
+          <a:p>
+            <a:r>
+              <a:rPr lang="en-US" dirty="0"/>
+              <a:t>Weights are stored off-chip in DDR3 memory</a:t>
+            </a:r>
+          </a:p>
+          <a:p>
+            <a:r>
+              <a:rPr lang="en-US" dirty="0"/>
+              <a:t>They propose a reconfigurable kernel matrix multiplication array for different sizes and for multiple channels</a:t>
+            </a:r>
+          </a:p>
+        </p:txBody>
+      </p:sp>
+      <p:pic>
+        <p:nvPicPr>
+          <p:cNvPr id="5" name="Picture 4">
+            <a:extLst>
+              <a:ext uri="{FF2B5EF4-FFF2-40B4-BE49-F238E27FC236}">
+                <a16:creationId xmlns:a16="http://schemas.microsoft.com/office/drawing/2014/main" id="{FB4A1272-BB03-4815-BBA7-551F0518CF7E}"/>
+              </a:ext>
+            </a:extLst>
+          </p:cNvPr>
+          <p:cNvPicPr>
+            <a:picLocks noChangeAspect="1"/>
+          </p:cNvPicPr>
+          <p:nvPr/>
+        </p:nvPicPr>
+        <p:blipFill>
+          <a:blip r:embed="rId2"/>
+          <a:stretch>
+            <a:fillRect/>
+          </a:stretch>
+        </p:blipFill>
+        <p:spPr>
+          <a:xfrm>
+            <a:off x="4071568" y="5219700"/>
+            <a:ext cx="6115050" cy="1638300"/>
+          </a:xfrm>
+          <a:prstGeom prst="rect">
+            <a:avLst/>
+          </a:prstGeom>
+        </p:spPr>
+      </p:pic>
+    </p:spTree>
+    <p:extLst>
+      <p:ext uri="{BB962C8B-B14F-4D97-AF65-F5344CB8AC3E}">
+        <p14:creationId xmlns:p14="http://schemas.microsoft.com/office/powerpoint/2010/main" val="2938136475"/>
+      </p:ext>
+    </p:extLst>
+  </p:cSld>
+  <p:clrMapOvr>
+    <a:masterClrMapping/>
+  </p:clrMapOvr>
+</p:sld>
+</file>
+
+<file path=ppt/slides/slide16.xml><?xml version="1.0" encoding="utf-8"?>
+<p:sld xmlns:a="http://schemas.openxmlformats.org/drawingml/2006/main" xmlns:r="http://schemas.openxmlformats.org/officeDocument/2006/relationships" xmlns:p="http://schemas.openxmlformats.org/presentationml/2006/main">
+  <p:cSld>
+    <p:spTree>
+      <p:nvGrpSpPr>
+        <p:cNvPr id="1" name=""/>
+        <p:cNvGrpSpPr/>
+        <p:nvPr/>
+      </p:nvGrpSpPr>
+      <p:grpSpPr>
+        <a:xfrm>
+          <a:off x="0" y="0"/>
+          <a:ext cx="0" cy="0"/>
+          <a:chOff x="0" y="0"/>
+          <a:chExt cx="0" cy="0"/>
+        </a:xfrm>
+      </p:grpSpPr>
+      <p:sp>
+        <p:nvSpPr>
+          <p:cNvPr id="2" name="Title 1">
+            <a:extLst>
+              <a:ext uri="{FF2B5EF4-FFF2-40B4-BE49-F238E27FC236}">
+                <a16:creationId xmlns:a16="http://schemas.microsoft.com/office/drawing/2014/main" id="{BBFFCFBD-10F3-A942-97D6-A91A58E96A53}"/>
+              </a:ext>
+            </a:extLst>
+          </p:cNvPr>
+          <p:cNvSpPr>
+            <a:spLocks noGrp="1"/>
+          </p:cNvSpPr>
+          <p:nvPr>
+            <p:ph type="title"/>
+          </p:nvPr>
+        </p:nvSpPr>
+        <p:spPr/>
+        <p:txBody>
+          <a:bodyPr/>
+          <a:lstStyle/>
+          <a:p>
+            <a:r>
+              <a:rPr lang="en-US" dirty="0"/>
+              <a:t>Literature Surveys – [1]</a:t>
+            </a:r>
+          </a:p>
+        </p:txBody>
+      </p:sp>
+      <p:sp>
+        <p:nvSpPr>
+          <p:cNvPr id="3" name="Content Placeholder 2">
+            <a:extLst>
+              <a:ext uri="{FF2B5EF4-FFF2-40B4-BE49-F238E27FC236}">
+                <a16:creationId xmlns:a16="http://schemas.microsoft.com/office/drawing/2014/main" id="{8B5CE503-65D2-434B-B746-E03119BAFA7F}"/>
+              </a:ext>
+            </a:extLst>
+          </p:cNvPr>
+          <p:cNvSpPr>
+            <a:spLocks noGrp="1"/>
+          </p:cNvSpPr>
+          <p:nvPr>
+            <p:ph idx="1"/>
+          </p:nvPr>
+        </p:nvSpPr>
+        <p:spPr>
+          <a:xfrm>
+            <a:off x="2904566" y="1825626"/>
+            <a:ext cx="4065578" cy="1029628"/>
+          </a:xfrm>
+        </p:spPr>
+        <p:txBody>
+          <a:bodyPr>
+            <a:normAutofit/>
+          </a:bodyPr>
+          <a:lstStyle/>
+          <a:p>
+            <a:r>
+              <a:rPr lang="en-US" dirty="0"/>
+              <a:t>Reconfigurable kernel multiplication unit</a:t>
+            </a:r>
+          </a:p>
+        </p:txBody>
+      </p:sp>
+      <p:pic>
+        <p:nvPicPr>
+          <p:cNvPr id="6" name="Picture 5">
+            <a:extLst>
+              <a:ext uri="{FF2B5EF4-FFF2-40B4-BE49-F238E27FC236}">
+                <a16:creationId xmlns:a16="http://schemas.microsoft.com/office/drawing/2014/main" id="{A928BE8B-C3F6-4CB4-8D38-DFED135149E8}"/>
+              </a:ext>
+            </a:extLst>
+          </p:cNvPr>
+          <p:cNvPicPr>
+            <a:picLocks noChangeAspect="1"/>
+          </p:cNvPicPr>
+          <p:nvPr/>
+        </p:nvPicPr>
+        <p:blipFill>
+          <a:blip r:embed="rId2"/>
+          <a:stretch>
+            <a:fillRect/>
+          </a:stretch>
+        </p:blipFill>
+        <p:spPr>
+          <a:xfrm>
+            <a:off x="2966855" y="2993367"/>
+            <a:ext cx="4241414" cy="3670180"/>
+          </a:xfrm>
+          <a:prstGeom prst="rect">
+            <a:avLst/>
+          </a:prstGeom>
+        </p:spPr>
+      </p:pic>
+      <p:pic>
+        <p:nvPicPr>
+          <p:cNvPr id="8" name="Picture 7">
+            <a:extLst>
+              <a:ext uri="{FF2B5EF4-FFF2-40B4-BE49-F238E27FC236}">
+                <a16:creationId xmlns:a16="http://schemas.microsoft.com/office/drawing/2014/main" id="{0B55AE4B-19D7-40CD-9C3E-8F27966199B5}"/>
+              </a:ext>
+            </a:extLst>
+          </p:cNvPr>
+          <p:cNvPicPr>
+            <a:picLocks noChangeAspect="1"/>
+          </p:cNvPicPr>
+          <p:nvPr/>
+        </p:nvPicPr>
+        <p:blipFill>
+          <a:blip r:embed="rId3"/>
+          <a:stretch>
+            <a:fillRect/>
+          </a:stretch>
+        </p:blipFill>
+        <p:spPr>
+          <a:xfrm>
+            <a:off x="7479101" y="1504443"/>
+            <a:ext cx="4540369" cy="4988432"/>
+          </a:xfrm>
+          <a:prstGeom prst="rect">
+            <a:avLst/>
+          </a:prstGeom>
+        </p:spPr>
+      </p:pic>
+      <p:sp>
+        <p:nvSpPr>
+          <p:cNvPr id="9" name="Rectangle 8">
+            <a:extLst>
+              <a:ext uri="{FF2B5EF4-FFF2-40B4-BE49-F238E27FC236}">
+                <a16:creationId xmlns:a16="http://schemas.microsoft.com/office/drawing/2014/main" id="{032E441F-E562-43EB-ADB3-73EC87835466}"/>
+              </a:ext>
+            </a:extLst>
+          </p:cNvPr>
+          <p:cNvSpPr/>
+          <p:nvPr/>
+        </p:nvSpPr>
+        <p:spPr>
+          <a:xfrm>
+            <a:off x="6096000" y="4157932"/>
+            <a:ext cx="503208" cy="439947"/>
+          </a:xfrm>
+          <a:prstGeom prst="rect">
+            <a:avLst/>
+          </a:prstGeom>
+          <a:noFill/>
+          <a:ln w="38100">
+            <a:solidFill>
+              <a:srgbClr val="FF0000"/>
+            </a:solidFill>
+          </a:ln>
+          <a:effectLst/>
+        </p:spPr>
+        <p:style>
+          <a:lnRef idx="2">
+            <a:schemeClr val="accent1">
+              <a:shade val="50000"/>
+            </a:schemeClr>
+          </a:lnRef>
+          <a:fillRef idx="1">
+            <a:schemeClr val="accent1"/>
+          </a:fillRef>
+          <a:effectRef idx="0">
+            <a:schemeClr val="accent1"/>
+          </a:effectRef>
+          <a:fontRef idx="minor">
+            <a:schemeClr val="lt1"/>
+          </a:fontRef>
+        </p:style>
+        <p:txBody>
+          <a:bodyPr rtlCol="0" anchor="ctr"/>
+          <a:lstStyle/>
+          <a:p>
+            <a:pPr algn="ctr"/>
+            <a:endParaRPr lang="en-US"/>
+          </a:p>
+        </p:txBody>
+      </p:sp>
+      <p:cxnSp>
+        <p:nvCxnSpPr>
+          <p:cNvPr id="10" name="Straight Arrow Connector 9">
+            <a:extLst>
+              <a:ext uri="{FF2B5EF4-FFF2-40B4-BE49-F238E27FC236}">
+                <a16:creationId xmlns:a16="http://schemas.microsoft.com/office/drawing/2014/main" id="{109F8645-4D77-413D-A2F1-480C5370506F}"/>
+              </a:ext>
+            </a:extLst>
+          </p:cNvPr>
+          <p:cNvCxnSpPr>
+            <a:cxnSpLocks/>
+          </p:cNvCxnSpPr>
+          <p:nvPr/>
+        </p:nvCxnSpPr>
+        <p:spPr>
+          <a:xfrm>
+            <a:off x="6710094" y="4377905"/>
+            <a:ext cx="656864" cy="0"/>
+          </a:xfrm>
+          <a:prstGeom prst="straightConnector1">
+            <a:avLst/>
+          </a:prstGeom>
+          <a:ln w="76200">
+            <a:solidFill>
+              <a:schemeClr val="accent1"/>
+            </a:solidFill>
+            <a:tailEnd type="triangle"/>
+          </a:ln>
+          <a:effectLst/>
+        </p:spPr>
+        <p:style>
+          <a:lnRef idx="1">
+            <a:schemeClr val="dk1"/>
+          </a:lnRef>
+          <a:fillRef idx="0">
+            <a:schemeClr val="dk1"/>
+          </a:fillRef>
+          <a:effectRef idx="0">
+            <a:schemeClr val="dk1"/>
+          </a:effectRef>
+          <a:fontRef idx="minor">
+            <a:schemeClr val="tx1"/>
+          </a:fontRef>
+        </p:style>
+      </p:cxnSp>
+      <p:sp>
+        <p:nvSpPr>
+          <p:cNvPr id="12" name="Rectangle 11">
+            <a:extLst>
+              <a:ext uri="{FF2B5EF4-FFF2-40B4-BE49-F238E27FC236}">
+                <a16:creationId xmlns:a16="http://schemas.microsoft.com/office/drawing/2014/main" id="{181F8A0B-7C49-4539-B039-357B57ED8638}"/>
+              </a:ext>
+            </a:extLst>
+          </p:cNvPr>
+          <p:cNvSpPr/>
+          <p:nvPr/>
+        </p:nvSpPr>
+        <p:spPr>
+          <a:xfrm>
+            <a:off x="7479100" y="1470714"/>
+            <a:ext cx="4540369" cy="5022161"/>
+          </a:xfrm>
+          <a:prstGeom prst="rect">
+            <a:avLst/>
+          </a:prstGeom>
+          <a:noFill/>
+          <a:ln w="38100">
+            <a:solidFill>
+              <a:srgbClr val="FF0000"/>
+            </a:solidFill>
+          </a:ln>
+          <a:effectLst/>
+        </p:spPr>
+        <p:style>
+          <a:lnRef idx="2">
+            <a:schemeClr val="accent1">
+              <a:shade val="50000"/>
+            </a:schemeClr>
+          </a:lnRef>
+          <a:fillRef idx="1">
+            <a:schemeClr val="accent1"/>
+          </a:fillRef>
+          <a:effectRef idx="0">
+            <a:schemeClr val="accent1"/>
+          </a:effectRef>
+          <a:fontRef idx="minor">
+            <a:schemeClr val="lt1"/>
+          </a:fontRef>
+        </p:style>
+        <p:txBody>
+          <a:bodyPr rtlCol="0" anchor="ctr"/>
+          <a:lstStyle/>
+          <a:p>
+            <a:pPr algn="ctr"/>
+            <a:endParaRPr lang="en-US"/>
+          </a:p>
+        </p:txBody>
+      </p:sp>
+    </p:spTree>
+    <p:extLst>
+      <p:ext uri="{BB962C8B-B14F-4D97-AF65-F5344CB8AC3E}">
+        <p14:creationId xmlns:p14="http://schemas.microsoft.com/office/powerpoint/2010/main" val="1634798266"/>
+      </p:ext>
+    </p:extLst>
+  </p:cSld>
+  <p:clrMapOvr>
+    <a:masterClrMapping/>
+  </p:clrMapOvr>
+</p:sld>
+</file>
+
+<file path=ppt/slides/slide17.xml><?xml version="1.0" encoding="utf-8"?>
+<p:sld xmlns:a="http://schemas.openxmlformats.org/drawingml/2006/main" xmlns:r="http://schemas.openxmlformats.org/officeDocument/2006/relationships" xmlns:p="http://schemas.openxmlformats.org/presentationml/2006/main">
+  <p:cSld>
+    <p:spTree>
+      <p:nvGrpSpPr>
+        <p:cNvPr id="1" name=""/>
+        <p:cNvGrpSpPr/>
+        <p:nvPr/>
+      </p:nvGrpSpPr>
+      <p:grpSpPr>
+        <a:xfrm>
+          <a:off x="0" y="0"/>
+          <a:ext cx="0" cy="0"/>
+          <a:chOff x="0" y="0"/>
+          <a:chExt cx="0" cy="0"/>
+        </a:xfrm>
+      </p:grpSpPr>
+      <p:sp>
+        <p:nvSpPr>
+          <p:cNvPr id="2" name="Title 1">
+            <a:extLst>
+              <a:ext uri="{FF2B5EF4-FFF2-40B4-BE49-F238E27FC236}">
+                <a16:creationId xmlns:a16="http://schemas.microsoft.com/office/drawing/2014/main" id="{BBFFCFBD-10F3-A942-97D6-A91A58E96A53}"/>
+              </a:ext>
+            </a:extLst>
+          </p:cNvPr>
+          <p:cNvSpPr>
+            <a:spLocks noGrp="1"/>
+          </p:cNvSpPr>
+          <p:nvPr>
+            <p:ph type="title"/>
+          </p:nvPr>
+        </p:nvSpPr>
+        <p:spPr/>
+        <p:txBody>
+          <a:bodyPr/>
+          <a:lstStyle/>
+          <a:p>
+            <a:r>
+              <a:rPr lang="en-US" dirty="0"/>
+              <a:t>Literature Surveys – [2]</a:t>
+            </a:r>
+          </a:p>
+        </p:txBody>
+      </p:sp>
+      <p:sp>
+        <p:nvSpPr>
+          <p:cNvPr id="3" name="Content Placeholder 2">
+            <a:extLst>
+              <a:ext uri="{FF2B5EF4-FFF2-40B4-BE49-F238E27FC236}">
+                <a16:creationId xmlns:a16="http://schemas.microsoft.com/office/drawing/2014/main" id="{8B5CE503-65D2-434B-B746-E03119BAFA7F}"/>
+              </a:ext>
+            </a:extLst>
+          </p:cNvPr>
+          <p:cNvSpPr>
+            <a:spLocks noGrp="1"/>
+          </p:cNvSpPr>
+          <p:nvPr>
+            <p:ph idx="1"/>
+          </p:nvPr>
+        </p:nvSpPr>
+        <p:spPr>
+          <a:xfrm>
+            <a:off x="2904565" y="1825625"/>
+            <a:ext cx="8016477" cy="1719832"/>
+          </a:xfrm>
+        </p:spPr>
+        <p:txBody>
+          <a:bodyPr>
+            <a:normAutofit fontScale="77500" lnSpcReduction="20000"/>
+          </a:bodyPr>
+          <a:lstStyle/>
+          <a:p>
+            <a:pPr marL="0" indent="0">
+              <a:buNone/>
+            </a:pPr>
+            <a:r>
+              <a:rPr lang="en-US" i="1" dirty="0"/>
+              <a:t>“Convolutional Neural Networks Based on RRAM Devices for Image Recognition and Online Learning Tasks”</a:t>
+            </a:r>
+          </a:p>
+          <a:p>
+            <a:r>
+              <a:rPr lang="en-US" dirty="0"/>
+              <a:t>Implement an RRAM based CNN</a:t>
+            </a:r>
+          </a:p>
+          <a:p>
+            <a:r>
+              <a:rPr lang="en-US" dirty="0"/>
+              <a:t>Analyzed impacts of kernel size</a:t>
+            </a:r>
+          </a:p>
+          <a:p>
+            <a:r>
+              <a:rPr lang="en-US" dirty="0"/>
+              <a:t>Analyzed impact of RRAM states</a:t>
+            </a:r>
+          </a:p>
+        </p:txBody>
+      </p:sp>
+      <p:pic>
+        <p:nvPicPr>
+          <p:cNvPr id="6" name="Picture 5">
+            <a:extLst>
+              <a:ext uri="{FF2B5EF4-FFF2-40B4-BE49-F238E27FC236}">
+                <a16:creationId xmlns:a16="http://schemas.microsoft.com/office/drawing/2014/main" id="{67BEB014-57BB-4886-A8E4-712D3771D64F}"/>
+              </a:ext>
+            </a:extLst>
+          </p:cNvPr>
+          <p:cNvPicPr>
+            <a:picLocks noChangeAspect="1"/>
+          </p:cNvPicPr>
+          <p:nvPr/>
+        </p:nvPicPr>
+        <p:blipFill>
+          <a:blip r:embed="rId2"/>
+          <a:stretch>
+            <a:fillRect/>
+          </a:stretch>
+        </p:blipFill>
+        <p:spPr>
+          <a:xfrm>
+            <a:off x="2133938" y="3835858"/>
+            <a:ext cx="4263585" cy="2657017"/>
+          </a:xfrm>
+          <a:prstGeom prst="rect">
+            <a:avLst/>
+          </a:prstGeom>
+        </p:spPr>
+      </p:pic>
+      <p:pic>
+        <p:nvPicPr>
+          <p:cNvPr id="8" name="Picture 7">
+            <a:extLst>
+              <a:ext uri="{FF2B5EF4-FFF2-40B4-BE49-F238E27FC236}">
+                <a16:creationId xmlns:a16="http://schemas.microsoft.com/office/drawing/2014/main" id="{46DBA544-FFAE-4322-AFFA-49B8038DF845}"/>
+              </a:ext>
+            </a:extLst>
+          </p:cNvPr>
+          <p:cNvPicPr>
+            <a:picLocks noChangeAspect="1"/>
+          </p:cNvPicPr>
+          <p:nvPr/>
+        </p:nvPicPr>
+        <p:blipFill>
+          <a:blip r:embed="rId3"/>
+          <a:stretch>
+            <a:fillRect/>
+          </a:stretch>
+        </p:blipFill>
+        <p:spPr>
+          <a:xfrm>
+            <a:off x="7048071" y="3260844"/>
+            <a:ext cx="5076356" cy="3394075"/>
+          </a:xfrm>
+          <a:prstGeom prst="rect">
+            <a:avLst/>
+          </a:prstGeom>
+        </p:spPr>
+      </p:pic>
+    </p:spTree>
+    <p:extLst>
+      <p:ext uri="{BB962C8B-B14F-4D97-AF65-F5344CB8AC3E}">
+        <p14:creationId xmlns:p14="http://schemas.microsoft.com/office/powerpoint/2010/main" val="321694273"/>
+      </p:ext>
+    </p:extLst>
+  </p:cSld>
+  <p:clrMapOvr>
+    <a:masterClrMapping/>
+  </p:clrMapOvr>
+</p:sld>
+</file>
+
+<file path=ppt/slides/slide18.xml><?xml version="1.0" encoding="utf-8"?>
+<p:sld xmlns:a="http://schemas.openxmlformats.org/drawingml/2006/main" xmlns:r="http://schemas.openxmlformats.org/officeDocument/2006/relationships" xmlns:p="http://schemas.openxmlformats.org/presentationml/2006/main">
+  <p:cSld>
+    <p:spTree>
+      <p:nvGrpSpPr>
+        <p:cNvPr id="1" name=""/>
+        <p:cNvGrpSpPr/>
+        <p:nvPr/>
+      </p:nvGrpSpPr>
+      <p:grpSpPr>
+        <a:xfrm>
+          <a:off x="0" y="0"/>
+          <a:ext cx="0" cy="0"/>
+          <a:chOff x="0" y="0"/>
+          <a:chExt cx="0" cy="0"/>
+        </a:xfrm>
+      </p:grpSpPr>
+      <p:sp>
+        <p:nvSpPr>
+          <p:cNvPr id="2" name="Title 1">
+            <a:extLst>
+              <a:ext uri="{FF2B5EF4-FFF2-40B4-BE49-F238E27FC236}">
+                <a16:creationId xmlns:a16="http://schemas.microsoft.com/office/drawing/2014/main" id="{BBFFCFBD-10F3-A942-97D6-A91A58E96A53}"/>
+              </a:ext>
+            </a:extLst>
+          </p:cNvPr>
+          <p:cNvSpPr>
+            <a:spLocks noGrp="1"/>
+          </p:cNvSpPr>
+          <p:nvPr>
+            <p:ph type="title"/>
+          </p:nvPr>
+        </p:nvSpPr>
+        <p:spPr/>
+        <p:txBody>
+          <a:bodyPr/>
+          <a:lstStyle/>
+          <a:p>
+            <a:r>
+              <a:rPr lang="en-US" dirty="0"/>
+              <a:t>Literature Surveys – [2]</a:t>
+            </a:r>
+          </a:p>
+        </p:txBody>
+      </p:sp>
+      <p:sp>
+        <p:nvSpPr>
+          <p:cNvPr id="3" name="Content Placeholder 2">
+            <a:extLst>
+              <a:ext uri="{FF2B5EF4-FFF2-40B4-BE49-F238E27FC236}">
+                <a16:creationId xmlns:a16="http://schemas.microsoft.com/office/drawing/2014/main" id="{8B5CE503-65D2-434B-B746-E03119BAFA7F}"/>
+              </a:ext>
+            </a:extLst>
+          </p:cNvPr>
+          <p:cNvSpPr>
+            <a:spLocks noGrp="1"/>
+          </p:cNvSpPr>
+          <p:nvPr>
+            <p:ph idx="1"/>
+          </p:nvPr>
+        </p:nvSpPr>
+        <p:spPr>
+          <a:xfrm>
+            <a:off x="2904566" y="1825625"/>
+            <a:ext cx="5350914" cy="2289175"/>
+          </a:xfrm>
+        </p:spPr>
+        <p:txBody>
+          <a:bodyPr>
+            <a:normAutofit fontScale="77500" lnSpcReduction="20000"/>
+          </a:bodyPr>
+          <a:lstStyle/>
+          <a:p>
+            <a:r>
+              <a:rPr lang="en-US" dirty="0"/>
+              <a:t>You can compensate for a lack of hardware weight values by increasing the number of kernels for CNN feature extraction</a:t>
+            </a:r>
+          </a:p>
+          <a:p>
+            <a:r>
+              <a:rPr lang="en-US" dirty="0"/>
+              <a:t>Increasing the size of the kernels has diminishing returns, and even negative impact on accuracy if they get too large</a:t>
+            </a:r>
+          </a:p>
+          <a:p>
+            <a:r>
+              <a:rPr lang="en-US" dirty="0"/>
+              <a:t>The more states that are available, the more resistant the CNN is to variation</a:t>
+            </a:r>
+          </a:p>
+        </p:txBody>
+      </p:sp>
+      <p:pic>
+        <p:nvPicPr>
+          <p:cNvPr id="5" name="Picture 4">
+            <a:extLst>
+              <a:ext uri="{FF2B5EF4-FFF2-40B4-BE49-F238E27FC236}">
+                <a16:creationId xmlns:a16="http://schemas.microsoft.com/office/drawing/2014/main" id="{5D55900B-9D1B-4628-8D75-3D864525C6F3}"/>
+              </a:ext>
+            </a:extLst>
+          </p:cNvPr>
+          <p:cNvPicPr>
+            <a:picLocks noChangeAspect="1"/>
+          </p:cNvPicPr>
+          <p:nvPr/>
+        </p:nvPicPr>
+        <p:blipFill>
+          <a:blip r:embed="rId2"/>
+          <a:stretch>
+            <a:fillRect/>
+          </a:stretch>
+        </p:blipFill>
+        <p:spPr>
+          <a:xfrm>
+            <a:off x="2057941" y="4271333"/>
+            <a:ext cx="3405611" cy="2586667"/>
+          </a:xfrm>
+          <a:prstGeom prst="rect">
+            <a:avLst/>
+          </a:prstGeom>
+        </p:spPr>
+      </p:pic>
+      <p:pic>
+        <p:nvPicPr>
+          <p:cNvPr id="9" name="Picture 8">
+            <a:extLst>
+              <a:ext uri="{FF2B5EF4-FFF2-40B4-BE49-F238E27FC236}">
+                <a16:creationId xmlns:a16="http://schemas.microsoft.com/office/drawing/2014/main" id="{48A7D8B3-D51E-40A0-9C34-D1ECAA2089DA}"/>
+              </a:ext>
+            </a:extLst>
+          </p:cNvPr>
+          <p:cNvPicPr>
+            <a:picLocks noChangeAspect="1"/>
+          </p:cNvPicPr>
+          <p:nvPr/>
+        </p:nvPicPr>
+        <p:blipFill>
+          <a:blip r:embed="rId3"/>
+          <a:stretch>
+            <a:fillRect/>
+          </a:stretch>
+        </p:blipFill>
+        <p:spPr>
+          <a:xfrm>
+            <a:off x="8431254" y="1825625"/>
+            <a:ext cx="3586060" cy="2473145"/>
+          </a:xfrm>
+          <a:prstGeom prst="rect">
+            <a:avLst/>
+          </a:prstGeom>
+        </p:spPr>
+      </p:pic>
+      <p:pic>
+        <p:nvPicPr>
+          <p:cNvPr id="11" name="Picture 10">
+            <a:extLst>
+              <a:ext uri="{FF2B5EF4-FFF2-40B4-BE49-F238E27FC236}">
+                <a16:creationId xmlns:a16="http://schemas.microsoft.com/office/drawing/2014/main" id="{958442CB-7E1D-4602-8B15-200A4748B4D7}"/>
+              </a:ext>
+            </a:extLst>
+          </p:cNvPr>
+          <p:cNvPicPr>
+            <a:picLocks noChangeAspect="1"/>
+          </p:cNvPicPr>
+          <p:nvPr/>
+        </p:nvPicPr>
+        <p:blipFill>
+          <a:blip r:embed="rId4"/>
+          <a:stretch>
+            <a:fillRect/>
+          </a:stretch>
+        </p:blipFill>
+        <p:spPr>
+          <a:xfrm>
+            <a:off x="7817149" y="4316751"/>
+            <a:ext cx="4188125" cy="2495830"/>
+          </a:xfrm>
+          <a:prstGeom prst="rect">
+            <a:avLst/>
+          </a:prstGeom>
+        </p:spPr>
+      </p:pic>
+    </p:spTree>
+    <p:extLst>
+      <p:ext uri="{BB962C8B-B14F-4D97-AF65-F5344CB8AC3E}">
+        <p14:creationId xmlns:p14="http://schemas.microsoft.com/office/powerpoint/2010/main" val="1143699462"/>
+      </p:ext>
+    </p:extLst>
+  </p:cSld>
+  <p:clrMapOvr>
+    <a:masterClrMapping/>
+  </p:clrMapOvr>
+</p:sld>
+</file>
+
+<file path=ppt/slides/slide19.xml><?xml version="1.0" encoding="utf-8"?>
+<p:sld xmlns:a="http://schemas.openxmlformats.org/drawingml/2006/main" xmlns:r="http://schemas.openxmlformats.org/officeDocument/2006/relationships" xmlns:p="http://schemas.openxmlformats.org/presentationml/2006/main">
+  <p:cSld>
+    <p:spTree>
+      <p:nvGrpSpPr>
+        <p:cNvPr id="1" name=""/>
+        <p:cNvGrpSpPr/>
+        <p:nvPr/>
+      </p:nvGrpSpPr>
+      <p:grpSpPr>
+        <a:xfrm>
+          <a:off x="0" y="0"/>
+          <a:ext cx="0" cy="0"/>
+          <a:chOff x="0" y="0"/>
+          <a:chExt cx="0" cy="0"/>
+        </a:xfrm>
+      </p:grpSpPr>
+      <p:sp>
+        <p:nvSpPr>
+          <p:cNvPr id="2" name="Title 1">
+            <a:extLst>
+              <a:ext uri="{FF2B5EF4-FFF2-40B4-BE49-F238E27FC236}">
+                <a16:creationId xmlns:a16="http://schemas.microsoft.com/office/drawing/2014/main" id="{BBFFCFBD-10F3-A942-97D6-A91A58E96A53}"/>
+              </a:ext>
+            </a:extLst>
+          </p:cNvPr>
+          <p:cNvSpPr>
+            <a:spLocks noGrp="1"/>
+          </p:cNvSpPr>
+          <p:nvPr>
+            <p:ph type="title"/>
+          </p:nvPr>
+        </p:nvSpPr>
+        <p:spPr/>
+        <p:txBody>
+          <a:bodyPr/>
+          <a:lstStyle/>
+          <a:p>
+            <a:r>
+              <a:rPr lang="en-US" dirty="0"/>
+              <a:t>Literature Surveys – References</a:t>
+            </a:r>
+          </a:p>
+        </p:txBody>
+      </p:sp>
+      <p:sp>
+        <p:nvSpPr>
+          <p:cNvPr id="3" name="Content Placeholder 2">
+            <a:extLst>
+              <a:ext uri="{FF2B5EF4-FFF2-40B4-BE49-F238E27FC236}">
+                <a16:creationId xmlns:a16="http://schemas.microsoft.com/office/drawing/2014/main" id="{8B5CE503-65D2-434B-B746-E03119BAFA7F}"/>
+              </a:ext>
+            </a:extLst>
+          </p:cNvPr>
+          <p:cNvSpPr>
+            <a:spLocks noGrp="1"/>
+          </p:cNvSpPr>
+          <p:nvPr>
+            <p:ph idx="1"/>
+          </p:nvPr>
+        </p:nvSpPr>
+        <p:spPr>
+          <a:xfrm>
+            <a:off x="2009955" y="1328468"/>
+            <a:ext cx="10182045" cy="5529531"/>
+          </a:xfrm>
+        </p:spPr>
+        <p:txBody>
+          <a:bodyPr>
+            <a:normAutofit fontScale="47500" lnSpcReduction="20000"/>
+          </a:bodyPr>
+          <a:lstStyle/>
+          <a:p>
+            <a:pPr marL="0" indent="0">
+              <a:buNone/>
+            </a:pPr>
+            <a:r>
+              <a:rPr lang="en-US" dirty="0"/>
+              <a:t>[1] 	Ding, R., Tian, X., Bai, G., </a:t>
+            </a:r>
+            <a:r>
+              <a:rPr lang="en-US" dirty="0" err="1"/>
+              <a:t>Su</a:t>
+            </a:r>
+            <a:r>
+              <a:rPr lang="en-US" dirty="0"/>
+              <a:t>, G. &amp; Wu, X. Hardware implementation of convolutional neural network for face feature extraction. in </a:t>
+            </a:r>
+            <a:r>
+              <a:rPr lang="en-US" i="1" dirty="0"/>
+              <a:t>Proceedings of International Conference on ASIC</a:t>
+            </a:r>
+            <a:r>
+              <a:rPr lang="en-US" dirty="0"/>
+              <a:t> (IEEE Computer Society, 2019). doi:10.1109/ASICON47005.2019.8983575</a:t>
+            </a:r>
+          </a:p>
+          <a:p>
+            <a:pPr marL="0" indent="0">
+              <a:buNone/>
+            </a:pPr>
+            <a:r>
+              <a:rPr lang="en-US" dirty="0"/>
+              <a:t>[2]	Dong, Z. </a:t>
+            </a:r>
+            <a:r>
+              <a:rPr lang="en-US" i="1" dirty="0"/>
+              <a:t>et al.</a:t>
+            </a:r>
+            <a:r>
+              <a:rPr lang="en-US" dirty="0"/>
+              <a:t> Convolutional Neural Networks Based on RRAM Devices for Image Recognition and Online Learning Tasks. </a:t>
+            </a:r>
+            <a:r>
+              <a:rPr lang="en-US" i="1" dirty="0"/>
+              <a:t>IEEE Transactions on Electron Devices</a:t>
+            </a:r>
+            <a:r>
+              <a:rPr lang="en-US" dirty="0"/>
+              <a:t> </a:t>
+            </a:r>
+            <a:r>
+              <a:rPr lang="en-US" b="1" dirty="0"/>
+              <a:t>66,</a:t>
+            </a:r>
+            <a:r>
+              <a:rPr lang="en-US" dirty="0"/>
+              <a:t> 793–801 (2019).</a:t>
+            </a:r>
+          </a:p>
+          <a:p>
+            <a:pPr marL="0" indent="0">
+              <a:buNone/>
+            </a:pPr>
+            <a:r>
+              <a:rPr lang="en-US" dirty="0"/>
+              <a:t>[3] 	Soloviev, R., </a:t>
+            </a:r>
+            <a:r>
+              <a:rPr lang="en-US" dirty="0" err="1"/>
+              <a:t>Telpukhov</a:t>
+            </a:r>
+            <a:r>
+              <a:rPr lang="en-US" dirty="0"/>
+              <a:t>, D., </a:t>
+            </a:r>
+            <a:r>
+              <a:rPr lang="en-US" dirty="0" err="1"/>
+              <a:t>Mkrtchan</a:t>
+            </a:r>
+            <a:r>
+              <a:rPr lang="en-US" dirty="0"/>
+              <a:t>, I., </a:t>
+            </a:r>
+            <a:r>
+              <a:rPr lang="en-US" dirty="0" err="1"/>
+              <a:t>Kustov</a:t>
+            </a:r>
+            <a:r>
+              <a:rPr lang="en-US" dirty="0"/>
+              <a:t>, A. &amp; </a:t>
+            </a:r>
+            <a:r>
+              <a:rPr lang="en-US" dirty="0" err="1"/>
+              <a:t>Stempkovskiy</a:t>
+            </a:r>
+            <a:r>
+              <a:rPr lang="en-US" dirty="0"/>
+              <a:t>, A. Hardware Implementation of Convolutional Neural Networks Based on Residue Number System. in </a:t>
+            </a:r>
+            <a:r>
+              <a:rPr lang="en-US" i="1" dirty="0"/>
+              <a:t>Moscow Workshop on Electronic and Networking Technologies, MWENT 2020 - Proceedings</a:t>
+            </a:r>
+            <a:r>
+              <a:rPr lang="en-US" dirty="0"/>
+              <a:t> (Institute of Electrical and Electronics Engineers Inc., 2020). doi:10.1109/MWENT47943.2020.9067498</a:t>
+            </a:r>
+          </a:p>
+          <a:p>
+            <a:pPr marL="0" indent="0">
+              <a:buNone/>
+            </a:pPr>
+            <a:r>
+              <a:rPr lang="en-US" dirty="0"/>
+              <a:t>[4]	Park, B., </a:t>
+            </a:r>
+            <a:r>
+              <a:rPr lang="en-US" dirty="0" err="1"/>
+              <a:t>Ishiwara</a:t>
+            </a:r>
+            <a:r>
+              <a:rPr lang="en-US" dirty="0"/>
+              <a:t>, H., </a:t>
+            </a:r>
+            <a:r>
+              <a:rPr lang="en-US" dirty="0" err="1"/>
+              <a:t>Okuyama</a:t>
+            </a:r>
+            <a:r>
+              <a:rPr lang="en-US" dirty="0"/>
+              <a:t>, M., Sakai, S., Yoon, S. Ferroelectric-Gate Field Effect Transistor Memories Device Physics and Applications. in </a:t>
+            </a:r>
+            <a:r>
+              <a:rPr lang="en-US" i="1" dirty="0"/>
+              <a:t>Topics in Applied Physics</a:t>
+            </a:r>
+            <a:r>
+              <a:rPr lang="en-US" dirty="0"/>
+              <a:t> </a:t>
+            </a:r>
+            <a:r>
+              <a:rPr lang="en-US" b="1" dirty="0"/>
+              <a:t>131</a:t>
+            </a:r>
+            <a:r>
+              <a:rPr lang="en-US" dirty="0"/>
+              <a:t>, (2020).</a:t>
+            </a:r>
+          </a:p>
+          <a:p>
+            <a:pPr marL="0" indent="0">
+              <a:buNone/>
+            </a:pPr>
+            <a:r>
+              <a:rPr lang="en-US" dirty="0"/>
+              <a:t>[5]	</a:t>
+            </a:r>
+            <a:r>
+              <a:rPr lang="en-US" dirty="0" err="1"/>
+              <a:t>Valueva</a:t>
+            </a:r>
+            <a:r>
+              <a:rPr lang="en-US" dirty="0"/>
+              <a:t>, M. V., </a:t>
+            </a:r>
+            <a:r>
+              <a:rPr lang="en-US" dirty="0" err="1"/>
+              <a:t>Nagornov</a:t>
+            </a:r>
+            <a:r>
+              <a:rPr lang="en-US" dirty="0"/>
+              <a:t>, N. N., </a:t>
+            </a:r>
+            <a:r>
+              <a:rPr lang="en-US" dirty="0" err="1"/>
+              <a:t>Lyakhov</a:t>
+            </a:r>
+            <a:r>
+              <a:rPr lang="en-US" dirty="0"/>
+              <a:t>, P. A., </a:t>
+            </a:r>
+            <a:r>
+              <a:rPr lang="en-US" dirty="0" err="1"/>
+              <a:t>Valuev</a:t>
+            </a:r>
+            <a:r>
+              <a:rPr lang="en-US" dirty="0"/>
+              <a:t>, G. V. &amp; </a:t>
+            </a:r>
+            <a:r>
+              <a:rPr lang="en-US" dirty="0" err="1"/>
+              <a:t>Chervyakov</a:t>
+            </a:r>
+            <a:r>
+              <a:rPr lang="en-US" dirty="0"/>
+              <a:t>, N. I. Application of the residue number system to reduce hardware costs of the convolutional neural network implementation. </a:t>
+            </a:r>
+            <a:r>
+              <a:rPr lang="en-US" i="1" dirty="0"/>
+              <a:t>Mathematics and Computers in Simulation</a:t>
+            </a:r>
+            <a:r>
+              <a:rPr lang="en-US" dirty="0"/>
+              <a:t> </a:t>
+            </a:r>
+            <a:r>
+              <a:rPr lang="en-US" b="1" dirty="0"/>
+              <a:t>177,</a:t>
+            </a:r>
+            <a:r>
+              <a:rPr lang="en-US" dirty="0"/>
+              <a:t> 232–243 (2020).</a:t>
+            </a:r>
+            <a:endParaRPr lang="en-US" i="1" dirty="0"/>
+          </a:p>
+          <a:p>
+            <a:pPr marL="0" indent="0">
+              <a:buNone/>
+            </a:pPr>
+            <a:r>
+              <a:rPr lang="en-US" dirty="0"/>
+              <a:t>[6]	 Chung, J., Choi, W., Park, J. &amp; Ghosh, S. Domain Wall Memory-Based Design of Deep Neural Network Convolutional Layers. </a:t>
+            </a:r>
+            <a:r>
+              <a:rPr lang="en-US" i="1" dirty="0"/>
+              <a:t>IEEE Access</a:t>
+            </a:r>
+            <a:r>
+              <a:rPr lang="en-US" dirty="0"/>
+              <a:t> </a:t>
+            </a:r>
+            <a:r>
+              <a:rPr lang="en-US" b="1" dirty="0"/>
+              <a:t>8,</a:t>
+            </a:r>
+            <a:r>
+              <a:rPr lang="en-US" dirty="0"/>
+              <a:t> 19783–19798 (2020).</a:t>
+            </a:r>
+          </a:p>
+          <a:p>
+            <a:pPr marL="0" indent="0">
+              <a:buNone/>
+            </a:pPr>
+            <a:r>
+              <a:rPr lang="en-US" dirty="0"/>
+              <a:t>[7]	 Yao, P. </a:t>
+            </a:r>
+            <a:r>
+              <a:rPr lang="en-US" i="1" dirty="0"/>
+              <a:t>et al.</a:t>
+            </a:r>
+            <a:r>
+              <a:rPr lang="en-US" dirty="0"/>
+              <a:t> Fully hardware-implemented memristor convolutional neural network. </a:t>
+            </a:r>
+            <a:r>
+              <a:rPr lang="en-US" i="1" dirty="0"/>
+              <a:t>Nature</a:t>
+            </a:r>
+            <a:r>
+              <a:rPr lang="en-US" dirty="0"/>
+              <a:t> </a:t>
+            </a:r>
+            <a:r>
+              <a:rPr lang="en-US" b="1" dirty="0"/>
+              <a:t>577,</a:t>
+            </a:r>
+            <a:r>
+              <a:rPr lang="en-US" dirty="0"/>
+              <a:t> 641–646 (2020).</a:t>
+            </a:r>
+          </a:p>
+          <a:p>
+            <a:pPr marL="0" indent="0">
+              <a:buNone/>
+            </a:pPr>
+            <a:r>
+              <a:rPr lang="en-US" dirty="0"/>
+              <a:t>[8]	 Gong, L., Wang, C., Li, X., Chen, H. &amp; Zhou, X. MALOC: A fully pipelined FPGA accelerator for convolutional neural networks with all layers mapped on chip. </a:t>
+            </a:r>
+            <a:r>
+              <a:rPr lang="en-US" i="1" dirty="0"/>
+              <a:t>IEEE Transactions on Computer-Aided Design of Integrated Circuits and Systems</a:t>
+            </a:r>
+            <a:r>
+              <a:rPr lang="en-US" dirty="0"/>
+              <a:t> </a:t>
+            </a:r>
+            <a:r>
+              <a:rPr lang="en-US" b="1" dirty="0"/>
+              <a:t>37,</a:t>
+            </a:r>
+            <a:r>
+              <a:rPr lang="en-US" dirty="0"/>
+              <a:t> 2601–2612 (2018).</a:t>
+            </a:r>
+          </a:p>
+          <a:p>
+            <a:pPr marL="0" indent="0">
+              <a:buNone/>
+            </a:pPr>
+            <a:r>
+              <a:rPr lang="en-US" dirty="0"/>
+              <a:t>[9]	 </a:t>
+            </a:r>
+            <a:r>
+              <a:rPr lang="en-US" dirty="0" err="1"/>
+              <a:t>Solovyev</a:t>
+            </a:r>
+            <a:r>
+              <a:rPr lang="en-US" dirty="0"/>
+              <a:t>, R. A., </a:t>
+            </a:r>
+            <a:r>
+              <a:rPr lang="en-US" dirty="0" err="1"/>
+              <a:t>Stempkovsky</a:t>
+            </a:r>
+            <a:r>
+              <a:rPr lang="en-US" dirty="0"/>
+              <a:t>, A. L. &amp; </a:t>
+            </a:r>
+            <a:r>
+              <a:rPr lang="en-US" dirty="0" err="1"/>
+              <a:t>Telpukhov</a:t>
+            </a:r>
+            <a:r>
+              <a:rPr lang="en-US" dirty="0"/>
+              <a:t>, D. V. Study of Fault Tolerance Methods for Hardware Implementations of Convolutional Neural Networks. </a:t>
+            </a:r>
+            <a:r>
+              <a:rPr lang="en-US" i="1" dirty="0"/>
+              <a:t>Optical Memory and Neural Networks (Information Optics)</a:t>
+            </a:r>
+            <a:r>
+              <a:rPr lang="en-US" dirty="0"/>
+              <a:t> </a:t>
+            </a:r>
+            <a:r>
+              <a:rPr lang="en-US" b="1" dirty="0"/>
+              <a:t>28,</a:t>
+            </a:r>
+            <a:r>
+              <a:rPr lang="en-US" dirty="0"/>
+              <a:t> 82–88 (2019).</a:t>
+            </a:r>
+          </a:p>
+          <a:p>
+            <a:pPr marL="0" indent="0">
+              <a:buNone/>
+            </a:pPr>
+            <a:r>
+              <a:rPr lang="en-US" dirty="0"/>
+              <a:t>[10]	 </a:t>
+            </a:r>
+            <a:r>
+              <a:rPr lang="en-US" dirty="0" err="1"/>
+              <a:t>Hacene</a:t>
+            </a:r>
+            <a:r>
+              <a:rPr lang="en-US" dirty="0"/>
+              <a:t>, G. B., </a:t>
+            </a:r>
+            <a:r>
+              <a:rPr lang="en-US" dirty="0" err="1"/>
+              <a:t>Gripon</a:t>
+            </a:r>
+            <a:r>
+              <a:rPr lang="en-US" dirty="0"/>
+              <a:t>, V., </a:t>
+            </a:r>
+            <a:r>
+              <a:rPr lang="en-US" dirty="0" err="1"/>
+              <a:t>Arzel</a:t>
+            </a:r>
+            <a:r>
+              <a:rPr lang="en-US" dirty="0"/>
+              <a:t>, M., Farrugia, N. &amp; </a:t>
+            </a:r>
+            <a:r>
+              <a:rPr lang="en-US" dirty="0" err="1"/>
+              <a:t>Bengio</a:t>
+            </a:r>
+            <a:r>
+              <a:rPr lang="en-US" dirty="0"/>
+              <a:t>, Y. Quantized guided pruning for efficient hardware implementations of deep neural networks. in </a:t>
+            </a:r>
+            <a:r>
+              <a:rPr lang="en-US" i="1" dirty="0"/>
+              <a:t>NEWCAS 2020 - 18th IEEE International New Circuits and Systems Conference, Proceedings</a:t>
+            </a:r>
+            <a:r>
+              <a:rPr lang="en-US" dirty="0"/>
+              <a:t> 206–209 (Institute of Electrical and Electronics Engineers Inc., 2020). doi:10.1109/NEWCAS49341.2020.9159769</a:t>
+            </a:r>
+          </a:p>
+          <a:p>
+            <a:pPr marL="0" indent="0">
+              <a:buNone/>
+            </a:pPr>
+            <a:r>
+              <a:rPr lang="en-US" dirty="0"/>
+              <a:t>[11]	 </a:t>
+            </a:r>
+            <a:r>
+              <a:rPr lang="en-US" dirty="0" err="1"/>
+              <a:t>Gysel</a:t>
+            </a:r>
+            <a:r>
+              <a:rPr lang="en-US" dirty="0"/>
+              <a:t>, P. Ristretto: Hardware-Oriented Approximation of Convolutional Neural Networks. (2016).</a:t>
+            </a:r>
+          </a:p>
+          <a:p>
+            <a:pPr marL="0" indent="0">
+              <a:buNone/>
+            </a:pPr>
+            <a:r>
+              <a:rPr lang="en-US" dirty="0"/>
+              <a:t>[12]	 Chen, W., Wang, Y., Yang, C. &amp; Li, Y. Hardware acceleration implementation of three-dimensional convolutional neural network on vector digital signal processors. in </a:t>
+            </a:r>
+            <a:r>
+              <a:rPr lang="en-US" i="1" dirty="0"/>
+              <a:t>2020 4th International Conference on Robotics and Automation Sciences, ICRAS 2020</a:t>
+            </a:r>
+            <a:r>
+              <a:rPr lang="en-US" dirty="0"/>
+              <a:t> 122–129 (Institute of Electrical and Electronics Engineers Inc., 2020). doi:10.1109/ICRAS49812.2020.9135062</a:t>
+            </a:r>
+          </a:p>
+        </p:txBody>
+      </p:sp>
+    </p:spTree>
+    <p:extLst>
+      <p:ext uri="{BB962C8B-B14F-4D97-AF65-F5344CB8AC3E}">
+        <p14:creationId xmlns:p14="http://schemas.microsoft.com/office/powerpoint/2010/main" val="231561457"/>
       </p:ext>
     </p:extLst>
   </p:cSld>
@@ -3533,7 +6656,7 @@
           <p:cNvPr id="2" name="Title 1">
             <a:extLst>
               <a:ext uri="{FF2B5EF4-FFF2-40B4-BE49-F238E27FC236}">
-                <a16:creationId xmlns:a16="http://schemas.microsoft.com/office/drawing/2014/main" id="{AB4FB634-24FD-DB4E-BF2C-B667A8FB19A9}"/>
+                <a16:creationId xmlns:a16="http://schemas.microsoft.com/office/drawing/2014/main" id="{BBFFCFBD-10F3-A942-97D6-A91A58E96A53}"/>
               </a:ext>
             </a:extLst>
           </p:cNvPr>
@@ -3551,89 +6674,202 @@
           <a:p>
             <a:r>
               <a:rPr lang="en-US" dirty="0"/>
-              <a:t>CNN Python Implementation</a:t>
-            </a:r>
-          </a:p>
-        </p:txBody>
-      </p:sp>
-      <p:sp>
-        <p:nvSpPr>
-          <p:cNvPr id="3" name="Content Placeholder 2">
-            <a:extLst>
-              <a:ext uri="{FF2B5EF4-FFF2-40B4-BE49-F238E27FC236}">
-                <a16:creationId xmlns:a16="http://schemas.microsoft.com/office/drawing/2014/main" id="{59F30976-F53A-BC42-B694-AB1CF4DE27D8}"/>
-              </a:ext>
-            </a:extLst>
-          </p:cNvPr>
-          <p:cNvSpPr>
-            <a:spLocks noGrp="1"/>
-          </p:cNvSpPr>
-          <p:nvPr>
-            <p:ph idx="1"/>
-          </p:nvPr>
-        </p:nvSpPr>
-        <p:spPr/>
-        <p:txBody>
-          <a:bodyPr>
-            <a:normAutofit/>
-          </a:bodyPr>
-          <a:lstStyle/>
-          <a:p>
-            <a:r>
-              <a:rPr lang="en-US" dirty="0"/>
-              <a:t>Implemented CNN layers</a:t>
-            </a:r>
-          </a:p>
-          <a:p>
-            <a:pPr lvl="1"/>
-            <a:r>
-              <a:rPr lang="en-US" dirty="0"/>
-              <a:t>Conv layer</a:t>
-            </a:r>
-          </a:p>
-          <a:p>
-            <a:pPr lvl="1"/>
-            <a:r>
-              <a:rPr lang="en-US" dirty="0"/>
-              <a:t>Pooling Layer</a:t>
-            </a:r>
-          </a:p>
-          <a:p>
-            <a:pPr lvl="1"/>
-            <a:r>
-              <a:rPr lang="en-US" dirty="0"/>
-              <a:t>Dense Layer</a:t>
-            </a:r>
-          </a:p>
-          <a:p>
-            <a:r>
-              <a:rPr lang="en-US" dirty="0"/>
-              <a:t>Implemented forward pass for all layers</a:t>
-            </a:r>
-          </a:p>
-          <a:p>
-            <a:r>
-              <a:rPr lang="en-US" dirty="0"/>
-              <a:t>Using MNIST at first to benchmark against TensorFlow</a:t>
-            </a:r>
-          </a:p>
-          <a:p>
-            <a:pPr lvl="1"/>
-            <a:endParaRPr lang="en-US" dirty="0"/>
-          </a:p>
-          <a:p>
-            <a:pPr lvl="1"/>
-            <a:endParaRPr lang="en-US" dirty="0"/>
-          </a:p>
-          <a:p>
-            <a:endParaRPr lang="en-US" dirty="0"/>
+              <a:t>Project Timeline</a:t>
+            </a:r>
+          </a:p>
+        </p:txBody>
+      </p:sp>
+      <p:pic>
+        <p:nvPicPr>
+          <p:cNvPr id="9" name="Picture 8" descr="Table, timeline&#10;&#10;Description automatically generated">
+            <a:extLst>
+              <a:ext uri="{FF2B5EF4-FFF2-40B4-BE49-F238E27FC236}">
+                <a16:creationId xmlns:a16="http://schemas.microsoft.com/office/drawing/2014/main" id="{496DC404-E2C4-42C0-9665-898DA11CC12A}"/>
+              </a:ext>
+            </a:extLst>
+          </p:cNvPr>
+          <p:cNvPicPr>
+            <a:picLocks noChangeAspect="1"/>
+          </p:cNvPicPr>
+          <p:nvPr/>
+        </p:nvPicPr>
+        <p:blipFill>
+          <a:blip r:embed="rId2"/>
+          <a:stretch>
+            <a:fillRect/>
+          </a:stretch>
+        </p:blipFill>
+        <p:spPr>
+          <a:xfrm>
+            <a:off x="2085503" y="1690687"/>
+            <a:ext cx="10008392" cy="4292347"/>
+          </a:xfrm>
+          <a:prstGeom prst="rect">
+            <a:avLst/>
+          </a:prstGeom>
+        </p:spPr>
+      </p:pic>
+      <p:sp>
+        <p:nvSpPr>
+          <p:cNvPr id="3" name="Rectangle 2">
+            <a:extLst>
+              <a:ext uri="{FF2B5EF4-FFF2-40B4-BE49-F238E27FC236}">
+                <a16:creationId xmlns:a16="http://schemas.microsoft.com/office/drawing/2014/main" id="{311B4940-42AF-4578-9C92-6AB7F0EF7C89}"/>
+              </a:ext>
+            </a:extLst>
+          </p:cNvPr>
+          <p:cNvSpPr/>
+          <p:nvPr/>
+        </p:nvSpPr>
+        <p:spPr>
+          <a:xfrm>
+            <a:off x="5296618" y="1613140"/>
+            <a:ext cx="646981" cy="448573"/>
+          </a:xfrm>
+          <a:prstGeom prst="rect">
+            <a:avLst/>
+          </a:prstGeom>
+          <a:noFill/>
+          <a:ln w="57150">
+            <a:solidFill>
+              <a:srgbClr val="FF0000"/>
+            </a:solidFill>
+          </a:ln>
+        </p:spPr>
+        <p:style>
+          <a:lnRef idx="2">
+            <a:schemeClr val="accent1">
+              <a:shade val="50000"/>
+            </a:schemeClr>
+          </a:lnRef>
+          <a:fillRef idx="1">
+            <a:schemeClr val="accent1"/>
+          </a:fillRef>
+          <a:effectRef idx="0">
+            <a:schemeClr val="accent1"/>
+          </a:effectRef>
+          <a:fontRef idx="minor">
+            <a:schemeClr val="lt1"/>
+          </a:fontRef>
+        </p:style>
+        <p:txBody>
+          <a:bodyPr rtlCol="0" anchor="ctr"/>
+          <a:lstStyle/>
+          <a:p>
+            <a:pPr algn="ctr"/>
+            <a:endParaRPr lang="en-US"/>
           </a:p>
         </p:txBody>
       </p:sp>
     </p:spTree>
     <p:extLst>
       <p:ext uri="{BB962C8B-B14F-4D97-AF65-F5344CB8AC3E}">
-        <p14:creationId xmlns:p14="http://schemas.microsoft.com/office/powerpoint/2010/main" val="2806535826"/>
+        <p14:creationId xmlns:p14="http://schemas.microsoft.com/office/powerpoint/2010/main" val="529381319"/>
+      </p:ext>
+    </p:extLst>
+  </p:cSld>
+  <p:clrMapOvr>
+    <a:masterClrMapping/>
+  </p:clrMapOvr>
+</p:sld>
+</file>
+
+<file path=ppt/slides/slide20.xml><?xml version="1.0" encoding="utf-8"?>
+<p:sld xmlns:a="http://schemas.openxmlformats.org/drawingml/2006/main" xmlns:r="http://schemas.openxmlformats.org/officeDocument/2006/relationships" xmlns:p="http://schemas.openxmlformats.org/presentationml/2006/main">
+  <p:cSld>
+    <p:spTree>
+      <p:nvGrpSpPr>
+        <p:cNvPr id="1" name=""/>
+        <p:cNvGrpSpPr/>
+        <p:nvPr/>
+      </p:nvGrpSpPr>
+      <p:grpSpPr>
+        <a:xfrm>
+          <a:off x="0" y="0"/>
+          <a:ext cx="0" cy="0"/>
+          <a:chOff x="0" y="0"/>
+          <a:chExt cx="0" cy="0"/>
+        </a:xfrm>
+      </p:grpSpPr>
+      <p:sp>
+        <p:nvSpPr>
+          <p:cNvPr id="2" name="Title 1">
+            <a:extLst>
+              <a:ext uri="{FF2B5EF4-FFF2-40B4-BE49-F238E27FC236}">
+                <a16:creationId xmlns:a16="http://schemas.microsoft.com/office/drawing/2014/main" id="{BBFFCFBD-10F3-A942-97D6-A91A58E96A53}"/>
+              </a:ext>
+            </a:extLst>
+          </p:cNvPr>
+          <p:cNvSpPr>
+            <a:spLocks noGrp="1"/>
+          </p:cNvSpPr>
+          <p:nvPr>
+            <p:ph type="title"/>
+          </p:nvPr>
+        </p:nvSpPr>
+        <p:spPr/>
+        <p:txBody>
+          <a:bodyPr/>
+          <a:lstStyle/>
+          <a:p>
+            <a:r>
+              <a:rPr lang="en-US" dirty="0"/>
+              <a:t>Project Deliverables</a:t>
+            </a:r>
+          </a:p>
+        </p:txBody>
+      </p:sp>
+      <p:sp>
+        <p:nvSpPr>
+          <p:cNvPr id="3" name="Content Placeholder 2">
+            <a:extLst>
+              <a:ext uri="{FF2B5EF4-FFF2-40B4-BE49-F238E27FC236}">
+                <a16:creationId xmlns:a16="http://schemas.microsoft.com/office/drawing/2014/main" id="{8B5CE503-65D2-434B-B746-E03119BAFA7F}"/>
+              </a:ext>
+            </a:extLst>
+          </p:cNvPr>
+          <p:cNvSpPr>
+            <a:spLocks noGrp="1"/>
+          </p:cNvSpPr>
+          <p:nvPr>
+            <p:ph idx="1"/>
+          </p:nvPr>
+        </p:nvSpPr>
+        <p:spPr/>
+        <p:txBody>
+          <a:bodyPr/>
+          <a:lstStyle/>
+          <a:p>
+            <a:r>
+              <a:rPr lang="en-US" dirty="0"/>
+              <a:t>Matrix Multiplication architecture utilizing </a:t>
+            </a:r>
+            <a:r>
+              <a:rPr lang="en-US" dirty="0" err="1"/>
+              <a:t>FeFETs</a:t>
+            </a:r>
+            <a:endParaRPr lang="en-US" dirty="0"/>
+          </a:p>
+          <a:p>
+            <a:pPr lvl="1"/>
+            <a:r>
+              <a:rPr lang="en-US" dirty="0"/>
+              <a:t>Block diagram</a:t>
+            </a:r>
+          </a:p>
+          <a:p>
+            <a:pPr lvl="1"/>
+            <a:r>
+              <a:rPr lang="en-US" dirty="0"/>
+              <a:t>Introductory circuit-level SPICE simulations</a:t>
+            </a:r>
+          </a:p>
+        </p:txBody>
+      </p:sp>
+    </p:spTree>
+    <p:extLst>
+      <p:ext uri="{BB962C8B-B14F-4D97-AF65-F5344CB8AC3E}">
+        <p14:creationId xmlns:p14="http://schemas.microsoft.com/office/powerpoint/2010/main" val="3936418568"/>
       </p:ext>
     </p:extLst>
   </p:cSld>
@@ -3644,6 +6880,138 @@
 </file>
 
 <file path=ppt/slides/slide3.xml><?xml version="1.0" encoding="utf-8"?>
+<p:sld xmlns:a="http://schemas.openxmlformats.org/drawingml/2006/main" xmlns:r="http://schemas.openxmlformats.org/officeDocument/2006/relationships" xmlns:p="http://schemas.openxmlformats.org/presentationml/2006/main">
+  <p:cSld>
+    <p:spTree>
+      <p:nvGrpSpPr>
+        <p:cNvPr id="1" name=""/>
+        <p:cNvGrpSpPr/>
+        <p:nvPr/>
+      </p:nvGrpSpPr>
+      <p:grpSpPr>
+        <a:xfrm>
+          <a:off x="0" y="0"/>
+          <a:ext cx="0" cy="0"/>
+          <a:chOff x="0" y="0"/>
+          <a:chExt cx="0" cy="0"/>
+        </a:xfrm>
+      </p:grpSpPr>
+      <p:sp>
+        <p:nvSpPr>
+          <p:cNvPr id="2" name="Title 1">
+            <a:extLst>
+              <a:ext uri="{FF2B5EF4-FFF2-40B4-BE49-F238E27FC236}">
+                <a16:creationId xmlns:a16="http://schemas.microsoft.com/office/drawing/2014/main" id="{AB4FB634-24FD-DB4E-BF2C-B667A8FB19A9}"/>
+              </a:ext>
+            </a:extLst>
+          </p:cNvPr>
+          <p:cNvSpPr>
+            <a:spLocks noGrp="1"/>
+          </p:cNvSpPr>
+          <p:nvPr>
+            <p:ph type="title"/>
+          </p:nvPr>
+        </p:nvSpPr>
+        <p:spPr/>
+        <p:txBody>
+          <a:bodyPr/>
+          <a:lstStyle/>
+          <a:p>
+            <a:r>
+              <a:rPr lang="en-US" dirty="0"/>
+              <a:t>Corey’s Project Progress</a:t>
+            </a:r>
+          </a:p>
+        </p:txBody>
+      </p:sp>
+      <p:sp>
+        <p:nvSpPr>
+          <p:cNvPr id="3" name="Content Placeholder 2">
+            <a:extLst>
+              <a:ext uri="{FF2B5EF4-FFF2-40B4-BE49-F238E27FC236}">
+                <a16:creationId xmlns:a16="http://schemas.microsoft.com/office/drawing/2014/main" id="{59F30976-F53A-BC42-B694-AB1CF4DE27D8}"/>
+              </a:ext>
+            </a:extLst>
+          </p:cNvPr>
+          <p:cNvSpPr>
+            <a:spLocks noGrp="1"/>
+          </p:cNvSpPr>
+          <p:nvPr>
+            <p:ph idx="1"/>
+          </p:nvPr>
+        </p:nvSpPr>
+        <p:spPr/>
+        <p:txBody>
+          <a:bodyPr>
+            <a:normAutofit/>
+          </a:bodyPr>
+          <a:lstStyle/>
+          <a:p>
+            <a:r>
+              <a:rPr lang="en-US" dirty="0"/>
+              <a:t>Implemented CNN layers</a:t>
+            </a:r>
+          </a:p>
+          <a:p>
+            <a:pPr lvl="1"/>
+            <a:r>
+              <a:rPr lang="en-US" dirty="0"/>
+              <a:t>Conv layer</a:t>
+            </a:r>
+          </a:p>
+          <a:p>
+            <a:pPr lvl="1"/>
+            <a:r>
+              <a:rPr lang="en-US" dirty="0"/>
+              <a:t>Pooling Layer</a:t>
+            </a:r>
+          </a:p>
+          <a:p>
+            <a:pPr lvl="1"/>
+            <a:r>
+              <a:rPr lang="en-US" dirty="0"/>
+              <a:t>Dense Layer</a:t>
+            </a:r>
+          </a:p>
+          <a:p>
+            <a:r>
+              <a:rPr lang="en-US" dirty="0"/>
+              <a:t>Implemented forward pass for all layers</a:t>
+            </a:r>
+          </a:p>
+          <a:p>
+            <a:r>
+              <a:rPr lang="en-US" dirty="0"/>
+              <a:t>Using MNIST at first to benchmark against TensorFlow</a:t>
+            </a:r>
+          </a:p>
+          <a:p>
+            <a:pPr lvl="1"/>
+            <a:endParaRPr lang="en-US" dirty="0"/>
+          </a:p>
+          <a:p>
+            <a:pPr lvl="1"/>
+            <a:endParaRPr lang="en-US" dirty="0"/>
+          </a:p>
+          <a:p>
+            <a:endParaRPr lang="en-US" dirty="0"/>
+          </a:p>
+        </p:txBody>
+      </p:sp>
+    </p:spTree>
+    <p:extLst>
+      <p:ext uri="{BB962C8B-B14F-4D97-AF65-F5344CB8AC3E}">
+        <p14:creationId xmlns:p14="http://schemas.microsoft.com/office/powerpoint/2010/main" val="3391775467"/>
+      </p:ext>
+    </p:extLst>
+  </p:cSld>
+  <p:clrMapOvr>
+    <a:masterClrMapping/>
+  </p:clrMapOvr>
+</p:sld>
+</file>
+
+<file path=ppt/slides/slide4.xml><?xml version="1.0" encoding="utf-8"?>
 <p:sld xmlns:a="http://schemas.openxmlformats.org/drawingml/2006/main" xmlns:r="http://schemas.openxmlformats.org/officeDocument/2006/relationships" xmlns:p="http://schemas.openxmlformats.org/presentationml/2006/main">
   <p:cSld>
     <p:spTree>
@@ -3962,7 +7330,7 @@
     </p:spTree>
     <p:extLst>
       <p:ext uri="{BB962C8B-B14F-4D97-AF65-F5344CB8AC3E}">
-        <p14:creationId xmlns:p14="http://schemas.microsoft.com/office/powerpoint/2010/main" val="4023584725"/>
+        <p14:creationId xmlns:p14="http://schemas.microsoft.com/office/powerpoint/2010/main" val="4028666982"/>
       </p:ext>
     </p:extLst>
   </p:cSld>
@@ -3972,7 +7340,7 @@
 </p:sld>
 </file>
 
-<file path=ppt/slides/slide4.xml><?xml version="1.0" encoding="utf-8"?>
+<file path=ppt/slides/slide5.xml><?xml version="1.0" encoding="utf-8"?>
 <p:sld xmlns:a="http://schemas.openxmlformats.org/drawingml/2006/main" xmlns:r="http://schemas.openxmlformats.org/officeDocument/2006/relationships" xmlns:p="http://schemas.openxmlformats.org/presentationml/2006/main">
   <p:cSld>
     <p:spTree>
@@ -4021,7 +7389,7 @@
     </p:spTree>
     <p:extLst>
       <p:ext uri="{BB962C8B-B14F-4D97-AF65-F5344CB8AC3E}">
-        <p14:creationId xmlns:p14="http://schemas.microsoft.com/office/powerpoint/2010/main" val="2980138488"/>
+        <p14:creationId xmlns:p14="http://schemas.microsoft.com/office/powerpoint/2010/main" val="2925707395"/>
       </p:ext>
     </p:extLst>
   </p:cSld>
@@ -4031,7 +7399,7 @@
 </p:sld>
 </file>
 
-<file path=ppt/slides/slide5.xml><?xml version="1.0" encoding="utf-8"?>
+<file path=ppt/slides/slide6.xml><?xml version="1.0" encoding="utf-8"?>
 <p:sld xmlns:a="http://schemas.openxmlformats.org/drawingml/2006/main" xmlns:r="http://schemas.openxmlformats.org/officeDocument/2006/relationships" xmlns:p="http://schemas.openxmlformats.org/presentationml/2006/main">
   <p:cSld>
     <p:spTree>
@@ -4249,67 +7617,7 @@
     </p:spTree>
     <p:extLst>
       <p:ext uri="{BB962C8B-B14F-4D97-AF65-F5344CB8AC3E}">
-        <p14:creationId xmlns:p14="http://schemas.microsoft.com/office/powerpoint/2010/main" val="1537625366"/>
-      </p:ext>
-    </p:extLst>
-  </p:cSld>
-  <p:clrMapOvr>
-    <a:masterClrMapping/>
-  </p:clrMapOvr>
-</p:sld>
-</file>
-
-<file path=ppt/slides/slide6.xml><?xml version="1.0" encoding="utf-8"?>
-<p:sld xmlns:a="http://schemas.openxmlformats.org/drawingml/2006/main" xmlns:r="http://schemas.openxmlformats.org/officeDocument/2006/relationships" xmlns:p="http://schemas.openxmlformats.org/presentationml/2006/main">
-  <p:cSld>
-    <p:spTree>
-      <p:nvGrpSpPr>
-        <p:cNvPr id="1" name=""/>
-        <p:cNvGrpSpPr/>
-        <p:nvPr/>
-      </p:nvGrpSpPr>
-      <p:grpSpPr>
-        <a:xfrm>
-          <a:off x="0" y="0"/>
-          <a:ext cx="0" cy="0"/>
-          <a:chOff x="0" y="0"/>
-          <a:chExt cx="0" cy="0"/>
-        </a:xfrm>
-      </p:grpSpPr>
-      <p:pic>
-        <p:nvPicPr>
-          <p:cNvPr id="5" name="Picture 4" descr="Text&#10;&#10;Description automatically generated">
-            <a:extLst>
-              <a:ext uri="{FF2B5EF4-FFF2-40B4-BE49-F238E27FC236}">
-                <a16:creationId xmlns:a16="http://schemas.microsoft.com/office/drawing/2014/main" id="{6119242D-C470-3848-B2A6-B1D0F9AF5DA9}"/>
-              </a:ext>
-            </a:extLst>
-          </p:cNvPr>
-          <p:cNvPicPr>
-            <a:picLocks noChangeAspect="1"/>
-          </p:cNvPicPr>
-          <p:nvPr/>
-        </p:nvPicPr>
-        <p:blipFill>
-          <a:blip r:embed="rId2"/>
-          <a:stretch>
-            <a:fillRect/>
-          </a:stretch>
-        </p:blipFill>
-        <p:spPr>
-          <a:xfrm>
-            <a:off x="2010350" y="887104"/>
-            <a:ext cx="10168002" cy="5415318"/>
-          </a:xfrm>
-          <a:prstGeom prst="rect">
-            <a:avLst/>
-          </a:prstGeom>
-        </p:spPr>
-      </p:pic>
-    </p:spTree>
-    <p:extLst>
-      <p:ext uri="{BB962C8B-B14F-4D97-AF65-F5344CB8AC3E}">
-        <p14:creationId xmlns:p14="http://schemas.microsoft.com/office/powerpoint/2010/main" val="1131962754"/>
+        <p14:creationId xmlns:p14="http://schemas.microsoft.com/office/powerpoint/2010/main" val="880916811"/>
       </p:ext>
     </p:extLst>
   </p:cSld>
@@ -4336,84 +7644,12 @@
           <a:chExt cx="0" cy="0"/>
         </a:xfrm>
       </p:grpSpPr>
-      <p:sp>
-        <p:nvSpPr>
-          <p:cNvPr id="2" name="Title 1">
-            <a:extLst>
-              <a:ext uri="{FF2B5EF4-FFF2-40B4-BE49-F238E27FC236}">
-                <a16:creationId xmlns:a16="http://schemas.microsoft.com/office/drawing/2014/main" id="{9F6F5A62-9A2F-F740-AC93-DFD36EB08FB2}"/>
-              </a:ext>
-            </a:extLst>
-          </p:cNvPr>
-          <p:cNvSpPr>
-            <a:spLocks noGrp="1"/>
-          </p:cNvSpPr>
-          <p:nvPr>
-            <p:ph type="title"/>
-          </p:nvPr>
-        </p:nvSpPr>
-        <p:spPr/>
-        <p:txBody>
-          <a:bodyPr/>
-          <a:lstStyle/>
-          <a:p>
-            <a:r>
-              <a:rPr lang="en-US" dirty="0"/>
-              <a:t>Dense Layer</a:t>
-            </a:r>
-          </a:p>
-        </p:txBody>
-      </p:sp>
-      <p:sp>
-        <p:nvSpPr>
-          <p:cNvPr id="3" name="Content Placeholder 2">
-            <a:extLst>
-              <a:ext uri="{FF2B5EF4-FFF2-40B4-BE49-F238E27FC236}">
-                <a16:creationId xmlns:a16="http://schemas.microsoft.com/office/drawing/2014/main" id="{87EDE6DB-7F16-094A-A2A9-1AE65DAC1B57}"/>
-              </a:ext>
-            </a:extLst>
-          </p:cNvPr>
-          <p:cNvSpPr>
-            <a:spLocks noGrp="1"/>
-          </p:cNvSpPr>
-          <p:nvPr>
-            <p:ph idx="1"/>
-          </p:nvPr>
-        </p:nvSpPr>
-        <p:spPr>
-          <a:xfrm>
-            <a:off x="2904566" y="1825625"/>
-            <a:ext cx="4219566" cy="4351338"/>
-          </a:xfrm>
-        </p:spPr>
-        <p:txBody>
-          <a:bodyPr/>
-          <a:lstStyle/>
-          <a:p>
-            <a:r>
-              <a:rPr lang="en-US" dirty="0"/>
-              <a:t>Multi layer perceptron layer</a:t>
-            </a:r>
-          </a:p>
-          <a:p>
-            <a:r>
-              <a:rPr lang="en-US" dirty="0"/>
-              <a:t>Activation = </a:t>
-            </a:r>
-            <a:r>
-              <a:rPr lang="en-US" dirty="0" err="1"/>
-              <a:t>softmax</a:t>
-            </a:r>
-            <a:endParaRPr lang="en-US" dirty="0"/>
-          </a:p>
-        </p:txBody>
-      </p:sp>
       <p:pic>
         <p:nvPicPr>
           <p:cNvPr id="5" name="Picture 4" descr="Text&#10;&#10;Description automatically generated">
             <a:extLst>
               <a:ext uri="{FF2B5EF4-FFF2-40B4-BE49-F238E27FC236}">
-                <a16:creationId xmlns:a16="http://schemas.microsoft.com/office/drawing/2014/main" id="{928D7057-F0E3-C44E-A837-3052ECA6AB7C}"/>
+                <a16:creationId xmlns:a16="http://schemas.microsoft.com/office/drawing/2014/main" id="{6119242D-C470-3848-B2A6-B1D0F9AF5DA9}"/>
               </a:ext>
             </a:extLst>
           </p:cNvPr>
@@ -4430,8 +7666,8 @@
         </p:blipFill>
         <p:spPr>
           <a:xfrm>
-            <a:off x="7623734" y="2591594"/>
-            <a:ext cx="3327400" cy="1409700"/>
+            <a:off x="2010350" y="887104"/>
+            <a:ext cx="10168002" cy="5415318"/>
           </a:xfrm>
           <a:prstGeom prst="rect">
             <a:avLst/>
@@ -4441,7 +7677,7 @@
     </p:spTree>
     <p:extLst>
       <p:ext uri="{BB962C8B-B14F-4D97-AF65-F5344CB8AC3E}">
-        <p14:creationId xmlns:p14="http://schemas.microsoft.com/office/powerpoint/2010/main" val="2554667260"/>
+        <p14:creationId xmlns:p14="http://schemas.microsoft.com/office/powerpoint/2010/main" val="4174624744"/>
       </p:ext>
     </p:extLst>
   </p:cSld>
@@ -4468,21 +7704,91 @@
           <a:chExt cx="0" cy="0"/>
         </a:xfrm>
       </p:grpSpPr>
+      <p:sp>
+        <p:nvSpPr>
+          <p:cNvPr id="2" name="Title 1">
+            <a:extLst>
+              <a:ext uri="{FF2B5EF4-FFF2-40B4-BE49-F238E27FC236}">
+                <a16:creationId xmlns:a16="http://schemas.microsoft.com/office/drawing/2014/main" id="{9F6F5A62-9A2F-F740-AC93-DFD36EB08FB2}"/>
+              </a:ext>
+            </a:extLst>
+          </p:cNvPr>
+          <p:cNvSpPr>
+            <a:spLocks noGrp="1"/>
+          </p:cNvSpPr>
+          <p:nvPr>
+            <p:ph type="title"/>
+          </p:nvPr>
+        </p:nvSpPr>
+        <p:spPr/>
+        <p:txBody>
+          <a:bodyPr/>
+          <a:lstStyle/>
+          <a:p>
+            <a:r>
+              <a:rPr lang="en-US" dirty="0"/>
+              <a:t>Dense Layer</a:t>
+            </a:r>
+          </a:p>
+        </p:txBody>
+      </p:sp>
+      <p:sp>
+        <p:nvSpPr>
+          <p:cNvPr id="3" name="Content Placeholder 2">
+            <a:extLst>
+              <a:ext uri="{FF2B5EF4-FFF2-40B4-BE49-F238E27FC236}">
+                <a16:creationId xmlns:a16="http://schemas.microsoft.com/office/drawing/2014/main" id="{87EDE6DB-7F16-094A-A2A9-1AE65DAC1B57}"/>
+              </a:ext>
+            </a:extLst>
+          </p:cNvPr>
+          <p:cNvSpPr>
+            <a:spLocks noGrp="1"/>
+          </p:cNvSpPr>
+          <p:nvPr>
+            <p:ph idx="1"/>
+          </p:nvPr>
+        </p:nvSpPr>
+        <p:spPr>
+          <a:xfrm>
+            <a:off x="2904566" y="1825625"/>
+            <a:ext cx="4219566" cy="4351338"/>
+          </a:xfrm>
+        </p:spPr>
+        <p:txBody>
+          <a:bodyPr/>
+          <a:lstStyle/>
+          <a:p>
+            <a:r>
+              <a:rPr lang="en-US" dirty="0"/>
+              <a:t>Multi layer perceptron layer</a:t>
+            </a:r>
+          </a:p>
+          <a:p>
+            <a:r>
+              <a:rPr lang="en-US" dirty="0"/>
+              <a:t>Activation = </a:t>
+            </a:r>
+            <a:r>
+              <a:rPr lang="en-US" dirty="0" err="1"/>
+              <a:t>softmax</a:t>
+            </a:r>
+            <a:endParaRPr lang="en-US" dirty="0"/>
+          </a:p>
+        </p:txBody>
+      </p:sp>
       <p:pic>
         <p:nvPicPr>
-          <p:cNvPr id="5" name="Content Placeholder 4" descr="Text&#10;&#10;Description automatically generated">
-            <a:extLst>
-              <a:ext uri="{FF2B5EF4-FFF2-40B4-BE49-F238E27FC236}">
-                <a16:creationId xmlns:a16="http://schemas.microsoft.com/office/drawing/2014/main" id="{48B262F4-CC8E-B14E-9964-D23288AC3C2F}"/>
+          <p:cNvPr id="5" name="Picture 4" descr="Text&#10;&#10;Description automatically generated">
+            <a:extLst>
+              <a:ext uri="{FF2B5EF4-FFF2-40B4-BE49-F238E27FC236}">
+                <a16:creationId xmlns:a16="http://schemas.microsoft.com/office/drawing/2014/main" id="{928D7057-F0E3-C44E-A837-3052ECA6AB7C}"/>
               </a:ext>
             </a:extLst>
           </p:cNvPr>
           <p:cNvPicPr>
-            <a:picLocks noGrp="1" noChangeAspect="1"/>
+            <a:picLocks noChangeAspect="1"/>
           </p:cNvPicPr>
-          <p:nvPr>
-            <p:ph idx="1"/>
-          </p:nvPr>
+          <p:nvPr/>
         </p:nvPicPr>
         <p:blipFill>
           <a:blip r:embed="rId2"/>
@@ -4492,15 +7798,18 @@
         </p:blipFill>
         <p:spPr>
           <a:xfrm>
-            <a:off x="2104984" y="956116"/>
-            <a:ext cx="9526533" cy="4945767"/>
+            <a:off x="7623734" y="2591594"/>
+            <a:ext cx="3327400" cy="1409700"/>
           </a:xfrm>
+          <a:prstGeom prst="rect">
+            <a:avLst/>
+          </a:prstGeom>
         </p:spPr>
       </p:pic>
     </p:spTree>
     <p:extLst>
       <p:ext uri="{BB962C8B-B14F-4D97-AF65-F5344CB8AC3E}">
-        <p14:creationId xmlns:p14="http://schemas.microsoft.com/office/powerpoint/2010/main" val="1573142138"/>
+        <p14:creationId xmlns:p14="http://schemas.microsoft.com/office/powerpoint/2010/main" val="3740371179"/>
       </p:ext>
     </p:extLst>
   </p:cSld>
@@ -4527,83 +7836,39 @@
           <a:chExt cx="0" cy="0"/>
         </a:xfrm>
       </p:grpSpPr>
-      <p:sp>
-        <p:nvSpPr>
-          <p:cNvPr id="2" name="Title 1">
-            <a:extLst>
-              <a:ext uri="{FF2B5EF4-FFF2-40B4-BE49-F238E27FC236}">
-                <a16:creationId xmlns:a16="http://schemas.microsoft.com/office/drawing/2014/main" id="{7B93DCEC-6A23-3941-880F-F0E3D14ABF65}"/>
-              </a:ext>
-            </a:extLst>
-          </p:cNvPr>
-          <p:cNvSpPr>
-            <a:spLocks noGrp="1"/>
-          </p:cNvSpPr>
-          <p:nvPr>
-            <p:ph type="title"/>
-          </p:nvPr>
-        </p:nvSpPr>
-        <p:spPr/>
-        <p:txBody>
-          <a:bodyPr/>
-          <a:lstStyle/>
-          <a:p>
-            <a:r>
-              <a:rPr lang="en-US" dirty="0"/>
-              <a:t>Next week</a:t>
-            </a:r>
-          </a:p>
-        </p:txBody>
-      </p:sp>
-      <p:sp>
-        <p:nvSpPr>
-          <p:cNvPr id="3" name="Content Placeholder 2">
-            <a:extLst>
-              <a:ext uri="{FF2B5EF4-FFF2-40B4-BE49-F238E27FC236}">
-                <a16:creationId xmlns:a16="http://schemas.microsoft.com/office/drawing/2014/main" id="{EAE60796-2102-3748-96A5-D8C198702D8F}"/>
-              </a:ext>
-            </a:extLst>
-          </p:cNvPr>
-          <p:cNvSpPr>
-            <a:spLocks noGrp="1"/>
-          </p:cNvSpPr>
+      <p:pic>
+        <p:nvPicPr>
+          <p:cNvPr id="5" name="Content Placeholder 4" descr="Text&#10;&#10;Description automatically generated">
+            <a:extLst>
+              <a:ext uri="{FF2B5EF4-FFF2-40B4-BE49-F238E27FC236}">
+                <a16:creationId xmlns:a16="http://schemas.microsoft.com/office/drawing/2014/main" id="{48B262F4-CC8E-B14E-9964-D23288AC3C2F}"/>
+              </a:ext>
+            </a:extLst>
+          </p:cNvPr>
+          <p:cNvPicPr>
+            <a:picLocks noGrp="1" noChangeAspect="1"/>
+          </p:cNvPicPr>
           <p:nvPr>
             <p:ph idx="1"/>
           </p:nvPr>
-        </p:nvSpPr>
-        <p:spPr/>
-        <p:txBody>
-          <a:bodyPr/>
-          <a:lstStyle/>
-          <a:p>
-            <a:r>
-              <a:rPr lang="en-US" dirty="0"/>
-              <a:t>Implement backpropagation</a:t>
-            </a:r>
-          </a:p>
-          <a:p>
-            <a:r>
-              <a:rPr lang="en-US" dirty="0"/>
-              <a:t>Benchmark against TensorFlow to confirm functionality</a:t>
-            </a:r>
-          </a:p>
-          <a:p>
-            <a:r>
-              <a:rPr lang="en-US" dirty="0"/>
-              <a:t>Test using </a:t>
-            </a:r>
-            <a:r>
-              <a:rPr lang="en-US"/>
-              <a:t>1D dataset</a:t>
-            </a:r>
-            <a:endParaRPr lang="en-US" dirty="0"/>
-          </a:p>
-        </p:txBody>
-      </p:sp>
+        </p:nvPicPr>
+        <p:blipFill>
+          <a:blip r:embed="rId2"/>
+          <a:stretch>
+            <a:fillRect/>
+          </a:stretch>
+        </p:blipFill>
+        <p:spPr>
+          <a:xfrm>
+            <a:off x="2104984" y="956116"/>
+            <a:ext cx="9526533" cy="4945767"/>
+          </a:xfrm>
+        </p:spPr>
+      </p:pic>
     </p:spTree>
     <p:extLst>
       <p:ext uri="{BB962C8B-B14F-4D97-AF65-F5344CB8AC3E}">
-        <p14:creationId xmlns:p14="http://schemas.microsoft.com/office/powerpoint/2010/main" val="3636955464"/>
+        <p14:creationId xmlns:p14="http://schemas.microsoft.com/office/powerpoint/2010/main" val="3056192539"/>
       </p:ext>
     </p:extLst>
   </p:cSld>

--- a/Presentations/ProjectPresentation_02-18.pptx
+++ b/Presentations/ProjectPresentation_02-18.pptx
@@ -17,14 +17,15 @@
     <p:sldId id="264" r:id="rId11"/>
     <p:sldId id="335" r:id="rId12"/>
     <p:sldId id="338" r:id="rId13"/>
-    <p:sldId id="336" r:id="rId14"/>
-    <p:sldId id="337" r:id="rId15"/>
-    <p:sldId id="340" r:id="rId16"/>
-    <p:sldId id="341" r:id="rId17"/>
-    <p:sldId id="342" r:id="rId18"/>
-    <p:sldId id="343" r:id="rId19"/>
-    <p:sldId id="339" r:id="rId20"/>
-    <p:sldId id="334" r:id="rId21"/>
+    <p:sldId id="329" r:id="rId14"/>
+    <p:sldId id="336" r:id="rId15"/>
+    <p:sldId id="337" r:id="rId16"/>
+    <p:sldId id="340" r:id="rId17"/>
+    <p:sldId id="341" r:id="rId18"/>
+    <p:sldId id="342" r:id="rId19"/>
+    <p:sldId id="343" r:id="rId20"/>
+    <p:sldId id="339" r:id="rId21"/>
+    <p:sldId id="334" r:id="rId22"/>
   </p:sldIdLst>
   <p:sldSz cx="12192000" cy="6858000"/>
   <p:notesSz cx="6858000" cy="9144000"/>
@@ -4475,6 +4476,94 @@
 </file>
 
 <file path=ppt/slides/slide13.xml><?xml version="1.0" encoding="utf-8"?>
+<p:sld xmlns:a="http://schemas.openxmlformats.org/drawingml/2006/main" xmlns:r="http://schemas.openxmlformats.org/officeDocument/2006/relationships" xmlns:p="http://schemas.openxmlformats.org/presentationml/2006/main">
+  <p:cSld>
+    <p:spTree>
+      <p:nvGrpSpPr>
+        <p:cNvPr id="1" name=""/>
+        <p:cNvGrpSpPr/>
+        <p:nvPr/>
+      </p:nvGrpSpPr>
+      <p:grpSpPr>
+        <a:xfrm>
+          <a:off x="0" y="0"/>
+          <a:ext cx="0" cy="0"/>
+          <a:chOff x="0" y="0"/>
+          <a:chExt cx="0" cy="0"/>
+        </a:xfrm>
+      </p:grpSpPr>
+      <p:sp>
+        <p:nvSpPr>
+          <p:cNvPr id="2" name="Title 1">
+            <a:extLst>
+              <a:ext uri="{FF2B5EF4-FFF2-40B4-BE49-F238E27FC236}">
+                <a16:creationId xmlns:a16="http://schemas.microsoft.com/office/drawing/2014/main" id="{BBFFCFBD-10F3-A942-97D6-A91A58E96A53}"/>
+              </a:ext>
+            </a:extLst>
+          </p:cNvPr>
+          <p:cNvSpPr>
+            <a:spLocks noGrp="1"/>
+          </p:cNvSpPr>
+          <p:nvPr>
+            <p:ph type="title"/>
+          </p:nvPr>
+        </p:nvSpPr>
+        <p:spPr/>
+        <p:txBody>
+          <a:bodyPr/>
+          <a:lstStyle/>
+          <a:p>
+            <a:r>
+              <a:rPr lang="en-US" dirty="0"/>
+              <a:t>Performance Metrics</a:t>
+            </a:r>
+          </a:p>
+        </p:txBody>
+      </p:sp>
+      <p:pic>
+        <p:nvPicPr>
+          <p:cNvPr id="7" name="Picture 6">
+            <a:extLst>
+              <a:ext uri="{FF2B5EF4-FFF2-40B4-BE49-F238E27FC236}">
+                <a16:creationId xmlns:a16="http://schemas.microsoft.com/office/drawing/2014/main" id="{AC2D5EB6-3DA4-CD4D-A14E-186E550AF4CC}"/>
+              </a:ext>
+            </a:extLst>
+          </p:cNvPr>
+          <p:cNvPicPr>
+            <a:picLocks noChangeAspect="1"/>
+          </p:cNvPicPr>
+          <p:nvPr/>
+        </p:nvPicPr>
+        <p:blipFill>
+          <a:blip r:embed="rId2"/>
+          <a:stretch>
+            <a:fillRect/>
+          </a:stretch>
+        </p:blipFill>
+        <p:spPr>
+          <a:xfrm>
+            <a:off x="2678028" y="2253343"/>
+            <a:ext cx="8902130" cy="2640693"/>
+          </a:xfrm>
+          <a:prstGeom prst="rect">
+            <a:avLst/>
+          </a:prstGeom>
+        </p:spPr>
+      </p:pic>
+    </p:spTree>
+    <p:extLst>
+      <p:ext uri="{BB962C8B-B14F-4D97-AF65-F5344CB8AC3E}">
+        <p14:creationId xmlns:p14="http://schemas.microsoft.com/office/powerpoint/2010/main" val="1983151621"/>
+      </p:ext>
+    </p:extLst>
+  </p:cSld>
+  <p:clrMapOvr>
+    <a:masterClrMapping/>
+  </p:clrMapOvr>
+</p:sld>
+</file>
+
+<file path=ppt/slides/slide14.xml><?xml version="1.0" encoding="utf-8"?>
 <p:sld xmlns:a="http://schemas.openxmlformats.org/drawingml/2006/main" xmlns:r="http://schemas.openxmlformats.org/officeDocument/2006/relationships" xmlns:p="http://schemas.openxmlformats.org/presentationml/2006/main">
   <p:cSld>
     <p:spTree>
@@ -4893,7 +4982,7 @@
 </p:sld>
 </file>
 
-<file path=ppt/slides/slide14.xml><?xml version="1.0" encoding="utf-8"?>
+<file path=ppt/slides/slide15.xml><?xml version="1.0" encoding="utf-8"?>
 <p:sld xmlns:a="http://schemas.openxmlformats.org/drawingml/2006/main" xmlns:r="http://schemas.openxmlformats.org/officeDocument/2006/relationships" xmlns:p="http://schemas.openxmlformats.org/presentationml/2006/main">
   <p:cSld>
     <p:spTree>
@@ -5294,7 +5383,7 @@
 </p:sld>
 </file>
 
-<file path=ppt/slides/slide15.xml><?xml version="1.0" encoding="utf-8"?>
+<file path=ppt/slides/slide16.xml><?xml version="1.0" encoding="utf-8"?>
 <p:sld xmlns:a="http://schemas.openxmlformats.org/drawingml/2006/main" xmlns:r="http://schemas.openxmlformats.org/officeDocument/2006/relationships" xmlns:p="http://schemas.openxmlformats.org/presentationml/2006/main">
   <p:cSld>
     <p:spTree>
@@ -5445,7 +5534,7 @@
 </p:sld>
 </file>
 
-<file path=ppt/slides/slide16.xml><?xml version="1.0" encoding="utf-8"?>
+<file path=ppt/slides/slide17.xml><?xml version="1.0" encoding="utf-8"?>
 <p:sld xmlns:a="http://schemas.openxmlformats.org/drawingml/2006/main" xmlns:r="http://schemas.openxmlformats.org/officeDocument/2006/relationships" xmlns:p="http://schemas.openxmlformats.org/presentationml/2006/main">
   <p:cSld>
     <p:spTree>
@@ -5749,7 +5838,7 @@
 </p:sld>
 </file>
 
-<file path=ppt/slides/slide17.xml><?xml version="1.0" encoding="utf-8"?>
+<file path=ppt/slides/slide18.xml><?xml version="1.0" encoding="utf-8"?>
 <p:sld xmlns:a="http://schemas.openxmlformats.org/drawingml/2006/main" xmlns:r="http://schemas.openxmlformats.org/officeDocument/2006/relationships" xmlns:p="http://schemas.openxmlformats.org/presentationml/2006/main">
   <p:cSld>
     <p:spTree>
@@ -5923,7 +6012,7 @@
 </p:sld>
 </file>
 
-<file path=ppt/slides/slide18.xml><?xml version="1.0" encoding="utf-8"?>
+<file path=ppt/slides/slide19.xml><?xml version="1.0" encoding="utf-8"?>
 <p:sld xmlns:a="http://schemas.openxmlformats.org/drawingml/2006/main" xmlns:r="http://schemas.openxmlformats.org/officeDocument/2006/relationships" xmlns:p="http://schemas.openxmlformats.org/presentationml/2006/main">
   <p:cSld>
     <p:spTree>
@@ -6118,522 +6207,6 @@
 </p:sld>
 </file>
 
-<file path=ppt/slides/slide19.xml><?xml version="1.0" encoding="utf-8"?>
-<p:sld xmlns:a="http://schemas.openxmlformats.org/drawingml/2006/main" xmlns:r="http://schemas.openxmlformats.org/officeDocument/2006/relationships" xmlns:p="http://schemas.openxmlformats.org/presentationml/2006/main">
-  <p:cSld>
-    <p:spTree>
-      <p:nvGrpSpPr>
-        <p:cNvPr id="1" name=""/>
-        <p:cNvGrpSpPr/>
-        <p:nvPr/>
-      </p:nvGrpSpPr>
-      <p:grpSpPr>
-        <a:xfrm>
-          <a:off x="0" y="0"/>
-          <a:ext cx="0" cy="0"/>
-          <a:chOff x="0" y="0"/>
-          <a:chExt cx="0" cy="0"/>
-        </a:xfrm>
-      </p:grpSpPr>
-      <p:sp>
-        <p:nvSpPr>
-          <p:cNvPr id="2" name="Title 1">
-            <a:extLst>
-              <a:ext uri="{FF2B5EF4-FFF2-40B4-BE49-F238E27FC236}">
-                <a16:creationId xmlns:a16="http://schemas.microsoft.com/office/drawing/2014/main" id="{BBFFCFBD-10F3-A942-97D6-A91A58E96A53}"/>
-              </a:ext>
-            </a:extLst>
-          </p:cNvPr>
-          <p:cNvSpPr>
-            <a:spLocks noGrp="1"/>
-          </p:cNvSpPr>
-          <p:nvPr>
-            <p:ph type="title"/>
-          </p:nvPr>
-        </p:nvSpPr>
-        <p:spPr/>
-        <p:txBody>
-          <a:bodyPr/>
-          <a:lstStyle/>
-          <a:p>
-            <a:r>
-              <a:rPr lang="en-US" dirty="0"/>
-              <a:t>Literature Surveys – References</a:t>
-            </a:r>
-          </a:p>
-        </p:txBody>
-      </p:sp>
-      <p:sp>
-        <p:nvSpPr>
-          <p:cNvPr id="3" name="Content Placeholder 2">
-            <a:extLst>
-              <a:ext uri="{FF2B5EF4-FFF2-40B4-BE49-F238E27FC236}">
-                <a16:creationId xmlns:a16="http://schemas.microsoft.com/office/drawing/2014/main" id="{8B5CE503-65D2-434B-B746-E03119BAFA7F}"/>
-              </a:ext>
-            </a:extLst>
-          </p:cNvPr>
-          <p:cNvSpPr>
-            <a:spLocks noGrp="1"/>
-          </p:cNvSpPr>
-          <p:nvPr>
-            <p:ph idx="1"/>
-          </p:nvPr>
-        </p:nvSpPr>
-        <p:spPr>
-          <a:xfrm>
-            <a:off x="2009955" y="1328468"/>
-            <a:ext cx="10182045" cy="5529531"/>
-          </a:xfrm>
-        </p:spPr>
-        <p:txBody>
-          <a:bodyPr>
-            <a:normAutofit fontScale="47500" lnSpcReduction="20000"/>
-          </a:bodyPr>
-          <a:lstStyle/>
-          <a:p>
-            <a:pPr marL="0" indent="0">
-              <a:buNone/>
-            </a:pPr>
-            <a:r>
-              <a:rPr lang="en-US" dirty="0"/>
-              <a:t>[1] 	Ding, R., Tian, X., Bai, G., </a:t>
-            </a:r>
-            <a:r>
-              <a:rPr lang="en-US" dirty="0" err="1"/>
-              <a:t>Su</a:t>
-            </a:r>
-            <a:r>
-              <a:rPr lang="en-US" dirty="0"/>
-              <a:t>, G. &amp; Wu, X. Hardware implementation of convolutional neural network for face feature extraction. in </a:t>
-            </a:r>
-            <a:r>
-              <a:rPr lang="en-US" i="1" dirty="0"/>
-              <a:t>Proceedings of International Conference on ASIC</a:t>
-            </a:r>
-            <a:r>
-              <a:rPr lang="en-US" dirty="0"/>
-              <a:t> (IEEE Computer Society, 2019). doi:10.1109/ASICON47005.2019.8983575</a:t>
-            </a:r>
-          </a:p>
-          <a:p>
-            <a:pPr marL="0" indent="0">
-              <a:buNone/>
-            </a:pPr>
-            <a:r>
-              <a:rPr lang="en-US" dirty="0"/>
-              <a:t>[2]	Dong, Z. </a:t>
-            </a:r>
-            <a:r>
-              <a:rPr lang="en-US" i="1" dirty="0"/>
-              <a:t>et al.</a:t>
-            </a:r>
-            <a:r>
-              <a:rPr lang="en-US" dirty="0"/>
-              <a:t> Convolutional Neural Networks Based on RRAM Devices for Image Recognition and Online Learning Tasks. </a:t>
-            </a:r>
-            <a:r>
-              <a:rPr lang="en-US" i="1" dirty="0"/>
-              <a:t>IEEE Transactions on Electron Devices</a:t>
-            </a:r>
-            <a:r>
-              <a:rPr lang="en-US" dirty="0"/>
-              <a:t> </a:t>
-            </a:r>
-            <a:r>
-              <a:rPr lang="en-US" b="1" dirty="0"/>
-              <a:t>66,</a:t>
-            </a:r>
-            <a:r>
-              <a:rPr lang="en-US" dirty="0"/>
-              <a:t> 793–801 (2019).</a:t>
-            </a:r>
-          </a:p>
-          <a:p>
-            <a:pPr marL="0" indent="0">
-              <a:buNone/>
-            </a:pPr>
-            <a:r>
-              <a:rPr lang="en-US" dirty="0"/>
-              <a:t>[3] 	Soloviev, R., </a:t>
-            </a:r>
-            <a:r>
-              <a:rPr lang="en-US" dirty="0" err="1"/>
-              <a:t>Telpukhov</a:t>
-            </a:r>
-            <a:r>
-              <a:rPr lang="en-US" dirty="0"/>
-              <a:t>, D., </a:t>
-            </a:r>
-            <a:r>
-              <a:rPr lang="en-US" dirty="0" err="1"/>
-              <a:t>Mkrtchan</a:t>
-            </a:r>
-            <a:r>
-              <a:rPr lang="en-US" dirty="0"/>
-              <a:t>, I., </a:t>
-            </a:r>
-            <a:r>
-              <a:rPr lang="en-US" dirty="0" err="1"/>
-              <a:t>Kustov</a:t>
-            </a:r>
-            <a:r>
-              <a:rPr lang="en-US" dirty="0"/>
-              <a:t>, A. &amp; </a:t>
-            </a:r>
-            <a:r>
-              <a:rPr lang="en-US" dirty="0" err="1"/>
-              <a:t>Stempkovskiy</a:t>
-            </a:r>
-            <a:r>
-              <a:rPr lang="en-US" dirty="0"/>
-              <a:t>, A. Hardware Implementation of Convolutional Neural Networks Based on Residue Number System. in </a:t>
-            </a:r>
-            <a:r>
-              <a:rPr lang="en-US" i="1" dirty="0"/>
-              <a:t>Moscow Workshop on Electronic and Networking Technologies, MWENT 2020 - Proceedings</a:t>
-            </a:r>
-            <a:r>
-              <a:rPr lang="en-US" dirty="0"/>
-              <a:t> (Institute of Electrical and Electronics Engineers Inc., 2020). doi:10.1109/MWENT47943.2020.9067498</a:t>
-            </a:r>
-          </a:p>
-          <a:p>
-            <a:pPr marL="0" indent="0">
-              <a:buNone/>
-            </a:pPr>
-            <a:r>
-              <a:rPr lang="en-US" dirty="0"/>
-              <a:t>[4]	Park, B., </a:t>
-            </a:r>
-            <a:r>
-              <a:rPr lang="en-US" dirty="0" err="1"/>
-              <a:t>Ishiwara</a:t>
-            </a:r>
-            <a:r>
-              <a:rPr lang="en-US" dirty="0"/>
-              <a:t>, H., </a:t>
-            </a:r>
-            <a:r>
-              <a:rPr lang="en-US" dirty="0" err="1"/>
-              <a:t>Okuyama</a:t>
-            </a:r>
-            <a:r>
-              <a:rPr lang="en-US" dirty="0"/>
-              <a:t>, M., Sakai, S., Yoon, S. Ferroelectric-Gate Field Effect Transistor Memories Device Physics and Applications. in </a:t>
-            </a:r>
-            <a:r>
-              <a:rPr lang="en-US" i="1" dirty="0"/>
-              <a:t>Topics in Applied Physics</a:t>
-            </a:r>
-            <a:r>
-              <a:rPr lang="en-US" dirty="0"/>
-              <a:t> </a:t>
-            </a:r>
-            <a:r>
-              <a:rPr lang="en-US" b="1" dirty="0"/>
-              <a:t>131</a:t>
-            </a:r>
-            <a:r>
-              <a:rPr lang="en-US" dirty="0"/>
-              <a:t>, (2020).</a:t>
-            </a:r>
-          </a:p>
-          <a:p>
-            <a:pPr marL="0" indent="0">
-              <a:buNone/>
-            </a:pPr>
-            <a:r>
-              <a:rPr lang="en-US" dirty="0"/>
-              <a:t>[5]	</a:t>
-            </a:r>
-            <a:r>
-              <a:rPr lang="en-US" dirty="0" err="1"/>
-              <a:t>Valueva</a:t>
-            </a:r>
-            <a:r>
-              <a:rPr lang="en-US" dirty="0"/>
-              <a:t>, M. V., </a:t>
-            </a:r>
-            <a:r>
-              <a:rPr lang="en-US" dirty="0" err="1"/>
-              <a:t>Nagornov</a:t>
-            </a:r>
-            <a:r>
-              <a:rPr lang="en-US" dirty="0"/>
-              <a:t>, N. N., </a:t>
-            </a:r>
-            <a:r>
-              <a:rPr lang="en-US" dirty="0" err="1"/>
-              <a:t>Lyakhov</a:t>
-            </a:r>
-            <a:r>
-              <a:rPr lang="en-US" dirty="0"/>
-              <a:t>, P. A., </a:t>
-            </a:r>
-            <a:r>
-              <a:rPr lang="en-US" dirty="0" err="1"/>
-              <a:t>Valuev</a:t>
-            </a:r>
-            <a:r>
-              <a:rPr lang="en-US" dirty="0"/>
-              <a:t>, G. V. &amp; </a:t>
-            </a:r>
-            <a:r>
-              <a:rPr lang="en-US" dirty="0" err="1"/>
-              <a:t>Chervyakov</a:t>
-            </a:r>
-            <a:r>
-              <a:rPr lang="en-US" dirty="0"/>
-              <a:t>, N. I. Application of the residue number system to reduce hardware costs of the convolutional neural network implementation. </a:t>
-            </a:r>
-            <a:r>
-              <a:rPr lang="en-US" i="1" dirty="0"/>
-              <a:t>Mathematics and Computers in Simulation</a:t>
-            </a:r>
-            <a:r>
-              <a:rPr lang="en-US" dirty="0"/>
-              <a:t> </a:t>
-            </a:r>
-            <a:r>
-              <a:rPr lang="en-US" b="1" dirty="0"/>
-              <a:t>177,</a:t>
-            </a:r>
-            <a:r>
-              <a:rPr lang="en-US" dirty="0"/>
-              <a:t> 232–243 (2020).</a:t>
-            </a:r>
-            <a:endParaRPr lang="en-US" i="1" dirty="0"/>
-          </a:p>
-          <a:p>
-            <a:pPr marL="0" indent="0">
-              <a:buNone/>
-            </a:pPr>
-            <a:r>
-              <a:rPr lang="en-US" dirty="0"/>
-              <a:t>[6]	 Chung, J., Choi, W., Park, J. &amp; Ghosh, S. Domain Wall Memory-Based Design of Deep Neural Network Convolutional Layers. </a:t>
-            </a:r>
-            <a:r>
-              <a:rPr lang="en-US" i="1" dirty="0"/>
-              <a:t>IEEE Access</a:t>
-            </a:r>
-            <a:r>
-              <a:rPr lang="en-US" dirty="0"/>
-              <a:t> </a:t>
-            </a:r>
-            <a:r>
-              <a:rPr lang="en-US" b="1" dirty="0"/>
-              <a:t>8,</a:t>
-            </a:r>
-            <a:r>
-              <a:rPr lang="en-US" dirty="0"/>
-              <a:t> 19783–19798 (2020).</a:t>
-            </a:r>
-          </a:p>
-          <a:p>
-            <a:pPr marL="0" indent="0">
-              <a:buNone/>
-            </a:pPr>
-            <a:r>
-              <a:rPr lang="en-US" dirty="0"/>
-              <a:t>[7]	 Yao, P. </a:t>
-            </a:r>
-            <a:r>
-              <a:rPr lang="en-US" i="1" dirty="0"/>
-              <a:t>et al.</a:t>
-            </a:r>
-            <a:r>
-              <a:rPr lang="en-US" dirty="0"/>
-              <a:t> Fully hardware-implemented memristor convolutional neural network. </a:t>
-            </a:r>
-            <a:r>
-              <a:rPr lang="en-US" i="1" dirty="0"/>
-              <a:t>Nature</a:t>
-            </a:r>
-            <a:r>
-              <a:rPr lang="en-US" dirty="0"/>
-              <a:t> </a:t>
-            </a:r>
-            <a:r>
-              <a:rPr lang="en-US" b="1" dirty="0"/>
-              <a:t>577,</a:t>
-            </a:r>
-            <a:r>
-              <a:rPr lang="en-US" dirty="0"/>
-              <a:t> 641–646 (2020).</a:t>
-            </a:r>
-          </a:p>
-          <a:p>
-            <a:pPr marL="0" indent="0">
-              <a:buNone/>
-            </a:pPr>
-            <a:r>
-              <a:rPr lang="en-US" dirty="0"/>
-              <a:t>[8]	 Gong, L., Wang, C., Li, X., Chen, H. &amp; Zhou, X. MALOC: A fully pipelined FPGA accelerator for convolutional neural networks with all layers mapped on chip. </a:t>
-            </a:r>
-            <a:r>
-              <a:rPr lang="en-US" i="1" dirty="0"/>
-              <a:t>IEEE Transactions on Computer-Aided Design of Integrated Circuits and Systems</a:t>
-            </a:r>
-            <a:r>
-              <a:rPr lang="en-US" dirty="0"/>
-              <a:t> </a:t>
-            </a:r>
-            <a:r>
-              <a:rPr lang="en-US" b="1" dirty="0"/>
-              <a:t>37,</a:t>
-            </a:r>
-            <a:r>
-              <a:rPr lang="en-US" dirty="0"/>
-              <a:t> 2601–2612 (2018).</a:t>
-            </a:r>
-          </a:p>
-          <a:p>
-            <a:pPr marL="0" indent="0">
-              <a:buNone/>
-            </a:pPr>
-            <a:r>
-              <a:rPr lang="en-US" dirty="0"/>
-              <a:t>[9]	 </a:t>
-            </a:r>
-            <a:r>
-              <a:rPr lang="en-US" dirty="0" err="1"/>
-              <a:t>Solovyev</a:t>
-            </a:r>
-            <a:r>
-              <a:rPr lang="en-US" dirty="0"/>
-              <a:t>, R. A., </a:t>
-            </a:r>
-            <a:r>
-              <a:rPr lang="en-US" dirty="0" err="1"/>
-              <a:t>Stempkovsky</a:t>
-            </a:r>
-            <a:r>
-              <a:rPr lang="en-US" dirty="0"/>
-              <a:t>, A. L. &amp; </a:t>
-            </a:r>
-            <a:r>
-              <a:rPr lang="en-US" dirty="0" err="1"/>
-              <a:t>Telpukhov</a:t>
-            </a:r>
-            <a:r>
-              <a:rPr lang="en-US" dirty="0"/>
-              <a:t>, D. V. Study of Fault Tolerance Methods for Hardware Implementations of Convolutional Neural Networks. </a:t>
-            </a:r>
-            <a:r>
-              <a:rPr lang="en-US" i="1" dirty="0"/>
-              <a:t>Optical Memory and Neural Networks (Information Optics)</a:t>
-            </a:r>
-            <a:r>
-              <a:rPr lang="en-US" dirty="0"/>
-              <a:t> </a:t>
-            </a:r>
-            <a:r>
-              <a:rPr lang="en-US" b="1" dirty="0"/>
-              <a:t>28,</a:t>
-            </a:r>
-            <a:r>
-              <a:rPr lang="en-US" dirty="0"/>
-              <a:t> 82–88 (2019).</a:t>
-            </a:r>
-          </a:p>
-          <a:p>
-            <a:pPr marL="0" indent="0">
-              <a:buNone/>
-            </a:pPr>
-            <a:r>
-              <a:rPr lang="en-US" dirty="0"/>
-              <a:t>[10]	 </a:t>
-            </a:r>
-            <a:r>
-              <a:rPr lang="en-US" dirty="0" err="1"/>
-              <a:t>Hacene</a:t>
-            </a:r>
-            <a:r>
-              <a:rPr lang="en-US" dirty="0"/>
-              <a:t>, G. B., </a:t>
-            </a:r>
-            <a:r>
-              <a:rPr lang="en-US" dirty="0" err="1"/>
-              <a:t>Gripon</a:t>
-            </a:r>
-            <a:r>
-              <a:rPr lang="en-US" dirty="0"/>
-              <a:t>, V., </a:t>
-            </a:r>
-            <a:r>
-              <a:rPr lang="en-US" dirty="0" err="1"/>
-              <a:t>Arzel</a:t>
-            </a:r>
-            <a:r>
-              <a:rPr lang="en-US" dirty="0"/>
-              <a:t>, M., Farrugia, N. &amp; </a:t>
-            </a:r>
-            <a:r>
-              <a:rPr lang="en-US" dirty="0" err="1"/>
-              <a:t>Bengio</a:t>
-            </a:r>
-            <a:r>
-              <a:rPr lang="en-US" dirty="0"/>
-              <a:t>, Y. Quantized guided pruning for efficient hardware implementations of deep neural networks. in </a:t>
-            </a:r>
-            <a:r>
-              <a:rPr lang="en-US" i="1" dirty="0"/>
-              <a:t>NEWCAS 2020 - 18th IEEE International New Circuits and Systems Conference, Proceedings</a:t>
-            </a:r>
-            <a:r>
-              <a:rPr lang="en-US" dirty="0"/>
-              <a:t> 206–209 (Institute of Electrical and Electronics Engineers Inc., 2020). doi:10.1109/NEWCAS49341.2020.9159769</a:t>
-            </a:r>
-          </a:p>
-          <a:p>
-            <a:pPr marL="0" indent="0">
-              <a:buNone/>
-            </a:pPr>
-            <a:r>
-              <a:rPr lang="en-US" dirty="0"/>
-              <a:t>[11]	 </a:t>
-            </a:r>
-            <a:r>
-              <a:rPr lang="en-US" dirty="0" err="1"/>
-              <a:t>Gysel</a:t>
-            </a:r>
-            <a:r>
-              <a:rPr lang="en-US" dirty="0"/>
-              <a:t>, P. Ristretto: Hardware-Oriented Approximation of Convolutional Neural Networks. (2016).</a:t>
-            </a:r>
-          </a:p>
-          <a:p>
-            <a:pPr marL="0" indent="0">
-              <a:buNone/>
-            </a:pPr>
-            <a:r>
-              <a:rPr lang="en-US" dirty="0"/>
-              <a:t>[12]	 Chen, W., Wang, Y., Yang, C. &amp; Li, Y. Hardware acceleration implementation of three-dimensional convolutional neural network on vector digital signal processors. in </a:t>
-            </a:r>
-            <a:r>
-              <a:rPr lang="en-US" i="1" dirty="0"/>
-              <a:t>2020 4th International Conference on Robotics and Automation Sciences, ICRAS 2020</a:t>
-            </a:r>
-            <a:r>
-              <a:rPr lang="en-US" dirty="0"/>
-              <a:t> 122–129 (Institute of Electrical and Electronics Engineers Inc., 2020). doi:10.1109/ICRAS49812.2020.9135062</a:t>
-            </a:r>
-          </a:p>
-        </p:txBody>
-      </p:sp>
-    </p:spTree>
-    <p:extLst>
-      <p:ext uri="{BB962C8B-B14F-4D97-AF65-F5344CB8AC3E}">
-        <p14:creationId xmlns:p14="http://schemas.microsoft.com/office/powerpoint/2010/main" val="231561457"/>
-      </p:ext>
-    </p:extLst>
-  </p:cSld>
-  <p:clrMapOvr>
-    <a:masterClrMapping/>
-  </p:clrMapOvr>
-</p:sld>
-</file>
-
 <file path=ppt/slides/slide2.xml><?xml version="1.0" encoding="utf-8"?>
 <p:sld xmlns:a="http://schemas.openxmlformats.org/drawingml/2006/main" xmlns:r="http://schemas.openxmlformats.org/officeDocument/2006/relationships" xmlns:p="http://schemas.openxmlformats.org/presentationml/2006/main">
   <p:cSld>
@@ -6775,6 +6348,522 @@
 </file>
 
 <file path=ppt/slides/slide20.xml><?xml version="1.0" encoding="utf-8"?>
+<p:sld xmlns:a="http://schemas.openxmlformats.org/drawingml/2006/main" xmlns:r="http://schemas.openxmlformats.org/officeDocument/2006/relationships" xmlns:p="http://schemas.openxmlformats.org/presentationml/2006/main">
+  <p:cSld>
+    <p:spTree>
+      <p:nvGrpSpPr>
+        <p:cNvPr id="1" name=""/>
+        <p:cNvGrpSpPr/>
+        <p:nvPr/>
+      </p:nvGrpSpPr>
+      <p:grpSpPr>
+        <a:xfrm>
+          <a:off x="0" y="0"/>
+          <a:ext cx="0" cy="0"/>
+          <a:chOff x="0" y="0"/>
+          <a:chExt cx="0" cy="0"/>
+        </a:xfrm>
+      </p:grpSpPr>
+      <p:sp>
+        <p:nvSpPr>
+          <p:cNvPr id="2" name="Title 1">
+            <a:extLst>
+              <a:ext uri="{FF2B5EF4-FFF2-40B4-BE49-F238E27FC236}">
+                <a16:creationId xmlns:a16="http://schemas.microsoft.com/office/drawing/2014/main" id="{BBFFCFBD-10F3-A942-97D6-A91A58E96A53}"/>
+              </a:ext>
+            </a:extLst>
+          </p:cNvPr>
+          <p:cNvSpPr>
+            <a:spLocks noGrp="1"/>
+          </p:cNvSpPr>
+          <p:nvPr>
+            <p:ph type="title"/>
+          </p:nvPr>
+        </p:nvSpPr>
+        <p:spPr/>
+        <p:txBody>
+          <a:bodyPr/>
+          <a:lstStyle/>
+          <a:p>
+            <a:r>
+              <a:rPr lang="en-US" dirty="0"/>
+              <a:t>Literature Surveys – References</a:t>
+            </a:r>
+          </a:p>
+        </p:txBody>
+      </p:sp>
+      <p:sp>
+        <p:nvSpPr>
+          <p:cNvPr id="3" name="Content Placeholder 2">
+            <a:extLst>
+              <a:ext uri="{FF2B5EF4-FFF2-40B4-BE49-F238E27FC236}">
+                <a16:creationId xmlns:a16="http://schemas.microsoft.com/office/drawing/2014/main" id="{8B5CE503-65D2-434B-B746-E03119BAFA7F}"/>
+              </a:ext>
+            </a:extLst>
+          </p:cNvPr>
+          <p:cNvSpPr>
+            <a:spLocks noGrp="1"/>
+          </p:cNvSpPr>
+          <p:nvPr>
+            <p:ph idx="1"/>
+          </p:nvPr>
+        </p:nvSpPr>
+        <p:spPr>
+          <a:xfrm>
+            <a:off x="2009955" y="1328468"/>
+            <a:ext cx="10182045" cy="5529531"/>
+          </a:xfrm>
+        </p:spPr>
+        <p:txBody>
+          <a:bodyPr>
+            <a:normAutofit fontScale="47500" lnSpcReduction="20000"/>
+          </a:bodyPr>
+          <a:lstStyle/>
+          <a:p>
+            <a:pPr marL="0" indent="0">
+              <a:buNone/>
+            </a:pPr>
+            <a:r>
+              <a:rPr lang="en-US" dirty="0"/>
+              <a:t>[1] 	Ding, R., Tian, X., Bai, G., </a:t>
+            </a:r>
+            <a:r>
+              <a:rPr lang="en-US" dirty="0" err="1"/>
+              <a:t>Su</a:t>
+            </a:r>
+            <a:r>
+              <a:rPr lang="en-US" dirty="0"/>
+              <a:t>, G. &amp; Wu, X. Hardware implementation of convolutional neural network for face feature extraction. in </a:t>
+            </a:r>
+            <a:r>
+              <a:rPr lang="en-US" i="1" dirty="0"/>
+              <a:t>Proceedings of International Conference on ASIC</a:t>
+            </a:r>
+            <a:r>
+              <a:rPr lang="en-US" dirty="0"/>
+              <a:t> (IEEE Computer Society, 2019). doi:10.1109/ASICON47005.2019.8983575</a:t>
+            </a:r>
+          </a:p>
+          <a:p>
+            <a:pPr marL="0" indent="0">
+              <a:buNone/>
+            </a:pPr>
+            <a:r>
+              <a:rPr lang="en-US" dirty="0"/>
+              <a:t>[2]	Dong, Z. </a:t>
+            </a:r>
+            <a:r>
+              <a:rPr lang="en-US" i="1" dirty="0"/>
+              <a:t>et al.</a:t>
+            </a:r>
+            <a:r>
+              <a:rPr lang="en-US" dirty="0"/>
+              <a:t> Convolutional Neural Networks Based on RRAM Devices for Image Recognition and Online Learning Tasks. </a:t>
+            </a:r>
+            <a:r>
+              <a:rPr lang="en-US" i="1" dirty="0"/>
+              <a:t>IEEE Transactions on Electron Devices</a:t>
+            </a:r>
+            <a:r>
+              <a:rPr lang="en-US" dirty="0"/>
+              <a:t> </a:t>
+            </a:r>
+            <a:r>
+              <a:rPr lang="en-US" b="1" dirty="0"/>
+              <a:t>66,</a:t>
+            </a:r>
+            <a:r>
+              <a:rPr lang="en-US" dirty="0"/>
+              <a:t> 793–801 (2019).</a:t>
+            </a:r>
+          </a:p>
+          <a:p>
+            <a:pPr marL="0" indent="0">
+              <a:buNone/>
+            </a:pPr>
+            <a:r>
+              <a:rPr lang="en-US" dirty="0"/>
+              <a:t>[3] 	Soloviev, R., </a:t>
+            </a:r>
+            <a:r>
+              <a:rPr lang="en-US" dirty="0" err="1"/>
+              <a:t>Telpukhov</a:t>
+            </a:r>
+            <a:r>
+              <a:rPr lang="en-US" dirty="0"/>
+              <a:t>, D., </a:t>
+            </a:r>
+            <a:r>
+              <a:rPr lang="en-US" dirty="0" err="1"/>
+              <a:t>Mkrtchan</a:t>
+            </a:r>
+            <a:r>
+              <a:rPr lang="en-US" dirty="0"/>
+              <a:t>, I., </a:t>
+            </a:r>
+            <a:r>
+              <a:rPr lang="en-US" dirty="0" err="1"/>
+              <a:t>Kustov</a:t>
+            </a:r>
+            <a:r>
+              <a:rPr lang="en-US" dirty="0"/>
+              <a:t>, A. &amp; </a:t>
+            </a:r>
+            <a:r>
+              <a:rPr lang="en-US" dirty="0" err="1"/>
+              <a:t>Stempkovskiy</a:t>
+            </a:r>
+            <a:r>
+              <a:rPr lang="en-US" dirty="0"/>
+              <a:t>, A. Hardware Implementation of Convolutional Neural Networks Based on Residue Number System. in </a:t>
+            </a:r>
+            <a:r>
+              <a:rPr lang="en-US" i="1" dirty="0"/>
+              <a:t>Moscow Workshop on Electronic and Networking Technologies, MWENT 2020 - Proceedings</a:t>
+            </a:r>
+            <a:r>
+              <a:rPr lang="en-US" dirty="0"/>
+              <a:t> (Institute of Electrical and Electronics Engineers Inc., 2020). doi:10.1109/MWENT47943.2020.9067498</a:t>
+            </a:r>
+          </a:p>
+          <a:p>
+            <a:pPr marL="0" indent="0">
+              <a:buNone/>
+            </a:pPr>
+            <a:r>
+              <a:rPr lang="en-US" dirty="0"/>
+              <a:t>[4]	Park, B., </a:t>
+            </a:r>
+            <a:r>
+              <a:rPr lang="en-US" dirty="0" err="1"/>
+              <a:t>Ishiwara</a:t>
+            </a:r>
+            <a:r>
+              <a:rPr lang="en-US" dirty="0"/>
+              <a:t>, H., </a:t>
+            </a:r>
+            <a:r>
+              <a:rPr lang="en-US" dirty="0" err="1"/>
+              <a:t>Okuyama</a:t>
+            </a:r>
+            <a:r>
+              <a:rPr lang="en-US" dirty="0"/>
+              <a:t>, M., Sakai, S., Yoon, S. Ferroelectric-Gate Field Effect Transistor Memories Device Physics and Applications. in </a:t>
+            </a:r>
+            <a:r>
+              <a:rPr lang="en-US" i="1" dirty="0"/>
+              <a:t>Topics in Applied Physics</a:t>
+            </a:r>
+            <a:r>
+              <a:rPr lang="en-US" dirty="0"/>
+              <a:t> </a:t>
+            </a:r>
+            <a:r>
+              <a:rPr lang="en-US" b="1" dirty="0"/>
+              <a:t>131</a:t>
+            </a:r>
+            <a:r>
+              <a:rPr lang="en-US" dirty="0"/>
+              <a:t>, (2020).</a:t>
+            </a:r>
+          </a:p>
+          <a:p>
+            <a:pPr marL="0" indent="0">
+              <a:buNone/>
+            </a:pPr>
+            <a:r>
+              <a:rPr lang="en-US" dirty="0"/>
+              <a:t>[5]	</a:t>
+            </a:r>
+            <a:r>
+              <a:rPr lang="en-US" dirty="0" err="1"/>
+              <a:t>Valueva</a:t>
+            </a:r>
+            <a:r>
+              <a:rPr lang="en-US" dirty="0"/>
+              <a:t>, M. V., </a:t>
+            </a:r>
+            <a:r>
+              <a:rPr lang="en-US" dirty="0" err="1"/>
+              <a:t>Nagornov</a:t>
+            </a:r>
+            <a:r>
+              <a:rPr lang="en-US" dirty="0"/>
+              <a:t>, N. N., </a:t>
+            </a:r>
+            <a:r>
+              <a:rPr lang="en-US" dirty="0" err="1"/>
+              <a:t>Lyakhov</a:t>
+            </a:r>
+            <a:r>
+              <a:rPr lang="en-US" dirty="0"/>
+              <a:t>, P. A., </a:t>
+            </a:r>
+            <a:r>
+              <a:rPr lang="en-US" dirty="0" err="1"/>
+              <a:t>Valuev</a:t>
+            </a:r>
+            <a:r>
+              <a:rPr lang="en-US" dirty="0"/>
+              <a:t>, G. V. &amp; </a:t>
+            </a:r>
+            <a:r>
+              <a:rPr lang="en-US" dirty="0" err="1"/>
+              <a:t>Chervyakov</a:t>
+            </a:r>
+            <a:r>
+              <a:rPr lang="en-US" dirty="0"/>
+              <a:t>, N. I. Application of the residue number system to reduce hardware costs of the convolutional neural network implementation. </a:t>
+            </a:r>
+            <a:r>
+              <a:rPr lang="en-US" i="1" dirty="0"/>
+              <a:t>Mathematics and Computers in Simulation</a:t>
+            </a:r>
+            <a:r>
+              <a:rPr lang="en-US" dirty="0"/>
+              <a:t> </a:t>
+            </a:r>
+            <a:r>
+              <a:rPr lang="en-US" b="1" dirty="0"/>
+              <a:t>177,</a:t>
+            </a:r>
+            <a:r>
+              <a:rPr lang="en-US" dirty="0"/>
+              <a:t> 232–243 (2020).</a:t>
+            </a:r>
+            <a:endParaRPr lang="en-US" i="1" dirty="0"/>
+          </a:p>
+          <a:p>
+            <a:pPr marL="0" indent="0">
+              <a:buNone/>
+            </a:pPr>
+            <a:r>
+              <a:rPr lang="en-US" dirty="0"/>
+              <a:t>[6]	 Chung, J., Choi, W., Park, J. &amp; Ghosh, S. Domain Wall Memory-Based Design of Deep Neural Network Convolutional Layers. </a:t>
+            </a:r>
+            <a:r>
+              <a:rPr lang="en-US" i="1" dirty="0"/>
+              <a:t>IEEE Access</a:t>
+            </a:r>
+            <a:r>
+              <a:rPr lang="en-US" dirty="0"/>
+              <a:t> </a:t>
+            </a:r>
+            <a:r>
+              <a:rPr lang="en-US" b="1" dirty="0"/>
+              <a:t>8,</a:t>
+            </a:r>
+            <a:r>
+              <a:rPr lang="en-US" dirty="0"/>
+              <a:t> 19783–19798 (2020).</a:t>
+            </a:r>
+          </a:p>
+          <a:p>
+            <a:pPr marL="0" indent="0">
+              <a:buNone/>
+            </a:pPr>
+            <a:r>
+              <a:rPr lang="en-US" dirty="0"/>
+              <a:t>[7]	 Yao, P. </a:t>
+            </a:r>
+            <a:r>
+              <a:rPr lang="en-US" i="1" dirty="0"/>
+              <a:t>et al.</a:t>
+            </a:r>
+            <a:r>
+              <a:rPr lang="en-US" dirty="0"/>
+              <a:t> Fully hardware-implemented memristor convolutional neural network. </a:t>
+            </a:r>
+            <a:r>
+              <a:rPr lang="en-US" i="1" dirty="0"/>
+              <a:t>Nature</a:t>
+            </a:r>
+            <a:r>
+              <a:rPr lang="en-US" dirty="0"/>
+              <a:t> </a:t>
+            </a:r>
+            <a:r>
+              <a:rPr lang="en-US" b="1" dirty="0"/>
+              <a:t>577,</a:t>
+            </a:r>
+            <a:r>
+              <a:rPr lang="en-US" dirty="0"/>
+              <a:t> 641–646 (2020).</a:t>
+            </a:r>
+          </a:p>
+          <a:p>
+            <a:pPr marL="0" indent="0">
+              <a:buNone/>
+            </a:pPr>
+            <a:r>
+              <a:rPr lang="en-US" dirty="0"/>
+              <a:t>[8]	 Gong, L., Wang, C., Li, X., Chen, H. &amp; Zhou, X. MALOC: A fully pipelined FPGA accelerator for convolutional neural networks with all layers mapped on chip. </a:t>
+            </a:r>
+            <a:r>
+              <a:rPr lang="en-US" i="1" dirty="0"/>
+              <a:t>IEEE Transactions on Computer-Aided Design of Integrated Circuits and Systems</a:t>
+            </a:r>
+            <a:r>
+              <a:rPr lang="en-US" dirty="0"/>
+              <a:t> </a:t>
+            </a:r>
+            <a:r>
+              <a:rPr lang="en-US" b="1" dirty="0"/>
+              <a:t>37,</a:t>
+            </a:r>
+            <a:r>
+              <a:rPr lang="en-US" dirty="0"/>
+              <a:t> 2601–2612 (2018).</a:t>
+            </a:r>
+          </a:p>
+          <a:p>
+            <a:pPr marL="0" indent="0">
+              <a:buNone/>
+            </a:pPr>
+            <a:r>
+              <a:rPr lang="en-US" dirty="0"/>
+              <a:t>[9]	 </a:t>
+            </a:r>
+            <a:r>
+              <a:rPr lang="en-US" dirty="0" err="1"/>
+              <a:t>Solovyev</a:t>
+            </a:r>
+            <a:r>
+              <a:rPr lang="en-US" dirty="0"/>
+              <a:t>, R. A., </a:t>
+            </a:r>
+            <a:r>
+              <a:rPr lang="en-US" dirty="0" err="1"/>
+              <a:t>Stempkovsky</a:t>
+            </a:r>
+            <a:r>
+              <a:rPr lang="en-US" dirty="0"/>
+              <a:t>, A. L. &amp; </a:t>
+            </a:r>
+            <a:r>
+              <a:rPr lang="en-US" dirty="0" err="1"/>
+              <a:t>Telpukhov</a:t>
+            </a:r>
+            <a:r>
+              <a:rPr lang="en-US" dirty="0"/>
+              <a:t>, D. V. Study of Fault Tolerance Methods for Hardware Implementations of Convolutional Neural Networks. </a:t>
+            </a:r>
+            <a:r>
+              <a:rPr lang="en-US" i="1" dirty="0"/>
+              <a:t>Optical Memory and Neural Networks (Information Optics)</a:t>
+            </a:r>
+            <a:r>
+              <a:rPr lang="en-US" dirty="0"/>
+              <a:t> </a:t>
+            </a:r>
+            <a:r>
+              <a:rPr lang="en-US" b="1" dirty="0"/>
+              <a:t>28,</a:t>
+            </a:r>
+            <a:r>
+              <a:rPr lang="en-US" dirty="0"/>
+              <a:t> 82–88 (2019).</a:t>
+            </a:r>
+          </a:p>
+          <a:p>
+            <a:pPr marL="0" indent="0">
+              <a:buNone/>
+            </a:pPr>
+            <a:r>
+              <a:rPr lang="en-US" dirty="0"/>
+              <a:t>[10]	 </a:t>
+            </a:r>
+            <a:r>
+              <a:rPr lang="en-US" dirty="0" err="1"/>
+              <a:t>Hacene</a:t>
+            </a:r>
+            <a:r>
+              <a:rPr lang="en-US" dirty="0"/>
+              <a:t>, G. B., </a:t>
+            </a:r>
+            <a:r>
+              <a:rPr lang="en-US" dirty="0" err="1"/>
+              <a:t>Gripon</a:t>
+            </a:r>
+            <a:r>
+              <a:rPr lang="en-US" dirty="0"/>
+              <a:t>, V., </a:t>
+            </a:r>
+            <a:r>
+              <a:rPr lang="en-US" dirty="0" err="1"/>
+              <a:t>Arzel</a:t>
+            </a:r>
+            <a:r>
+              <a:rPr lang="en-US" dirty="0"/>
+              <a:t>, M., Farrugia, N. &amp; </a:t>
+            </a:r>
+            <a:r>
+              <a:rPr lang="en-US" dirty="0" err="1"/>
+              <a:t>Bengio</a:t>
+            </a:r>
+            <a:r>
+              <a:rPr lang="en-US" dirty="0"/>
+              <a:t>, Y. Quantized guided pruning for efficient hardware implementations of deep neural networks. in </a:t>
+            </a:r>
+            <a:r>
+              <a:rPr lang="en-US" i="1" dirty="0"/>
+              <a:t>NEWCAS 2020 - 18th IEEE International New Circuits and Systems Conference, Proceedings</a:t>
+            </a:r>
+            <a:r>
+              <a:rPr lang="en-US" dirty="0"/>
+              <a:t> 206–209 (Institute of Electrical and Electronics Engineers Inc., 2020). doi:10.1109/NEWCAS49341.2020.9159769</a:t>
+            </a:r>
+          </a:p>
+          <a:p>
+            <a:pPr marL="0" indent="0">
+              <a:buNone/>
+            </a:pPr>
+            <a:r>
+              <a:rPr lang="en-US" dirty="0"/>
+              <a:t>[11]	 </a:t>
+            </a:r>
+            <a:r>
+              <a:rPr lang="en-US" dirty="0" err="1"/>
+              <a:t>Gysel</a:t>
+            </a:r>
+            <a:r>
+              <a:rPr lang="en-US" dirty="0"/>
+              <a:t>, P. Ristretto: Hardware-Oriented Approximation of Convolutional Neural Networks. (2016).</a:t>
+            </a:r>
+          </a:p>
+          <a:p>
+            <a:pPr marL="0" indent="0">
+              <a:buNone/>
+            </a:pPr>
+            <a:r>
+              <a:rPr lang="en-US" dirty="0"/>
+              <a:t>[12]	 Chen, W., Wang, Y., Yang, C. &amp; Li, Y. Hardware acceleration implementation of three-dimensional convolutional neural network on vector digital signal processors. in </a:t>
+            </a:r>
+            <a:r>
+              <a:rPr lang="en-US" i="1" dirty="0"/>
+              <a:t>2020 4th International Conference on Robotics and Automation Sciences, ICRAS 2020</a:t>
+            </a:r>
+            <a:r>
+              <a:rPr lang="en-US" dirty="0"/>
+              <a:t> 122–129 (Institute of Electrical and Electronics Engineers Inc., 2020). doi:10.1109/ICRAS49812.2020.9135062</a:t>
+            </a:r>
+          </a:p>
+        </p:txBody>
+      </p:sp>
+    </p:spTree>
+    <p:extLst>
+      <p:ext uri="{BB962C8B-B14F-4D97-AF65-F5344CB8AC3E}">
+        <p14:creationId xmlns:p14="http://schemas.microsoft.com/office/powerpoint/2010/main" val="231561457"/>
+      </p:ext>
+    </p:extLst>
+  </p:cSld>
+  <p:clrMapOvr>
+    <a:masterClrMapping/>
+  </p:clrMapOvr>
+</p:sld>
+</file>
+
+<file path=ppt/slides/slide21.xml><?xml version="1.0" encoding="utf-8"?>
 <p:sld xmlns:a="http://schemas.openxmlformats.org/drawingml/2006/main" xmlns:r="http://schemas.openxmlformats.org/officeDocument/2006/relationships" xmlns:p="http://schemas.openxmlformats.org/presentationml/2006/main">
   <p:cSld>
     <p:spTree>
